--- a/U_of_A Final Project.pptx
+++ b/U_of_A Final Project.pptx
@@ -1,31 +1,42 @@
 
 <file path=ppt/presentation.xml><?xml version="1.0" encoding="utf-8"?>
-<p:presentation xmlns:a="http://schemas.openxmlformats.org/drawingml/2006/main" xmlns:r="http://schemas.openxmlformats.org/officeDocument/2006/relationships" xmlns:mc="http://schemas.openxmlformats.org/markup-compatibility/2006" xmlns:mv="urn:schemas-microsoft-com:mac:vml" xmlns:p="http://schemas.openxmlformats.org/presentationml/2006/main" xmlns:c="http://schemas.openxmlformats.org/drawingml/2006/chart" xmlns:dgm="http://schemas.openxmlformats.org/drawingml/2006/diagram" xmlns:o="urn:schemas-microsoft-com:office:office" xmlns:v="urn:schemas-microsoft-com:vml" xmlns:pvml="urn:schemas-microsoft-com:office:powerpoint" xmlns:com="http://schemas.openxmlformats.org/drawingml/2006/compatibility" xmlns:p14="http://schemas.microsoft.com/office/powerpoint/2010/main" xmlns:p15="http://schemas.microsoft.com/office/powerpoint/2012/main" xmlns:ahyp="http://schemas.microsoft.com/office/drawing/2018/hyperlinkcolor" autoCompressPictures="0" embedTrueTypeFonts="1" strictFirstAndLastChars="0" saveSubsetFonts="1">
+<p:presentation xmlns:a="http://schemas.openxmlformats.org/drawingml/2006/main" xmlns:r="http://schemas.openxmlformats.org/officeDocument/2006/relationships" xmlns:p="http://schemas.openxmlformats.org/presentationml/2006/main" strictFirstAndLastChars="0" embedTrueTypeFonts="1" saveSubsetFonts="1" autoCompressPictures="0">
   <p:sldMasterIdLst>
-    <p:sldMasterId id="2147483659" r:id="rId4"/>
+    <p:sldMasterId id="2147483659" r:id="rId1"/>
   </p:sldMasterIdLst>
   <p:notesMasterIdLst>
-    <p:notesMasterId r:id="rId5"/>
+    <p:notesMasterId r:id="rId6"/>
   </p:notesMasterIdLst>
   <p:sldIdLst>
-    <p:sldId id="256" r:id="rId6"/>
-    <p:sldId id="257" r:id="rId7"/>
-    <p:sldId id="258" r:id="rId8"/>
-    <p:sldId id="259" r:id="rId9"/>
+    <p:sldId id="256" r:id="rId2"/>
+    <p:sldId id="257" r:id="rId3"/>
+    <p:sldId id="258" r:id="rId4"/>
+    <p:sldId id="259" r:id="rId5"/>
   </p:sldIdLst>
-  <p:sldSz cy="5143500" cx="9144000"/>
+  <p:sldSz cx="9144000" cy="5143500" type="screen16x9"/>
   <p:notesSz cx="6858000" cy="9144000"/>
   <p:embeddedFontLst>
     <p:embeddedFont>
-      <p:font typeface="Nunito"/>
-      <p:regular r:id="rId10"/>
-      <p:bold r:id="rId11"/>
-      <p:italic r:id="rId12"/>
-      <p:boldItalic r:id="rId13"/>
+      <p:font typeface="Calibri" panose="020F0502020204030204" pitchFamily="34" charset="0"/>
+      <p:regular r:id="rId7"/>
+      <p:bold r:id="rId8"/>
+      <p:italic r:id="rId9"/>
+      <p:boldItalic r:id="rId10"/>
+    </p:embeddedFont>
+    <p:embeddedFont>
+      <p:font typeface="Lucida Console" panose="020B0609040504020204" pitchFamily="49" charset="0"/>
+      <p:regular r:id="rId11"/>
+    </p:embeddedFont>
+    <p:embeddedFont>
+      <p:font typeface="Nunito" pitchFamily="2" charset="0"/>
+      <p:regular r:id="rId12"/>
+      <p:bold r:id="rId13"/>
+      <p:italic r:id="rId14"/>
+      <p:boldItalic r:id="rId15"/>
     </p:embeddedFont>
   </p:embeddedFontLst>
   <p:defaultTextStyle>
-    <a:defPPr lvl="0" marR="0" rtl="0" algn="l">
+    <a:defPPr marR="0" lvl="0" algn="l" rtl="0">
       <a:lnSpc>
         <a:spcPct val="100000"/>
       </a:lnSpc>
@@ -36,7 +47,7 @@
         <a:spcPts val="0"/>
       </a:spcAft>
     </a:defPPr>
-    <a:lvl1pPr lvl="0" marR="0" rtl="0" algn="l">
+    <a:lvl1pPr marR="0" lvl="0" algn="l" rtl="0">
       <a:lnSpc>
         <a:spcPct val="100000"/>
       </a:lnSpc>
@@ -50,7 +61,7 @@
         <a:srgbClr val="000000"/>
       </a:buClr>
       <a:buFont typeface="Arial"/>
-      <a:defRPr b="0" i="0" sz="1400" u="none" cap="none" strike="noStrike">
+      <a:defRPr sz="1400" b="0" i="0" u="none" strike="noStrike" cap="none">
         <a:solidFill>
           <a:srgbClr val="000000"/>
         </a:solidFill>
@@ -60,7 +71,7 @@
         <a:sym typeface="Arial"/>
       </a:defRPr>
     </a:lvl1pPr>
-    <a:lvl2pPr lvl="1" marR="0" rtl="0" algn="l">
+    <a:lvl2pPr marR="0" lvl="1" algn="l" rtl="0">
       <a:lnSpc>
         <a:spcPct val="100000"/>
       </a:lnSpc>
@@ -74,7 +85,7 @@
         <a:srgbClr val="000000"/>
       </a:buClr>
       <a:buFont typeface="Arial"/>
-      <a:defRPr b="0" i="0" sz="1400" u="none" cap="none" strike="noStrike">
+      <a:defRPr sz="1400" b="0" i="0" u="none" strike="noStrike" cap="none">
         <a:solidFill>
           <a:srgbClr val="000000"/>
         </a:solidFill>
@@ -84,7 +95,7 @@
         <a:sym typeface="Arial"/>
       </a:defRPr>
     </a:lvl2pPr>
-    <a:lvl3pPr lvl="2" marR="0" rtl="0" algn="l">
+    <a:lvl3pPr marR="0" lvl="2" algn="l" rtl="0">
       <a:lnSpc>
         <a:spcPct val="100000"/>
       </a:lnSpc>
@@ -98,7 +109,7 @@
         <a:srgbClr val="000000"/>
       </a:buClr>
       <a:buFont typeface="Arial"/>
-      <a:defRPr b="0" i="0" sz="1400" u="none" cap="none" strike="noStrike">
+      <a:defRPr sz="1400" b="0" i="0" u="none" strike="noStrike" cap="none">
         <a:solidFill>
           <a:srgbClr val="000000"/>
         </a:solidFill>
@@ -108,7 +119,7 @@
         <a:sym typeface="Arial"/>
       </a:defRPr>
     </a:lvl3pPr>
-    <a:lvl4pPr lvl="3" marR="0" rtl="0" algn="l">
+    <a:lvl4pPr marR="0" lvl="3" algn="l" rtl="0">
       <a:lnSpc>
         <a:spcPct val="100000"/>
       </a:lnSpc>
@@ -122,7 +133,7 @@
         <a:srgbClr val="000000"/>
       </a:buClr>
       <a:buFont typeface="Arial"/>
-      <a:defRPr b="0" i="0" sz="1400" u="none" cap="none" strike="noStrike">
+      <a:defRPr sz="1400" b="0" i="0" u="none" strike="noStrike" cap="none">
         <a:solidFill>
           <a:srgbClr val="000000"/>
         </a:solidFill>
@@ -132,7 +143,7 @@
         <a:sym typeface="Arial"/>
       </a:defRPr>
     </a:lvl4pPr>
-    <a:lvl5pPr lvl="4" marR="0" rtl="0" algn="l">
+    <a:lvl5pPr marR="0" lvl="4" algn="l" rtl="0">
       <a:lnSpc>
         <a:spcPct val="100000"/>
       </a:lnSpc>
@@ -146,7 +157,7 @@
         <a:srgbClr val="000000"/>
       </a:buClr>
       <a:buFont typeface="Arial"/>
-      <a:defRPr b="0" i="0" sz="1400" u="none" cap="none" strike="noStrike">
+      <a:defRPr sz="1400" b="0" i="0" u="none" strike="noStrike" cap="none">
         <a:solidFill>
           <a:srgbClr val="000000"/>
         </a:solidFill>
@@ -156,7 +167,7 @@
         <a:sym typeface="Arial"/>
       </a:defRPr>
     </a:lvl5pPr>
-    <a:lvl6pPr lvl="5" marR="0" rtl="0" algn="l">
+    <a:lvl6pPr marR="0" lvl="5" algn="l" rtl="0">
       <a:lnSpc>
         <a:spcPct val="100000"/>
       </a:lnSpc>
@@ -170,7 +181,7 @@
         <a:srgbClr val="000000"/>
       </a:buClr>
       <a:buFont typeface="Arial"/>
-      <a:defRPr b="0" i="0" sz="1400" u="none" cap="none" strike="noStrike">
+      <a:defRPr sz="1400" b="0" i="0" u="none" strike="noStrike" cap="none">
         <a:solidFill>
           <a:srgbClr val="000000"/>
         </a:solidFill>
@@ -180,7 +191,7 @@
         <a:sym typeface="Arial"/>
       </a:defRPr>
     </a:lvl6pPr>
-    <a:lvl7pPr lvl="6" marR="0" rtl="0" algn="l">
+    <a:lvl7pPr marR="0" lvl="6" algn="l" rtl="0">
       <a:lnSpc>
         <a:spcPct val="100000"/>
       </a:lnSpc>
@@ -194,7 +205,7 @@
         <a:srgbClr val="000000"/>
       </a:buClr>
       <a:buFont typeface="Arial"/>
-      <a:defRPr b="0" i="0" sz="1400" u="none" cap="none" strike="noStrike">
+      <a:defRPr sz="1400" b="0" i="0" u="none" strike="noStrike" cap="none">
         <a:solidFill>
           <a:srgbClr val="000000"/>
         </a:solidFill>
@@ -204,7 +215,7 @@
         <a:sym typeface="Arial"/>
       </a:defRPr>
     </a:lvl7pPr>
-    <a:lvl8pPr lvl="7" marR="0" rtl="0" algn="l">
+    <a:lvl8pPr marR="0" lvl="7" algn="l" rtl="0">
       <a:lnSpc>
         <a:spcPct val="100000"/>
       </a:lnSpc>
@@ -218,7 +229,7 @@
         <a:srgbClr val="000000"/>
       </a:buClr>
       <a:buFont typeface="Arial"/>
-      <a:defRPr b="0" i="0" sz="1400" u="none" cap="none" strike="noStrike">
+      <a:defRPr sz="1400" b="0" i="0" u="none" strike="noStrike" cap="none">
         <a:solidFill>
           <a:srgbClr val="000000"/>
         </a:solidFill>
@@ -228,7 +239,7 @@
         <a:sym typeface="Arial"/>
       </a:defRPr>
     </a:lvl8pPr>
-    <a:lvl9pPr lvl="8" marR="0" rtl="0" algn="l">
+    <a:lvl9pPr marR="0" lvl="8" algn="l" rtl="0">
       <a:lnSpc>
         <a:spcPct val="100000"/>
       </a:lnSpc>
@@ -242,7 +253,7 @@
         <a:srgbClr val="000000"/>
       </a:buClr>
       <a:buFont typeface="Arial"/>
-      <a:defRPr b="0" i="0" sz="1400" u="none" cap="none" strike="noStrike">
+      <a:defRPr sz="1400" b="0" i="0" u="none" strike="noStrike" cap="none">
         <a:solidFill>
           <a:srgbClr val="000000"/>
         </a:solidFill>
@@ -255,7 +266,7 @@
   </p:defaultTextStyle>
   <p:extLst>
     <p:ext uri="{EFAFB233-063F-42B5-8137-9DF3F51BA10A}">
-      <p15:sldGuideLst>
+      <p15:sldGuideLst xmlns:p15="http://schemas.microsoft.com/office/powerpoint/2012/main">
         <p15:guide id="1" orient="horz" pos="1620">
           <p15:clr>
             <a:srgbClr val="A4A3A4"/>
@@ -273,11 +284,16 @@
 </file>
 
 <file path=ppt/notesMasters/notesMaster1.xml><?xml version="1.0" encoding="utf-8"?>
-<p:notesMaster xmlns:a="http://schemas.openxmlformats.org/drawingml/2006/main" xmlns:r="http://schemas.openxmlformats.org/officeDocument/2006/relationships" xmlns:mc="http://schemas.openxmlformats.org/markup-compatibility/2006" xmlns:mv="urn:schemas-microsoft-com:mac:vml" xmlns:p="http://schemas.openxmlformats.org/presentationml/2006/main" xmlns:c="http://schemas.openxmlformats.org/drawingml/2006/chart" xmlns:dgm="http://schemas.openxmlformats.org/drawingml/2006/diagram" xmlns:o="urn:schemas-microsoft-com:office:office" xmlns:v="urn:schemas-microsoft-com:vml" xmlns:pvml="urn:schemas-microsoft-com:office:powerpoint" xmlns:com="http://schemas.openxmlformats.org/drawingml/2006/compatibility" xmlns:p14="http://schemas.microsoft.com/office/powerpoint/2010/main" xmlns:p15="http://schemas.microsoft.com/office/powerpoint/2012/main" xmlns:ahyp="http://schemas.microsoft.com/office/drawing/2018/hyperlinkcolor">
+<p:notesMaster xmlns:a="http://schemas.openxmlformats.org/drawingml/2006/main" xmlns:r="http://schemas.openxmlformats.org/officeDocument/2006/relationships" xmlns:p="http://schemas.openxmlformats.org/presentationml/2006/main">
   <p:cSld>
+    <p:bg>
+      <p:bgRef idx="1001">
+        <a:schemeClr val="bg1"/>
+      </p:bgRef>
+    </p:bg>
     <p:spTree>
       <p:nvGrpSpPr>
-        <p:cNvPr id="2" name="Shape 2"/>
+        <p:cNvPr id="1" name="Shape 2"/>
         <p:cNvGrpSpPr/>
         <p:nvPr/>
       </p:nvGrpSpPr>
@@ -292,9 +308,11 @@
       <p:sp>
         <p:nvSpPr>
           <p:cNvPr id="3" name="Google Shape;3;n"/>
-          <p:cNvSpPr/>
+          <p:cNvSpPr>
+            <a:spLocks noGrp="1" noRot="1" noChangeAspect="1"/>
+          </p:cNvSpPr>
           <p:nvPr>
-            <p:ph idx="2" type="sldImg"/>
+            <p:ph type="sldImg" idx="2"/>
           </p:nvPr>
         </p:nvSpPr>
         <p:spPr>
@@ -303,9 +321,13 @@
             <a:ext cx="6096075" cy="3429000"/>
           </a:xfrm>
           <a:custGeom>
-            <a:rect b="b" l="l" r="r" t="t"/>
+            <a:avLst/>
+            <a:gdLst/>
+            <a:ahLst/>
+            <a:cxnLst/>
+            <a:rect l="l" t="t" r="r" b="b"/>
             <a:pathLst>
-              <a:path extrusionOk="0" h="120000" w="120000">
+              <a:path w="120000" h="120000" extrusionOk="0">
                 <a:moveTo>
                   <a:pt x="0" y="0"/>
                 </a:moveTo>
@@ -323,23 +345,25 @@
             </a:pathLst>
           </a:custGeom>
           <a:noFill/>
-          <a:ln cap="flat" cmpd="sng" w="9525">
+          <a:ln w="9525" cap="flat" cmpd="sng">
             <a:solidFill>
               <a:srgbClr val="000000"/>
             </a:solidFill>
             <a:prstDash val="solid"/>
             <a:round/>
-            <a:headEnd len="sm" w="sm" type="none"/>
-            <a:tailEnd len="sm" w="sm" type="none"/>
+            <a:headEnd type="none" w="sm" len="sm"/>
+            <a:tailEnd type="none" w="sm" len="sm"/>
           </a:ln>
         </p:spPr>
       </p:sp>
       <p:sp>
         <p:nvSpPr>
           <p:cNvPr id="4" name="Google Shape;4;n"/>
-          <p:cNvSpPr txBox="1"/>
+          <p:cNvSpPr txBox="1">
+            <a:spLocks noGrp="1"/>
+          </p:cNvSpPr>
           <p:nvPr>
-            <p:ph idx="1" type="body"/>
+            <p:ph type="body" idx="1"/>
           </p:nvPr>
         </p:nvSpPr>
         <p:spPr>
@@ -356,11 +380,11 @@
           </a:ln>
         </p:spPr>
         <p:txBody>
-          <a:bodyPr anchorCtr="0" anchor="t" bIns="91425" lIns="91425" spcFirstLastPara="1" rIns="91425" wrap="square" tIns="91425">
+          <a:bodyPr spcFirstLastPara="1" wrap="square" lIns="91425" tIns="91425" rIns="91425" bIns="91425" anchor="t" anchorCtr="0">
             <a:noAutofit/>
           </a:bodyPr>
           <a:lstStyle>
-            <a:lvl1pPr indent="-298450" lvl="0" marL="457200">
+            <a:lvl1pPr marL="457200" lvl="0" indent="-298450">
               <a:spcBef>
                 <a:spcPts val="0"/>
               </a:spcBef>
@@ -371,7 +395,7 @@
               <a:buChar char="●"/>
               <a:defRPr sz="1100"/>
             </a:lvl1pPr>
-            <a:lvl2pPr indent="-298450" lvl="1" marL="914400">
+            <a:lvl2pPr marL="914400" lvl="1" indent="-298450">
               <a:spcBef>
                 <a:spcPts val="0"/>
               </a:spcBef>
@@ -382,7 +406,7 @@
               <a:buChar char="○"/>
               <a:defRPr sz="1100"/>
             </a:lvl2pPr>
-            <a:lvl3pPr indent="-298450" lvl="2" marL="1371600">
+            <a:lvl3pPr marL="1371600" lvl="2" indent="-298450">
               <a:spcBef>
                 <a:spcPts val="0"/>
               </a:spcBef>
@@ -393,7 +417,7 @@
               <a:buChar char="■"/>
               <a:defRPr sz="1100"/>
             </a:lvl3pPr>
-            <a:lvl4pPr indent="-298450" lvl="3" marL="1828800">
+            <a:lvl4pPr marL="1828800" lvl="3" indent="-298450">
               <a:spcBef>
                 <a:spcPts val="0"/>
               </a:spcBef>
@@ -404,7 +428,7 @@
               <a:buChar char="●"/>
               <a:defRPr sz="1100"/>
             </a:lvl4pPr>
-            <a:lvl5pPr indent="-298450" lvl="4" marL="2286000">
+            <a:lvl5pPr marL="2286000" lvl="4" indent="-298450">
               <a:spcBef>
                 <a:spcPts val="0"/>
               </a:spcBef>
@@ -415,7 +439,7 @@
               <a:buChar char="○"/>
               <a:defRPr sz="1100"/>
             </a:lvl5pPr>
-            <a:lvl6pPr indent="-298450" lvl="5" marL="2743200">
+            <a:lvl6pPr marL="2743200" lvl="5" indent="-298450">
               <a:spcBef>
                 <a:spcPts val="0"/>
               </a:spcBef>
@@ -426,7 +450,7 @@
               <a:buChar char="■"/>
               <a:defRPr sz="1100"/>
             </a:lvl6pPr>
-            <a:lvl7pPr indent="-298450" lvl="6" marL="3200400">
+            <a:lvl7pPr marL="3200400" lvl="6" indent="-298450">
               <a:spcBef>
                 <a:spcPts val="0"/>
               </a:spcBef>
@@ -437,7 +461,7 @@
               <a:buChar char="●"/>
               <a:defRPr sz="1100"/>
             </a:lvl7pPr>
-            <a:lvl8pPr indent="-298450" lvl="7" marL="3657600">
+            <a:lvl8pPr marL="3657600" lvl="7" indent="-298450">
               <a:spcBef>
                 <a:spcPts val="0"/>
               </a:spcBef>
@@ -448,7 +472,7 @@
               <a:buChar char="○"/>
               <a:defRPr sz="1100"/>
             </a:lvl8pPr>
-            <a:lvl9pPr indent="-298450" lvl="8" marL="4114800">
+            <a:lvl9pPr marL="4114800" lvl="8" indent="-298450">
               <a:spcBef>
                 <a:spcPts val="0"/>
               </a:spcBef>
@@ -460,14 +484,16 @@
               <a:defRPr sz="1100"/>
             </a:lvl9pPr>
           </a:lstStyle>
-          <a:p/>
+          <a:p>
+            <a:endParaRPr/>
+          </a:p>
         </p:txBody>
       </p:sp>
     </p:spTree>
   </p:cSld>
-  <p:clrMap accent1="accent1" accent2="accent2" accent3="accent3" accent4="accent4" accent5="accent5" accent6="accent6" bg1="lt1" bg2="dk2" tx1="dk1" tx2="lt2" folHlink="folHlink" hlink="hlink"/>
+  <p:clrMap bg1="lt1" tx1="dk1" bg2="dk2" tx2="lt2" accent1="accent1" accent2="accent2" accent3="accent3" accent4="accent4" accent5="accent5" accent6="accent6" hlink="hlink" folHlink="folHlink"/>
   <p:notesStyle>
-    <a:defPPr lvl="0" marR="0" rtl="0" algn="l">
+    <a:defPPr marR="0" lvl="0" algn="l" rtl="0">
       <a:lnSpc>
         <a:spcPct val="100000"/>
       </a:lnSpc>
@@ -478,7 +504,7 @@
         <a:spcPts val="0"/>
       </a:spcAft>
     </a:defPPr>
-    <a:lvl1pPr lvl="0" marR="0" rtl="0" algn="l">
+    <a:lvl1pPr marR="0" lvl="0" algn="l" rtl="0">
       <a:lnSpc>
         <a:spcPct val="100000"/>
       </a:lnSpc>
@@ -492,7 +518,7 @@
         <a:srgbClr val="000000"/>
       </a:buClr>
       <a:buFont typeface="Arial"/>
-      <a:defRPr b="0" i="0" sz="1400" u="none" cap="none" strike="noStrike">
+      <a:defRPr sz="1400" b="0" i="0" u="none" strike="noStrike" cap="none">
         <a:solidFill>
           <a:srgbClr val="000000"/>
         </a:solidFill>
@@ -502,7 +528,7 @@
         <a:sym typeface="Arial"/>
       </a:defRPr>
     </a:lvl1pPr>
-    <a:lvl2pPr lvl="1" marR="0" rtl="0" algn="l">
+    <a:lvl2pPr marR="0" lvl="1" algn="l" rtl="0">
       <a:lnSpc>
         <a:spcPct val="100000"/>
       </a:lnSpc>
@@ -516,7 +542,7 @@
         <a:srgbClr val="000000"/>
       </a:buClr>
       <a:buFont typeface="Arial"/>
-      <a:defRPr b="0" i="0" sz="1400" u="none" cap="none" strike="noStrike">
+      <a:defRPr sz="1400" b="0" i="0" u="none" strike="noStrike" cap="none">
         <a:solidFill>
           <a:srgbClr val="000000"/>
         </a:solidFill>
@@ -526,7 +552,7 @@
         <a:sym typeface="Arial"/>
       </a:defRPr>
     </a:lvl2pPr>
-    <a:lvl3pPr lvl="2" marR="0" rtl="0" algn="l">
+    <a:lvl3pPr marR="0" lvl="2" algn="l" rtl="0">
       <a:lnSpc>
         <a:spcPct val="100000"/>
       </a:lnSpc>
@@ -540,7 +566,7 @@
         <a:srgbClr val="000000"/>
       </a:buClr>
       <a:buFont typeface="Arial"/>
-      <a:defRPr b="0" i="0" sz="1400" u="none" cap="none" strike="noStrike">
+      <a:defRPr sz="1400" b="0" i="0" u="none" strike="noStrike" cap="none">
         <a:solidFill>
           <a:srgbClr val="000000"/>
         </a:solidFill>
@@ -550,7 +576,7 @@
         <a:sym typeface="Arial"/>
       </a:defRPr>
     </a:lvl3pPr>
-    <a:lvl4pPr lvl="3" marR="0" rtl="0" algn="l">
+    <a:lvl4pPr marR="0" lvl="3" algn="l" rtl="0">
       <a:lnSpc>
         <a:spcPct val="100000"/>
       </a:lnSpc>
@@ -564,7 +590,7 @@
         <a:srgbClr val="000000"/>
       </a:buClr>
       <a:buFont typeface="Arial"/>
-      <a:defRPr b="0" i="0" sz="1400" u="none" cap="none" strike="noStrike">
+      <a:defRPr sz="1400" b="0" i="0" u="none" strike="noStrike" cap="none">
         <a:solidFill>
           <a:srgbClr val="000000"/>
         </a:solidFill>
@@ -574,7 +600,7 @@
         <a:sym typeface="Arial"/>
       </a:defRPr>
     </a:lvl4pPr>
-    <a:lvl5pPr lvl="4" marR="0" rtl="0" algn="l">
+    <a:lvl5pPr marR="0" lvl="4" algn="l" rtl="0">
       <a:lnSpc>
         <a:spcPct val="100000"/>
       </a:lnSpc>
@@ -588,7 +614,7 @@
         <a:srgbClr val="000000"/>
       </a:buClr>
       <a:buFont typeface="Arial"/>
-      <a:defRPr b="0" i="0" sz="1400" u="none" cap="none" strike="noStrike">
+      <a:defRPr sz="1400" b="0" i="0" u="none" strike="noStrike" cap="none">
         <a:solidFill>
           <a:srgbClr val="000000"/>
         </a:solidFill>
@@ -598,7 +624,7 @@
         <a:sym typeface="Arial"/>
       </a:defRPr>
     </a:lvl5pPr>
-    <a:lvl6pPr lvl="5" marR="0" rtl="0" algn="l">
+    <a:lvl6pPr marR="0" lvl="5" algn="l" rtl="0">
       <a:lnSpc>
         <a:spcPct val="100000"/>
       </a:lnSpc>
@@ -612,7 +638,7 @@
         <a:srgbClr val="000000"/>
       </a:buClr>
       <a:buFont typeface="Arial"/>
-      <a:defRPr b="0" i="0" sz="1400" u="none" cap="none" strike="noStrike">
+      <a:defRPr sz="1400" b="0" i="0" u="none" strike="noStrike" cap="none">
         <a:solidFill>
           <a:srgbClr val="000000"/>
         </a:solidFill>
@@ -622,7 +648,7 @@
         <a:sym typeface="Arial"/>
       </a:defRPr>
     </a:lvl6pPr>
-    <a:lvl7pPr lvl="6" marR="0" rtl="0" algn="l">
+    <a:lvl7pPr marR="0" lvl="6" algn="l" rtl="0">
       <a:lnSpc>
         <a:spcPct val="100000"/>
       </a:lnSpc>
@@ -636,7 +662,7 @@
         <a:srgbClr val="000000"/>
       </a:buClr>
       <a:buFont typeface="Arial"/>
-      <a:defRPr b="0" i="0" sz="1400" u="none" cap="none" strike="noStrike">
+      <a:defRPr sz="1400" b="0" i="0" u="none" strike="noStrike" cap="none">
         <a:solidFill>
           <a:srgbClr val="000000"/>
         </a:solidFill>
@@ -646,7 +672,7 @@
         <a:sym typeface="Arial"/>
       </a:defRPr>
     </a:lvl7pPr>
-    <a:lvl8pPr lvl="7" marR="0" rtl="0" algn="l">
+    <a:lvl8pPr marR="0" lvl="7" algn="l" rtl="0">
       <a:lnSpc>
         <a:spcPct val="100000"/>
       </a:lnSpc>
@@ -660,7 +686,7 @@
         <a:srgbClr val="000000"/>
       </a:buClr>
       <a:buFont typeface="Arial"/>
-      <a:defRPr b="0" i="0" sz="1400" u="none" cap="none" strike="noStrike">
+      <a:defRPr sz="1400" b="0" i="0" u="none" strike="noStrike" cap="none">
         <a:solidFill>
           <a:srgbClr val="000000"/>
         </a:solidFill>
@@ -670,7 +696,7 @@
         <a:sym typeface="Arial"/>
       </a:defRPr>
     </a:lvl8pPr>
-    <a:lvl9pPr lvl="8" marR="0" rtl="0" algn="l">
+    <a:lvl9pPr marR="0" lvl="8" algn="l" rtl="0">
       <a:lnSpc>
         <a:spcPct val="100000"/>
       </a:lnSpc>
@@ -684,7 +710,7 @@
         <a:srgbClr val="000000"/>
       </a:buClr>
       <a:buFont typeface="Arial"/>
-      <a:defRPr b="0" i="0" sz="1400" u="none" cap="none" strike="noStrike">
+      <a:defRPr sz="1400" b="0" i="0" u="none" strike="noStrike" cap="none">
         <a:solidFill>
           <a:srgbClr val="000000"/>
         </a:solidFill>
@@ -699,11 +725,11 @@
 </file>
 
 <file path=ppt/notesSlides/notesSlide1.xml><?xml version="1.0" encoding="utf-8"?>
-<p:notes xmlns:a="http://schemas.openxmlformats.org/drawingml/2006/main" xmlns:r="http://schemas.openxmlformats.org/officeDocument/2006/relationships" xmlns:mc="http://schemas.openxmlformats.org/markup-compatibility/2006" xmlns:mv="urn:schemas-microsoft-com:mac:vml" xmlns:p="http://schemas.openxmlformats.org/presentationml/2006/main" xmlns:c="http://schemas.openxmlformats.org/drawingml/2006/chart" xmlns:dgm="http://schemas.openxmlformats.org/drawingml/2006/diagram" xmlns:o="urn:schemas-microsoft-com:office:office" xmlns:v="urn:schemas-microsoft-com:vml" xmlns:pvml="urn:schemas-microsoft-com:office:powerpoint" xmlns:com="http://schemas.openxmlformats.org/drawingml/2006/compatibility" xmlns:p14="http://schemas.microsoft.com/office/powerpoint/2010/main" xmlns:p15="http://schemas.microsoft.com/office/powerpoint/2012/main" xmlns:ahyp="http://schemas.microsoft.com/office/drawing/2018/hyperlinkcolor" showMasterPhAnim="0" showMasterSp="0">
+<p:notes xmlns:a="http://schemas.openxmlformats.org/drawingml/2006/main" xmlns:r="http://schemas.openxmlformats.org/officeDocument/2006/relationships" xmlns:p="http://schemas.openxmlformats.org/presentationml/2006/main" showMasterSp="0" showMasterPhAnim="0">
   <p:cSld>
     <p:spTree>
       <p:nvGrpSpPr>
-        <p:cNvPr id="124" name="Shape 124"/>
+        <p:cNvPr id="1" name="Shape 124"/>
         <p:cNvGrpSpPr/>
         <p:nvPr/>
       </p:nvGrpSpPr>
@@ -718,9 +744,11 @@
       <p:sp>
         <p:nvSpPr>
           <p:cNvPr id="125" name="Google Shape;125;p:notes"/>
-          <p:cNvSpPr/>
+          <p:cNvSpPr>
+            <a:spLocks noGrp="1" noRot="1" noChangeAspect="1"/>
+          </p:cNvSpPr>
           <p:nvPr>
-            <p:ph idx="2" type="sldImg"/>
+            <p:ph type="sldImg" idx="2"/>
           </p:nvPr>
         </p:nvSpPr>
         <p:spPr>
@@ -729,9 +757,13 @@
             <a:ext cx="6096075" cy="3429000"/>
           </a:xfrm>
           <a:custGeom>
-            <a:rect b="b" l="l" r="r" t="t"/>
+            <a:avLst/>
+            <a:gdLst/>
+            <a:ahLst/>
+            <a:cxnLst/>
+            <a:rect l="l" t="t" r="r" b="b"/>
             <a:pathLst>
-              <a:path extrusionOk="0" h="120000" w="120000">
+              <a:path w="120000" h="120000" extrusionOk="0">
                 <a:moveTo>
                   <a:pt x="0" y="0"/>
                 </a:moveTo>
@@ -753,9 +785,11 @@
       <p:sp>
         <p:nvSpPr>
           <p:cNvPr id="126" name="Google Shape;126;p:notes"/>
-          <p:cNvSpPr txBox="1"/>
+          <p:cNvSpPr txBox="1">
+            <a:spLocks noGrp="1"/>
+          </p:cNvSpPr>
           <p:nvPr>
-            <p:ph idx="1" type="body"/>
+            <p:ph type="body" idx="1"/>
           </p:nvPr>
         </p:nvSpPr>
         <p:spPr>
@@ -768,12 +802,12 @@
           </a:prstGeom>
         </p:spPr>
         <p:txBody>
-          <a:bodyPr anchorCtr="0" anchor="t" bIns="91425" lIns="91425" spcFirstLastPara="1" rIns="91425" wrap="square" tIns="91425">
+          <a:bodyPr spcFirstLastPara="1" wrap="square" lIns="91425" tIns="91425" rIns="91425" bIns="91425" anchor="t" anchorCtr="0">
             <a:noAutofit/>
           </a:bodyPr>
           <a:lstStyle/>
           <a:p>
-            <a:pPr indent="0" lvl="0" marL="0" rtl="0" algn="l">
+            <a:pPr marL="0" lvl="0" indent="0" algn="l" rtl="0">
               <a:spcBef>
                 <a:spcPts val="0"/>
               </a:spcBef>
@@ -782,9 +816,6 @@
               </a:spcAft>
               <a:buNone/>
             </a:pPr>
-            <a:r>
-              <a:t/>
-            </a:r>
             <a:endParaRPr/>
           </a:p>
         </p:txBody>
@@ -798,11 +829,11 @@
 </file>
 
 <file path=ppt/notesSlides/notesSlide2.xml><?xml version="1.0" encoding="utf-8"?>
-<p:notes xmlns:a="http://schemas.openxmlformats.org/drawingml/2006/main" xmlns:r="http://schemas.openxmlformats.org/officeDocument/2006/relationships" xmlns:mc="http://schemas.openxmlformats.org/markup-compatibility/2006" xmlns:mv="urn:schemas-microsoft-com:mac:vml" xmlns:p="http://schemas.openxmlformats.org/presentationml/2006/main" xmlns:c="http://schemas.openxmlformats.org/drawingml/2006/chart" xmlns:dgm="http://schemas.openxmlformats.org/drawingml/2006/diagram" xmlns:o="urn:schemas-microsoft-com:office:office" xmlns:v="urn:schemas-microsoft-com:vml" xmlns:pvml="urn:schemas-microsoft-com:office:powerpoint" xmlns:com="http://schemas.openxmlformats.org/drawingml/2006/compatibility" xmlns:p14="http://schemas.microsoft.com/office/powerpoint/2010/main" xmlns:p15="http://schemas.microsoft.com/office/powerpoint/2012/main" xmlns:ahyp="http://schemas.microsoft.com/office/drawing/2018/hyperlinkcolor" showMasterPhAnim="0" showMasterSp="0">
+<p:notes xmlns:a="http://schemas.openxmlformats.org/drawingml/2006/main" xmlns:r="http://schemas.openxmlformats.org/officeDocument/2006/relationships" xmlns:p="http://schemas.openxmlformats.org/presentationml/2006/main" showMasterSp="0" showMasterPhAnim="0">
   <p:cSld>
     <p:spTree>
       <p:nvGrpSpPr>
-        <p:cNvPr id="131" name="Shape 131"/>
+        <p:cNvPr id="1" name="Shape 131"/>
         <p:cNvGrpSpPr/>
         <p:nvPr/>
       </p:nvGrpSpPr>
@@ -817,20 +848,26 @@
       <p:sp>
         <p:nvSpPr>
           <p:cNvPr id="132" name="Google Shape;132;g11391ae5c65_0_129:notes"/>
-          <p:cNvSpPr/>
+          <p:cNvSpPr>
+            <a:spLocks noGrp="1" noRot="1" noChangeAspect="1"/>
+          </p:cNvSpPr>
           <p:nvPr>
-            <p:ph idx="2" type="sldImg"/>
+            <p:ph type="sldImg" idx="2"/>
           </p:nvPr>
         </p:nvSpPr>
         <p:spPr>
           <a:xfrm>
-            <a:off x="381300" y="685800"/>
+            <a:off x="381000" y="685800"/>
             <a:ext cx="6096000" cy="3429000"/>
           </a:xfrm>
           <a:custGeom>
-            <a:rect b="b" l="l" r="r" t="t"/>
+            <a:avLst/>
+            <a:gdLst/>
+            <a:ahLst/>
+            <a:cxnLst/>
+            <a:rect l="l" t="t" r="r" b="b"/>
             <a:pathLst>
-              <a:path extrusionOk="0" h="120000" w="120000">
+              <a:path w="120000" h="120000" extrusionOk="0">
                 <a:moveTo>
                   <a:pt x="0" y="0"/>
                 </a:moveTo>
@@ -852,9 +889,11 @@
       <p:sp>
         <p:nvSpPr>
           <p:cNvPr id="133" name="Google Shape;133;g11391ae5c65_0_129:notes"/>
-          <p:cNvSpPr txBox="1"/>
+          <p:cNvSpPr txBox="1">
+            <a:spLocks noGrp="1"/>
+          </p:cNvSpPr>
           <p:nvPr>
-            <p:ph idx="1" type="body"/>
+            <p:ph type="body" idx="1"/>
           </p:nvPr>
         </p:nvSpPr>
         <p:spPr>
@@ -867,12 +906,12 @@
           </a:prstGeom>
         </p:spPr>
         <p:txBody>
-          <a:bodyPr anchorCtr="0" anchor="t" bIns="91425" lIns="91425" spcFirstLastPara="1" rIns="91425" wrap="square" tIns="91425">
+          <a:bodyPr spcFirstLastPara="1" wrap="square" lIns="91425" tIns="91425" rIns="91425" bIns="91425" anchor="t" anchorCtr="0">
             <a:noAutofit/>
           </a:bodyPr>
           <a:lstStyle/>
           <a:p>
-            <a:pPr indent="0" lvl="0" marL="0" rtl="0" algn="l">
+            <a:pPr marL="0" lvl="0" indent="0" algn="l" rtl="0">
               <a:spcBef>
                 <a:spcPts val="0"/>
               </a:spcBef>
@@ -881,9 +920,6 @@
               </a:spcAft>
               <a:buNone/>
             </a:pPr>
-            <a:r>
-              <a:t/>
-            </a:r>
             <a:endParaRPr/>
           </a:p>
         </p:txBody>
@@ -897,11 +933,11 @@
 </file>
 
 <file path=ppt/notesSlides/notesSlide3.xml><?xml version="1.0" encoding="utf-8"?>
-<p:notes xmlns:a="http://schemas.openxmlformats.org/drawingml/2006/main" xmlns:r="http://schemas.openxmlformats.org/officeDocument/2006/relationships" xmlns:mc="http://schemas.openxmlformats.org/markup-compatibility/2006" xmlns:mv="urn:schemas-microsoft-com:mac:vml" xmlns:p="http://schemas.openxmlformats.org/presentationml/2006/main" xmlns:c="http://schemas.openxmlformats.org/drawingml/2006/chart" xmlns:dgm="http://schemas.openxmlformats.org/drawingml/2006/diagram" xmlns:o="urn:schemas-microsoft-com:office:office" xmlns:v="urn:schemas-microsoft-com:vml" xmlns:pvml="urn:schemas-microsoft-com:office:powerpoint" xmlns:com="http://schemas.openxmlformats.org/drawingml/2006/compatibility" xmlns:p14="http://schemas.microsoft.com/office/powerpoint/2010/main" xmlns:p15="http://schemas.microsoft.com/office/powerpoint/2012/main" xmlns:ahyp="http://schemas.microsoft.com/office/drawing/2018/hyperlinkcolor" showMasterPhAnim="0" showMasterSp="0">
+<p:notes xmlns:a="http://schemas.openxmlformats.org/drawingml/2006/main" xmlns:r="http://schemas.openxmlformats.org/officeDocument/2006/relationships" xmlns:p="http://schemas.openxmlformats.org/presentationml/2006/main" showMasterSp="0" showMasterPhAnim="0">
   <p:cSld>
     <p:spTree>
       <p:nvGrpSpPr>
-        <p:cNvPr id="137" name="Shape 137"/>
+        <p:cNvPr id="1" name="Shape 137"/>
         <p:cNvGrpSpPr/>
         <p:nvPr/>
       </p:nvGrpSpPr>
@@ -916,20 +952,26 @@
       <p:sp>
         <p:nvSpPr>
           <p:cNvPr id="138" name="Google Shape;138;g11391ae5c65_0_119:notes"/>
-          <p:cNvSpPr/>
+          <p:cNvSpPr>
+            <a:spLocks noGrp="1" noRot="1" noChangeAspect="1"/>
+          </p:cNvSpPr>
           <p:nvPr>
-            <p:ph idx="2" type="sldImg"/>
+            <p:ph type="sldImg" idx="2"/>
           </p:nvPr>
         </p:nvSpPr>
         <p:spPr>
           <a:xfrm>
-            <a:off x="381300" y="685800"/>
+            <a:off x="381000" y="685800"/>
             <a:ext cx="6096000" cy="3429000"/>
           </a:xfrm>
           <a:custGeom>
-            <a:rect b="b" l="l" r="r" t="t"/>
+            <a:avLst/>
+            <a:gdLst/>
+            <a:ahLst/>
+            <a:cxnLst/>
+            <a:rect l="l" t="t" r="r" b="b"/>
             <a:pathLst>
-              <a:path extrusionOk="0" h="120000" w="120000">
+              <a:path w="120000" h="120000" extrusionOk="0">
                 <a:moveTo>
                   <a:pt x="0" y="0"/>
                 </a:moveTo>
@@ -951,9 +993,11 @@
       <p:sp>
         <p:nvSpPr>
           <p:cNvPr id="139" name="Google Shape;139;g11391ae5c65_0_119:notes"/>
-          <p:cNvSpPr txBox="1"/>
+          <p:cNvSpPr txBox="1">
+            <a:spLocks noGrp="1"/>
+          </p:cNvSpPr>
           <p:nvPr>
-            <p:ph idx="1" type="body"/>
+            <p:ph type="body" idx="1"/>
           </p:nvPr>
         </p:nvSpPr>
         <p:spPr>
@@ -966,12 +1010,12 @@
           </a:prstGeom>
         </p:spPr>
         <p:txBody>
-          <a:bodyPr anchorCtr="0" anchor="t" bIns="91425" lIns="91425" spcFirstLastPara="1" rIns="91425" wrap="square" tIns="91425">
+          <a:bodyPr spcFirstLastPara="1" wrap="square" lIns="91425" tIns="91425" rIns="91425" bIns="91425" anchor="t" anchorCtr="0">
             <a:noAutofit/>
           </a:bodyPr>
           <a:lstStyle/>
           <a:p>
-            <a:pPr indent="0" lvl="0" marL="0" rtl="0" algn="l">
+            <a:pPr marL="0" lvl="0" indent="0" algn="l" rtl="0">
               <a:spcBef>
                 <a:spcPts val="0"/>
               </a:spcBef>
@@ -980,9 +1024,6 @@
               </a:spcAft>
               <a:buNone/>
             </a:pPr>
-            <a:r>
-              <a:t/>
-            </a:r>
             <a:endParaRPr/>
           </a:p>
         </p:txBody>
@@ -996,11 +1037,11 @@
 </file>
 
 <file path=ppt/notesSlides/notesSlide4.xml><?xml version="1.0" encoding="utf-8"?>
-<p:notes xmlns:a="http://schemas.openxmlformats.org/drawingml/2006/main" xmlns:r="http://schemas.openxmlformats.org/officeDocument/2006/relationships" xmlns:mc="http://schemas.openxmlformats.org/markup-compatibility/2006" xmlns:mv="urn:schemas-microsoft-com:mac:vml" xmlns:p="http://schemas.openxmlformats.org/presentationml/2006/main" xmlns:c="http://schemas.openxmlformats.org/drawingml/2006/chart" xmlns:dgm="http://schemas.openxmlformats.org/drawingml/2006/diagram" xmlns:o="urn:schemas-microsoft-com:office:office" xmlns:v="urn:schemas-microsoft-com:vml" xmlns:pvml="urn:schemas-microsoft-com:office:powerpoint" xmlns:com="http://schemas.openxmlformats.org/drawingml/2006/compatibility" xmlns:p14="http://schemas.microsoft.com/office/powerpoint/2010/main" xmlns:p15="http://schemas.microsoft.com/office/powerpoint/2012/main" xmlns:ahyp="http://schemas.microsoft.com/office/drawing/2018/hyperlinkcolor" showMasterPhAnim="0" showMasterSp="0">
+<p:notes xmlns:a="http://schemas.openxmlformats.org/drawingml/2006/main" xmlns:r="http://schemas.openxmlformats.org/officeDocument/2006/relationships" xmlns:p="http://schemas.openxmlformats.org/presentationml/2006/main" showMasterSp="0" showMasterPhAnim="0">
   <p:cSld>
     <p:spTree>
       <p:nvGrpSpPr>
-        <p:cNvPr id="143" name="Shape 143"/>
+        <p:cNvPr id="1" name="Shape 143"/>
         <p:cNvGrpSpPr/>
         <p:nvPr/>
       </p:nvGrpSpPr>
@@ -1015,20 +1056,26 @@
       <p:sp>
         <p:nvSpPr>
           <p:cNvPr id="144" name="Google Shape;144;g11391ae5c65_0_124:notes"/>
-          <p:cNvSpPr/>
+          <p:cNvSpPr>
+            <a:spLocks noGrp="1" noRot="1" noChangeAspect="1"/>
+          </p:cNvSpPr>
           <p:nvPr>
-            <p:ph idx="2" type="sldImg"/>
+            <p:ph type="sldImg" idx="2"/>
           </p:nvPr>
         </p:nvSpPr>
         <p:spPr>
           <a:xfrm>
-            <a:off x="381300" y="685800"/>
+            <a:off x="381000" y="685800"/>
             <a:ext cx="6096000" cy="3429000"/>
           </a:xfrm>
           <a:custGeom>
-            <a:rect b="b" l="l" r="r" t="t"/>
+            <a:avLst/>
+            <a:gdLst/>
+            <a:ahLst/>
+            <a:cxnLst/>
+            <a:rect l="l" t="t" r="r" b="b"/>
             <a:pathLst>
-              <a:path extrusionOk="0" h="120000" w="120000">
+              <a:path w="120000" h="120000" extrusionOk="0">
                 <a:moveTo>
                   <a:pt x="0" y="0"/>
                 </a:moveTo>
@@ -1050,9 +1097,11 @@
       <p:sp>
         <p:nvSpPr>
           <p:cNvPr id="145" name="Google Shape;145;g11391ae5c65_0_124:notes"/>
-          <p:cNvSpPr txBox="1"/>
+          <p:cNvSpPr txBox="1">
+            <a:spLocks noGrp="1"/>
+          </p:cNvSpPr>
           <p:nvPr>
-            <p:ph idx="1" type="body"/>
+            <p:ph type="body" idx="1"/>
           </p:nvPr>
         </p:nvSpPr>
         <p:spPr>
@@ -1065,12 +1114,12 @@
           </a:prstGeom>
         </p:spPr>
         <p:txBody>
-          <a:bodyPr anchorCtr="0" anchor="t" bIns="91425" lIns="91425" spcFirstLastPara="1" rIns="91425" wrap="square" tIns="91425">
+          <a:bodyPr spcFirstLastPara="1" wrap="square" lIns="91425" tIns="91425" rIns="91425" bIns="91425" anchor="t" anchorCtr="0">
             <a:noAutofit/>
           </a:bodyPr>
           <a:lstStyle/>
           <a:p>
-            <a:pPr indent="0" lvl="0" marL="0" rtl="0" algn="l">
+            <a:pPr marL="0" lvl="0" indent="0" algn="l" rtl="0">
               <a:spcBef>
                 <a:spcPts val="0"/>
               </a:spcBef>
@@ -1079,9 +1128,6 @@
               </a:spcAft>
               <a:buNone/>
             </a:pPr>
-            <a:r>
-              <a:t/>
-            </a:r>
             <a:endParaRPr/>
           </a:p>
         </p:txBody>
@@ -1095,18 +1141,19 @@
 </file>
 
 <file path=ppt/slideLayouts/slideLayout1.xml><?xml version="1.0" encoding="utf-8"?>
-<p:sldLayout xmlns:a="http://schemas.openxmlformats.org/drawingml/2006/main" xmlns:r="http://schemas.openxmlformats.org/officeDocument/2006/relationships" xmlns:mc="http://schemas.openxmlformats.org/markup-compatibility/2006" xmlns:mv="urn:schemas-microsoft-com:mac:vml" xmlns:p="http://schemas.openxmlformats.org/presentationml/2006/main" xmlns:c="http://schemas.openxmlformats.org/drawingml/2006/chart" xmlns:dgm="http://schemas.openxmlformats.org/drawingml/2006/diagram" xmlns:o="urn:schemas-microsoft-com:office:office" xmlns:v="urn:schemas-microsoft-com:vml" xmlns:pvml="urn:schemas-microsoft-com:office:powerpoint" xmlns:com="http://schemas.openxmlformats.org/drawingml/2006/compatibility" xmlns:p14="http://schemas.microsoft.com/office/powerpoint/2010/main" xmlns:p15="http://schemas.microsoft.com/office/powerpoint/2012/main" xmlns:ahyp="http://schemas.microsoft.com/office/drawing/2018/hyperlinkcolor" matchingName="Title slide" type="title">
+<p:sldLayout xmlns:a="http://schemas.openxmlformats.org/drawingml/2006/main" xmlns:r="http://schemas.openxmlformats.org/officeDocument/2006/relationships" xmlns:p="http://schemas.openxmlformats.org/presentationml/2006/main" matchingName="Title slide" type="title">
   <p:cSld name="TITLE">
     <p:bg>
       <p:bgPr>
         <a:solidFill>
           <a:schemeClr val="accent6"/>
         </a:solidFill>
+        <a:effectLst/>
       </p:bgPr>
     </p:bg>
     <p:spTree>
       <p:nvGrpSpPr>
-        <p:cNvPr id="9" name="Shape 9"/>
+        <p:cNvPr id="1" name="Shape 9"/>
         <p:cNvGrpSpPr/>
         <p:nvPr/>
       </p:nvGrpSpPr>
@@ -1140,12 +1187,12 @@
           </a:ln>
         </p:spPr>
         <p:txBody>
-          <a:bodyPr anchorCtr="0" anchor="ctr" bIns="91425" lIns="91425" spcFirstLastPara="1" rIns="91425" wrap="square" tIns="91425">
+          <a:bodyPr spcFirstLastPara="1" wrap="square" lIns="91425" tIns="91425" rIns="91425" bIns="91425" anchor="ctr" anchorCtr="0">
             <a:noAutofit/>
           </a:bodyPr>
           <a:lstStyle/>
           <a:p>
-            <a:pPr indent="0" lvl="0" marL="0" rtl="0" algn="l">
+            <a:pPr marL="0" lvl="0" indent="0" algn="l" rtl="0">
               <a:spcBef>
                 <a:spcPts val="0"/>
               </a:spcBef>
@@ -1154,9 +1201,6 @@
               </a:spcAft>
               <a:buNone/>
             </a:pPr>
-            <a:r>
-              <a:t/>
-            </a:r>
             <a:endParaRPr/>
           </a:p>
         </p:txBody>
@@ -1183,12 +1227,12 @@
           </a:ln>
         </p:spPr>
         <p:txBody>
-          <a:bodyPr anchorCtr="0" anchor="ctr" bIns="91425" lIns="91425" spcFirstLastPara="1" rIns="91425" wrap="square" tIns="91425">
+          <a:bodyPr spcFirstLastPara="1" wrap="square" lIns="91425" tIns="91425" rIns="91425" bIns="91425" anchor="ctr" anchorCtr="0">
             <a:noAutofit/>
           </a:bodyPr>
           <a:lstStyle/>
           <a:p>
-            <a:pPr indent="0" lvl="0" marL="0" rtl="0" algn="l">
+            <a:pPr marL="0" lvl="0" indent="0" algn="l" rtl="0">
               <a:spcBef>
                 <a:spcPts val="0"/>
               </a:spcBef>
@@ -1197,9 +1241,6 @@
               </a:spcAft>
               <a:buNone/>
             </a:pPr>
-            <a:r>
-              <a:t/>
-            </a:r>
             <a:endParaRPr/>
           </a:p>
         </p:txBody>
@@ -1226,12 +1267,12 @@
           </a:ln>
         </p:spPr>
         <p:txBody>
-          <a:bodyPr anchorCtr="0" anchor="ctr" bIns="91425" lIns="91425" spcFirstLastPara="1" rIns="91425" wrap="square" tIns="91425">
+          <a:bodyPr spcFirstLastPara="1" wrap="square" lIns="91425" tIns="91425" rIns="91425" bIns="91425" anchor="ctr" anchorCtr="0">
             <a:noAutofit/>
           </a:bodyPr>
           <a:lstStyle/>
           <a:p>
-            <a:pPr indent="0" lvl="0" marL="0" rtl="0" algn="l">
+            <a:pPr marL="0" lvl="0" indent="0" algn="l" rtl="0">
               <a:spcBef>
                 <a:spcPts val="0"/>
               </a:spcBef>
@@ -1240,9 +1281,6 @@
               </a:spcAft>
               <a:buNone/>
             </a:pPr>
-            <a:r>
-              <a:t/>
-            </a:r>
             <a:endParaRPr/>
           </a:p>
         </p:txBody>
@@ -1268,7 +1306,7 @@
             <a:noFill/>
           </a:ln>
           <a:effectLst>
-            <a:outerShdw blurRad="228600" sx="101000" rotWithShape="0" algn="ctr" sy="101000">
+            <a:outerShdw blurRad="228600" sx="101000" sy="101000" algn="ctr" rotWithShape="0">
               <a:srgbClr val="000000">
                 <a:alpha val="40000"/>
               </a:srgbClr>
@@ -1276,12 +1314,12 @@
           </a:effectLst>
         </p:spPr>
         <p:txBody>
-          <a:bodyPr anchorCtr="0" anchor="ctr" bIns="91425" lIns="91425" spcFirstLastPara="1" rIns="91425" wrap="square" tIns="91425">
+          <a:bodyPr spcFirstLastPara="1" wrap="square" lIns="91425" tIns="91425" rIns="91425" bIns="91425" anchor="ctr" anchorCtr="0">
             <a:noAutofit/>
           </a:bodyPr>
           <a:lstStyle/>
           <a:p>
-            <a:pPr indent="0" lvl="0" marL="0" rtl="0" algn="l">
+            <a:pPr marL="0" lvl="0" indent="0" algn="l" rtl="0">
               <a:spcBef>
                 <a:spcPts val="0"/>
               </a:spcBef>
@@ -1290,9 +1328,6 @@
               </a:spcAft>
               <a:buNone/>
             </a:pPr>
-            <a:r>
-              <a:t/>
-            </a:r>
             <a:endParaRPr/>
           </a:p>
         </p:txBody>
@@ -1324,7 +1359,7 @@
             </a:xfrm>
             <a:prstGeom prst="parallelogram">
               <a:avLst>
-                <a:gd fmla="val 153193" name="adj"/>
+                <a:gd name="adj" fmla="val 153193"/>
               </a:avLst>
             </a:prstGeom>
             <a:solidFill>
@@ -1335,12 +1370,12 @@
             </a:ln>
           </p:spPr>
           <p:txBody>
-            <a:bodyPr anchorCtr="0" anchor="ctr" bIns="91425" lIns="91425" spcFirstLastPara="1" rIns="91425" wrap="square" tIns="91425">
+            <a:bodyPr spcFirstLastPara="1" wrap="square" lIns="91425" tIns="91425" rIns="91425" bIns="91425" anchor="ctr" anchorCtr="0">
               <a:noAutofit/>
             </a:bodyPr>
             <a:lstStyle/>
             <a:p>
-              <a:pPr indent="0" lvl="0" marL="0" rtl="0" algn="l">
+              <a:pPr marL="0" lvl="0" indent="0" algn="l" rtl="0">
                 <a:spcBef>
                   <a:spcPts val="0"/>
                 </a:spcBef>
@@ -1349,9 +1384,6 @@
                 </a:spcAft>
                 <a:buNone/>
               </a:pPr>
-              <a:r>
-                <a:t/>
-              </a:r>
               <a:endParaRPr/>
             </a:p>
           </p:txBody>
@@ -1369,7 +1401,7 @@
             </a:xfrm>
             <a:prstGeom prst="parallelogram">
               <a:avLst>
-                <a:gd fmla="val 153193" name="adj"/>
+                <a:gd name="adj" fmla="val 153193"/>
               </a:avLst>
             </a:prstGeom>
             <a:solidFill>
@@ -1380,12 +1412,12 @@
             </a:ln>
           </p:spPr>
           <p:txBody>
-            <a:bodyPr anchorCtr="0" anchor="ctr" bIns="91425" lIns="91425" spcFirstLastPara="1" rIns="91425" wrap="square" tIns="91425">
+            <a:bodyPr spcFirstLastPara="1" wrap="square" lIns="91425" tIns="91425" rIns="91425" bIns="91425" anchor="ctr" anchorCtr="0">
               <a:noAutofit/>
             </a:bodyPr>
             <a:lstStyle/>
             <a:p>
-              <a:pPr indent="0" lvl="0" marL="0" rtl="0" algn="l">
+              <a:pPr marL="0" lvl="0" indent="0" algn="l" rtl="0">
                 <a:spcBef>
                   <a:spcPts val="0"/>
                 </a:spcBef>
@@ -1394,9 +1426,6 @@
                 </a:spcAft>
                 <a:buNone/>
               </a:pPr>
-              <a:r>
-                <a:t/>
-              </a:r>
               <a:endParaRPr/>
             </a:p>
           </p:txBody>
@@ -1414,7 +1443,7 @@
             </a:xfrm>
             <a:prstGeom prst="parallelogram">
               <a:avLst>
-                <a:gd fmla="val 153193" name="adj"/>
+                <a:gd name="adj" fmla="val 153193"/>
               </a:avLst>
             </a:prstGeom>
             <a:solidFill>
@@ -1425,12 +1454,12 @@
             </a:ln>
           </p:spPr>
           <p:txBody>
-            <a:bodyPr anchorCtr="0" anchor="ctr" bIns="91425" lIns="91425" spcFirstLastPara="1" rIns="91425" wrap="square" tIns="91425">
+            <a:bodyPr spcFirstLastPara="1" wrap="square" lIns="91425" tIns="91425" rIns="91425" bIns="91425" anchor="ctr" anchorCtr="0">
               <a:noAutofit/>
             </a:bodyPr>
             <a:lstStyle/>
             <a:p>
-              <a:pPr indent="0" lvl="0" marL="0" rtl="0" algn="l">
+              <a:pPr marL="0" lvl="0" indent="0" algn="l" rtl="0">
                 <a:spcBef>
                   <a:spcPts val="0"/>
                 </a:spcBef>
@@ -1439,9 +1468,6 @@
                 </a:spcAft>
                 <a:buNone/>
               </a:pPr>
-              <a:r>
-                <a:t/>
-              </a:r>
               <a:endParaRPr/>
             </a:p>
           </p:txBody>
@@ -1474,7 +1500,7 @@
             </a:xfrm>
             <a:prstGeom prst="parallelogram">
               <a:avLst>
-                <a:gd fmla="val 153193" name="adj"/>
+                <a:gd name="adj" fmla="val 153193"/>
               </a:avLst>
             </a:prstGeom>
             <a:solidFill>
@@ -1485,12 +1511,12 @@
             </a:ln>
           </p:spPr>
           <p:txBody>
-            <a:bodyPr anchorCtr="0" anchor="ctr" bIns="91425" lIns="91425" spcFirstLastPara="1" rIns="91425" wrap="square" tIns="91425">
+            <a:bodyPr spcFirstLastPara="1" wrap="square" lIns="91425" tIns="91425" rIns="91425" bIns="91425" anchor="ctr" anchorCtr="0">
               <a:noAutofit/>
             </a:bodyPr>
             <a:lstStyle/>
             <a:p>
-              <a:pPr indent="0" lvl="0" marL="0" rtl="0" algn="l">
+              <a:pPr marL="0" lvl="0" indent="0" algn="l" rtl="0">
                 <a:spcBef>
                   <a:spcPts val="0"/>
                 </a:spcBef>
@@ -1499,9 +1525,6 @@
                 </a:spcAft>
                 <a:buNone/>
               </a:pPr>
-              <a:r>
-                <a:t/>
-              </a:r>
               <a:endParaRPr/>
             </a:p>
           </p:txBody>
@@ -1519,7 +1542,7 @@
             </a:xfrm>
             <a:prstGeom prst="parallelogram">
               <a:avLst>
-                <a:gd fmla="val 153193" name="adj"/>
+                <a:gd name="adj" fmla="val 153193"/>
               </a:avLst>
             </a:prstGeom>
             <a:solidFill>
@@ -1530,12 +1553,12 @@
             </a:ln>
           </p:spPr>
           <p:txBody>
-            <a:bodyPr anchorCtr="0" anchor="ctr" bIns="91425" lIns="91425" spcFirstLastPara="1" rIns="91425" wrap="square" tIns="91425">
+            <a:bodyPr spcFirstLastPara="1" wrap="square" lIns="91425" tIns="91425" rIns="91425" bIns="91425" anchor="ctr" anchorCtr="0">
               <a:noAutofit/>
             </a:bodyPr>
             <a:lstStyle/>
             <a:p>
-              <a:pPr indent="0" lvl="0" marL="0" rtl="0" algn="l">
+              <a:pPr marL="0" lvl="0" indent="0" algn="l" rtl="0">
                 <a:spcBef>
                   <a:spcPts val="0"/>
                 </a:spcBef>
@@ -1544,9 +1567,6 @@
                 </a:spcAft>
                 <a:buNone/>
               </a:pPr>
-              <a:r>
-                <a:t/>
-              </a:r>
               <a:endParaRPr/>
             </a:p>
           </p:txBody>
@@ -1564,7 +1584,7 @@
             </a:xfrm>
             <a:prstGeom prst="parallelogram">
               <a:avLst>
-                <a:gd fmla="val 153193" name="adj"/>
+                <a:gd name="adj" fmla="val 153193"/>
               </a:avLst>
             </a:prstGeom>
             <a:solidFill>
@@ -1575,12 +1595,12 @@
             </a:ln>
           </p:spPr>
           <p:txBody>
-            <a:bodyPr anchorCtr="0" anchor="ctr" bIns="91425" lIns="91425" spcFirstLastPara="1" rIns="91425" wrap="square" tIns="91425">
+            <a:bodyPr spcFirstLastPara="1" wrap="square" lIns="91425" tIns="91425" rIns="91425" bIns="91425" anchor="ctr" anchorCtr="0">
               <a:noAutofit/>
             </a:bodyPr>
             <a:lstStyle/>
             <a:p>
-              <a:pPr indent="0" lvl="0" marL="0" rtl="0" algn="l">
+              <a:pPr marL="0" lvl="0" indent="0" algn="l" rtl="0">
                 <a:spcBef>
                   <a:spcPts val="0"/>
                 </a:spcBef>
@@ -1589,9 +1609,6 @@
                 </a:spcAft>
                 <a:buNone/>
               </a:pPr>
-              <a:r>
-                <a:t/>
-              </a:r>
               <a:endParaRPr/>
             </a:p>
           </p:txBody>
@@ -1624,7 +1641,7 @@
             </a:xfrm>
             <a:prstGeom prst="parallelogram">
               <a:avLst>
-                <a:gd fmla="val 158024" name="adj"/>
+                <a:gd name="adj" fmla="val 158024"/>
               </a:avLst>
             </a:prstGeom>
             <a:solidFill>
@@ -1635,12 +1652,12 @@
             </a:ln>
           </p:spPr>
           <p:txBody>
-            <a:bodyPr anchorCtr="0" anchor="ctr" bIns="91425" lIns="91425" spcFirstLastPara="1" rIns="91425" wrap="square" tIns="91425">
+            <a:bodyPr spcFirstLastPara="1" wrap="square" lIns="91425" tIns="91425" rIns="91425" bIns="91425" anchor="ctr" anchorCtr="0">
               <a:noAutofit/>
             </a:bodyPr>
             <a:lstStyle/>
             <a:p>
-              <a:pPr indent="0" lvl="0" marL="0" rtl="0" algn="l">
+              <a:pPr marL="0" lvl="0" indent="0" algn="l" rtl="0">
                 <a:spcBef>
                   <a:spcPts val="0"/>
                 </a:spcBef>
@@ -1649,9 +1666,6 @@
                 </a:spcAft>
                 <a:buNone/>
               </a:pPr>
-              <a:r>
-                <a:t/>
-              </a:r>
               <a:endParaRPr/>
             </a:p>
           </p:txBody>
@@ -1669,7 +1683,7 @@
             </a:xfrm>
             <a:prstGeom prst="parallelogram">
               <a:avLst>
-                <a:gd fmla="val 158024" name="adj"/>
+                <a:gd name="adj" fmla="val 158024"/>
               </a:avLst>
             </a:prstGeom>
             <a:solidFill>
@@ -1680,12 +1694,12 @@
             </a:ln>
           </p:spPr>
           <p:txBody>
-            <a:bodyPr anchorCtr="0" anchor="ctr" bIns="91425" lIns="91425" spcFirstLastPara="1" rIns="91425" wrap="square" tIns="91425">
+            <a:bodyPr spcFirstLastPara="1" wrap="square" lIns="91425" tIns="91425" rIns="91425" bIns="91425" anchor="ctr" anchorCtr="0">
               <a:noAutofit/>
             </a:bodyPr>
             <a:lstStyle/>
             <a:p>
-              <a:pPr indent="0" lvl="0" marL="0" rtl="0" algn="l">
+              <a:pPr marL="0" lvl="0" indent="0" algn="l" rtl="0">
                 <a:spcBef>
                   <a:spcPts val="0"/>
                 </a:spcBef>
@@ -1694,9 +1708,6 @@
                 </a:spcAft>
                 <a:buNone/>
               </a:pPr>
-              <a:r>
-                <a:t/>
-              </a:r>
               <a:endParaRPr/>
             </a:p>
           </p:txBody>
@@ -1714,7 +1725,7 @@
             </a:xfrm>
             <a:prstGeom prst="parallelogram">
               <a:avLst>
-                <a:gd fmla="val 158024" name="adj"/>
+                <a:gd name="adj" fmla="val 158024"/>
               </a:avLst>
             </a:prstGeom>
             <a:solidFill>
@@ -1725,12 +1736,12 @@
             </a:ln>
           </p:spPr>
           <p:txBody>
-            <a:bodyPr anchorCtr="0" anchor="ctr" bIns="91425" lIns="91425" spcFirstLastPara="1" rIns="91425" wrap="square" tIns="91425">
+            <a:bodyPr spcFirstLastPara="1" wrap="square" lIns="91425" tIns="91425" rIns="91425" bIns="91425" anchor="ctr" anchorCtr="0">
               <a:noAutofit/>
             </a:bodyPr>
             <a:lstStyle/>
             <a:p>
-              <a:pPr indent="0" lvl="0" marL="0" rtl="0" algn="l">
+              <a:pPr marL="0" lvl="0" indent="0" algn="l" rtl="0">
                 <a:spcBef>
                   <a:spcPts val="0"/>
                 </a:spcBef>
@@ -1739,9 +1750,6 @@
                 </a:spcAft>
                 <a:buNone/>
               </a:pPr>
-              <a:r>
-                <a:t/>
-              </a:r>
               <a:endParaRPr/>
             </a:p>
           </p:txBody>
@@ -1774,7 +1782,7 @@
             </a:xfrm>
             <a:prstGeom prst="parallelogram">
               <a:avLst>
-                <a:gd fmla="val 158024" name="adj"/>
+                <a:gd name="adj" fmla="val 158024"/>
               </a:avLst>
             </a:prstGeom>
             <a:solidFill>
@@ -1785,12 +1793,12 @@
             </a:ln>
           </p:spPr>
           <p:txBody>
-            <a:bodyPr anchorCtr="0" anchor="ctr" bIns="91425" lIns="91425" spcFirstLastPara="1" rIns="91425" wrap="square" tIns="91425">
+            <a:bodyPr spcFirstLastPara="1" wrap="square" lIns="91425" tIns="91425" rIns="91425" bIns="91425" anchor="ctr" anchorCtr="0">
               <a:noAutofit/>
             </a:bodyPr>
             <a:lstStyle/>
             <a:p>
-              <a:pPr indent="0" lvl="0" marL="0" rtl="0" algn="l">
+              <a:pPr marL="0" lvl="0" indent="0" algn="l" rtl="0">
                 <a:spcBef>
                   <a:spcPts val="0"/>
                 </a:spcBef>
@@ -1799,9 +1807,6 @@
                 </a:spcAft>
                 <a:buNone/>
               </a:pPr>
-              <a:r>
-                <a:t/>
-              </a:r>
               <a:endParaRPr/>
             </a:p>
           </p:txBody>
@@ -1819,7 +1824,7 @@
             </a:xfrm>
             <a:prstGeom prst="parallelogram">
               <a:avLst>
-                <a:gd fmla="val 158024" name="adj"/>
+                <a:gd name="adj" fmla="val 158024"/>
               </a:avLst>
             </a:prstGeom>
             <a:solidFill>
@@ -1830,12 +1835,12 @@
             </a:ln>
           </p:spPr>
           <p:txBody>
-            <a:bodyPr anchorCtr="0" anchor="ctr" bIns="91425" lIns="91425" spcFirstLastPara="1" rIns="91425" wrap="square" tIns="91425">
+            <a:bodyPr spcFirstLastPara="1" wrap="square" lIns="91425" tIns="91425" rIns="91425" bIns="91425" anchor="ctr" anchorCtr="0">
               <a:noAutofit/>
             </a:bodyPr>
             <a:lstStyle/>
             <a:p>
-              <a:pPr indent="0" lvl="0" marL="0" rtl="0" algn="l">
+              <a:pPr marL="0" lvl="0" indent="0" algn="l" rtl="0">
                 <a:spcBef>
                   <a:spcPts val="0"/>
                 </a:spcBef>
@@ -1844,9 +1849,6 @@
                 </a:spcAft>
                 <a:buNone/>
               </a:pPr>
-              <a:r>
-                <a:t/>
-              </a:r>
               <a:endParaRPr/>
             </a:p>
           </p:txBody>
@@ -1864,7 +1866,7 @@
             </a:xfrm>
             <a:prstGeom prst="parallelogram">
               <a:avLst>
-                <a:gd fmla="val 158024" name="adj"/>
+                <a:gd name="adj" fmla="val 158024"/>
               </a:avLst>
             </a:prstGeom>
             <a:solidFill>
@@ -1875,12 +1877,12 @@
             </a:ln>
           </p:spPr>
           <p:txBody>
-            <a:bodyPr anchorCtr="0" anchor="ctr" bIns="91425" lIns="91425" spcFirstLastPara="1" rIns="91425" wrap="square" tIns="91425">
+            <a:bodyPr spcFirstLastPara="1" wrap="square" lIns="91425" tIns="91425" rIns="91425" bIns="91425" anchor="ctr" anchorCtr="0">
               <a:noAutofit/>
             </a:bodyPr>
             <a:lstStyle/>
             <a:p>
-              <a:pPr indent="0" lvl="0" marL="0" rtl="0" algn="l">
+              <a:pPr marL="0" lvl="0" indent="0" algn="l" rtl="0">
                 <a:spcBef>
                   <a:spcPts val="0"/>
                 </a:spcBef>
@@ -1889,9 +1891,6 @@
                 </a:spcAft>
                 <a:buNone/>
               </a:pPr>
-              <a:r>
-                <a:t/>
-              </a:r>
               <a:endParaRPr/>
             </a:p>
           </p:txBody>
@@ -1924,7 +1923,7 @@
             </a:xfrm>
             <a:prstGeom prst="parallelogram">
               <a:avLst>
-                <a:gd fmla="val 158024" name="adj"/>
+                <a:gd name="adj" fmla="val 158024"/>
               </a:avLst>
             </a:prstGeom>
             <a:solidFill>
@@ -1935,12 +1934,12 @@
             </a:ln>
           </p:spPr>
           <p:txBody>
-            <a:bodyPr anchorCtr="0" anchor="ctr" bIns="91425" lIns="91425" spcFirstLastPara="1" rIns="91425" wrap="square" tIns="91425">
+            <a:bodyPr spcFirstLastPara="1" wrap="square" lIns="91425" tIns="91425" rIns="91425" bIns="91425" anchor="ctr" anchorCtr="0">
               <a:noAutofit/>
             </a:bodyPr>
             <a:lstStyle/>
             <a:p>
-              <a:pPr indent="0" lvl="0" marL="0" rtl="0" algn="l">
+              <a:pPr marL="0" lvl="0" indent="0" algn="l" rtl="0">
                 <a:spcBef>
                   <a:spcPts val="0"/>
                 </a:spcBef>
@@ -1949,9 +1948,6 @@
                 </a:spcAft>
                 <a:buNone/>
               </a:pPr>
-              <a:r>
-                <a:t/>
-              </a:r>
               <a:endParaRPr/>
             </a:p>
           </p:txBody>
@@ -1969,7 +1965,7 @@
             </a:xfrm>
             <a:prstGeom prst="parallelogram">
               <a:avLst>
-                <a:gd fmla="val 158024" name="adj"/>
+                <a:gd name="adj" fmla="val 158024"/>
               </a:avLst>
             </a:prstGeom>
             <a:solidFill>
@@ -1980,12 +1976,12 @@
             </a:ln>
           </p:spPr>
           <p:txBody>
-            <a:bodyPr anchorCtr="0" anchor="ctr" bIns="91425" lIns="91425" spcFirstLastPara="1" rIns="91425" wrap="square" tIns="91425">
+            <a:bodyPr spcFirstLastPara="1" wrap="square" lIns="91425" tIns="91425" rIns="91425" bIns="91425" anchor="ctr" anchorCtr="0">
               <a:noAutofit/>
             </a:bodyPr>
             <a:lstStyle/>
             <a:p>
-              <a:pPr indent="0" lvl="0" marL="0" rtl="0" algn="l">
+              <a:pPr marL="0" lvl="0" indent="0" algn="l" rtl="0">
                 <a:spcBef>
                   <a:spcPts val="0"/>
                 </a:spcBef>
@@ -1994,9 +1990,6 @@
                 </a:spcAft>
                 <a:buNone/>
               </a:pPr>
-              <a:r>
-                <a:t/>
-              </a:r>
               <a:endParaRPr/>
             </a:p>
           </p:txBody>
@@ -2014,7 +2007,7 @@
             </a:xfrm>
             <a:prstGeom prst="parallelogram">
               <a:avLst>
-                <a:gd fmla="val 158024" name="adj"/>
+                <a:gd name="adj" fmla="val 158024"/>
               </a:avLst>
             </a:prstGeom>
             <a:solidFill>
@@ -2025,12 +2018,12 @@
             </a:ln>
           </p:spPr>
           <p:txBody>
-            <a:bodyPr anchorCtr="0" anchor="ctr" bIns="91425" lIns="91425" spcFirstLastPara="1" rIns="91425" wrap="square" tIns="91425">
+            <a:bodyPr spcFirstLastPara="1" wrap="square" lIns="91425" tIns="91425" rIns="91425" bIns="91425" anchor="ctr" anchorCtr="0">
               <a:noAutofit/>
             </a:bodyPr>
             <a:lstStyle/>
             <a:p>
-              <a:pPr indent="0" lvl="0" marL="0" rtl="0" algn="l">
+              <a:pPr marL="0" lvl="0" indent="0" algn="l" rtl="0">
                 <a:spcBef>
                   <a:spcPts val="0"/>
                 </a:spcBef>
@@ -2039,9 +2032,6 @@
                 </a:spcAft>
                 <a:buNone/>
               </a:pPr>
-              <a:r>
-                <a:t/>
-              </a:r>
               <a:endParaRPr/>
             </a:p>
           </p:txBody>
@@ -2050,7 +2040,9 @@
       <p:sp>
         <p:nvSpPr>
           <p:cNvPr id="34" name="Google Shape;34;p2"/>
-          <p:cNvSpPr txBox="1"/>
+          <p:cNvSpPr txBox="1">
+            <a:spLocks noGrp="1"/>
+          </p:cNvSpPr>
           <p:nvPr>
             <p:ph type="ctrTitle"/>
           </p:nvPr>
@@ -2065,7 +2057,7 @@
           </a:prstGeom>
         </p:spPr>
         <p:txBody>
-          <a:bodyPr anchorCtr="0" anchor="ctr" bIns="91425" lIns="91425" spcFirstLastPara="1" rIns="91425" wrap="square" tIns="91425">
+          <a:bodyPr spcFirstLastPara="1" wrap="square" lIns="91425" tIns="91425" rIns="91425" bIns="91425" anchor="ctr" anchorCtr="0">
             <a:normAutofit/>
           </a:bodyPr>
           <a:lstStyle>
@@ -2169,15 +2161,19 @@
               <a:defRPr sz="3800"/>
             </a:lvl9pPr>
           </a:lstStyle>
-          <a:p/>
+          <a:p>
+            <a:endParaRPr/>
+          </a:p>
         </p:txBody>
       </p:sp>
       <p:sp>
         <p:nvSpPr>
           <p:cNvPr id="35" name="Google Shape;35;p2"/>
-          <p:cNvSpPr txBox="1"/>
+          <p:cNvSpPr txBox="1">
+            <a:spLocks noGrp="1"/>
+          </p:cNvSpPr>
           <p:nvPr>
-            <p:ph idx="1" type="subTitle"/>
+            <p:ph type="subTitle" idx="1"/>
           </p:nvPr>
         </p:nvSpPr>
         <p:spPr>
@@ -2190,7 +2186,7 @@
           </a:prstGeom>
         </p:spPr>
         <p:txBody>
-          <a:bodyPr anchorCtr="0" anchor="t" bIns="91425" lIns="91425" spcFirstLastPara="1" rIns="91425" wrap="square" tIns="91425">
+          <a:bodyPr spcFirstLastPara="1" wrap="square" lIns="91425" tIns="91425" rIns="91425" bIns="91425" anchor="t" anchorCtr="0">
             <a:normAutofit/>
           </a:bodyPr>
           <a:lstStyle>
@@ -2384,15 +2380,19 @@
               </a:defRPr>
             </a:lvl9pPr>
           </a:lstStyle>
-          <a:p/>
+          <a:p>
+            <a:endParaRPr/>
+          </a:p>
         </p:txBody>
       </p:sp>
       <p:sp>
         <p:nvSpPr>
           <p:cNvPr id="36" name="Google Shape;36;p2"/>
-          <p:cNvSpPr txBox="1"/>
+          <p:cNvSpPr txBox="1">
+            <a:spLocks noGrp="1"/>
+          </p:cNvSpPr>
           <p:nvPr>
-            <p:ph idx="12" type="sldNum"/>
+            <p:ph type="sldNum" idx="12"/>
           </p:nvPr>
         </p:nvSpPr>
         <p:spPr>
@@ -2405,7 +2405,7 @@
           </a:prstGeom>
         </p:spPr>
         <p:txBody>
-          <a:bodyPr anchorCtr="0" anchor="ctr" bIns="91425" lIns="91425" spcFirstLastPara="1" rIns="91425" wrap="square" tIns="91425">
+          <a:bodyPr spcFirstLastPara="1" wrap="square" lIns="91425" tIns="91425" rIns="91425" bIns="91425" anchor="ctr" anchorCtr="0">
             <a:normAutofit/>
           </a:bodyPr>
           <a:lstStyle>
@@ -2447,7 +2447,7 @@
             </a:lvl9pPr>
           </a:lstStyle>
           <a:p>
-            <a:pPr indent="0" lvl="0" marL="0" rtl="0" algn="r">
+            <a:pPr marL="0" lvl="0" indent="0" algn="r" rtl="0">
               <a:spcBef>
                 <a:spcPts val="0"/>
               </a:spcBef>
@@ -2473,18 +2473,19 @@
 </file>
 
 <file path=ppt/slideLayouts/slideLayout10.xml><?xml version="1.0" encoding="utf-8"?>
-<p:sldLayout xmlns:a="http://schemas.openxmlformats.org/drawingml/2006/main" xmlns:r="http://schemas.openxmlformats.org/officeDocument/2006/relationships" xmlns:mc="http://schemas.openxmlformats.org/markup-compatibility/2006" xmlns:mv="urn:schemas-microsoft-com:mac:vml" xmlns:p="http://schemas.openxmlformats.org/presentationml/2006/main" xmlns:c="http://schemas.openxmlformats.org/drawingml/2006/chart" xmlns:dgm="http://schemas.openxmlformats.org/drawingml/2006/diagram" xmlns:o="urn:schemas-microsoft-com:office:office" xmlns:v="urn:schemas-microsoft-com:vml" xmlns:pvml="urn:schemas-microsoft-com:office:powerpoint" xmlns:com="http://schemas.openxmlformats.org/drawingml/2006/compatibility" xmlns:p14="http://schemas.microsoft.com/office/powerpoint/2010/main" xmlns:p15="http://schemas.microsoft.com/office/powerpoint/2012/main" xmlns:ahyp="http://schemas.microsoft.com/office/drawing/2018/hyperlinkcolor" matchingName="Big number">
+<p:sldLayout xmlns:a="http://schemas.openxmlformats.org/drawingml/2006/main" xmlns:r="http://schemas.openxmlformats.org/officeDocument/2006/relationships" xmlns:p="http://schemas.openxmlformats.org/presentationml/2006/main" matchingName="Big number">
   <p:cSld name="BIG_NUMBER">
     <p:bg>
       <p:bgPr>
         <a:solidFill>
           <a:schemeClr val="accent3"/>
         </a:solidFill>
+        <a:effectLst/>
       </p:bgPr>
     </p:bg>
     <p:spTree>
       <p:nvGrpSpPr>
-        <p:cNvPr id="109" name="Shape 109"/>
+        <p:cNvPr id="1" name="Shape 109"/>
         <p:cNvGrpSpPr/>
         <p:nvPr/>
       </p:nvGrpSpPr>
@@ -2518,12 +2519,12 @@
           </a:ln>
         </p:spPr>
         <p:txBody>
-          <a:bodyPr anchorCtr="0" anchor="ctr" bIns="91425" lIns="91425" spcFirstLastPara="1" rIns="91425" wrap="square" tIns="91425">
+          <a:bodyPr spcFirstLastPara="1" wrap="square" lIns="91425" tIns="91425" rIns="91425" bIns="91425" anchor="ctr" anchorCtr="0">
             <a:noAutofit/>
           </a:bodyPr>
           <a:lstStyle/>
           <a:p>
-            <a:pPr indent="0" lvl="0" marL="0" rtl="0" algn="l">
+            <a:pPr marL="0" lvl="0" indent="0" algn="l" rtl="0">
               <a:spcBef>
                 <a:spcPts val="0"/>
               </a:spcBef>
@@ -2532,9 +2533,6 @@
               </a:spcAft>
               <a:buNone/>
             </a:pPr>
-            <a:r>
-              <a:t/>
-            </a:r>
             <a:endParaRPr/>
           </a:p>
         </p:txBody>
@@ -2566,7 +2564,7 @@
             </a:xfrm>
             <a:prstGeom prst="parallelogram">
               <a:avLst>
-                <a:gd fmla="val 158024" name="adj"/>
+                <a:gd name="adj" fmla="val 158024"/>
               </a:avLst>
             </a:prstGeom>
             <a:solidFill>
@@ -2577,12 +2575,12 @@
             </a:ln>
           </p:spPr>
           <p:txBody>
-            <a:bodyPr anchorCtr="0" anchor="ctr" bIns="91425" lIns="91425" spcFirstLastPara="1" rIns="91425" wrap="square" tIns="91425">
+            <a:bodyPr spcFirstLastPara="1" wrap="square" lIns="91425" tIns="91425" rIns="91425" bIns="91425" anchor="ctr" anchorCtr="0">
               <a:noAutofit/>
             </a:bodyPr>
             <a:lstStyle/>
             <a:p>
-              <a:pPr indent="0" lvl="0" marL="0" rtl="0" algn="l">
+              <a:pPr marL="0" lvl="0" indent="0" algn="l" rtl="0">
                 <a:spcBef>
                   <a:spcPts val="0"/>
                 </a:spcBef>
@@ -2591,9 +2589,6 @@
                 </a:spcAft>
                 <a:buNone/>
               </a:pPr>
-              <a:r>
-                <a:t/>
-              </a:r>
               <a:endParaRPr/>
             </a:p>
           </p:txBody>
@@ -2611,7 +2606,7 @@
             </a:xfrm>
             <a:prstGeom prst="parallelogram">
               <a:avLst>
-                <a:gd fmla="val 158024" name="adj"/>
+                <a:gd name="adj" fmla="val 158024"/>
               </a:avLst>
             </a:prstGeom>
             <a:solidFill>
@@ -2622,12 +2617,12 @@
             </a:ln>
           </p:spPr>
           <p:txBody>
-            <a:bodyPr anchorCtr="0" anchor="ctr" bIns="91425" lIns="91425" spcFirstLastPara="1" rIns="91425" wrap="square" tIns="91425">
+            <a:bodyPr spcFirstLastPara="1" wrap="square" lIns="91425" tIns="91425" rIns="91425" bIns="91425" anchor="ctr" anchorCtr="0">
               <a:noAutofit/>
             </a:bodyPr>
             <a:lstStyle/>
             <a:p>
-              <a:pPr indent="0" lvl="0" marL="0" rtl="0" algn="l">
+              <a:pPr marL="0" lvl="0" indent="0" algn="l" rtl="0">
                 <a:spcBef>
                   <a:spcPts val="0"/>
                 </a:spcBef>
@@ -2636,9 +2631,6 @@
                 </a:spcAft>
                 <a:buNone/>
               </a:pPr>
-              <a:r>
-                <a:t/>
-              </a:r>
               <a:endParaRPr/>
             </a:p>
           </p:txBody>
@@ -2656,7 +2648,7 @@
             </a:xfrm>
             <a:prstGeom prst="parallelogram">
               <a:avLst>
-                <a:gd fmla="val 158024" name="adj"/>
+                <a:gd name="adj" fmla="val 158024"/>
               </a:avLst>
             </a:prstGeom>
             <a:solidFill>
@@ -2667,12 +2659,12 @@
             </a:ln>
           </p:spPr>
           <p:txBody>
-            <a:bodyPr anchorCtr="0" anchor="ctr" bIns="91425" lIns="91425" spcFirstLastPara="1" rIns="91425" wrap="square" tIns="91425">
+            <a:bodyPr spcFirstLastPara="1" wrap="square" lIns="91425" tIns="91425" rIns="91425" bIns="91425" anchor="ctr" anchorCtr="0">
               <a:noAutofit/>
             </a:bodyPr>
             <a:lstStyle/>
             <a:p>
-              <a:pPr indent="0" lvl="0" marL="0" rtl="0" algn="l">
+              <a:pPr marL="0" lvl="0" indent="0" algn="l" rtl="0">
                 <a:spcBef>
                   <a:spcPts val="0"/>
                 </a:spcBef>
@@ -2681,9 +2673,6 @@
                 </a:spcAft>
                 <a:buNone/>
               </a:pPr>
-              <a:r>
-                <a:t/>
-              </a:r>
               <a:endParaRPr/>
             </a:p>
           </p:txBody>
@@ -2716,7 +2705,7 @@
             </a:xfrm>
             <a:prstGeom prst="parallelogram">
               <a:avLst>
-                <a:gd fmla="val 158024" name="adj"/>
+                <a:gd name="adj" fmla="val 158024"/>
               </a:avLst>
             </a:prstGeom>
             <a:solidFill>
@@ -2727,12 +2716,12 @@
             </a:ln>
           </p:spPr>
           <p:txBody>
-            <a:bodyPr anchorCtr="0" anchor="ctr" bIns="91425" lIns="91425" spcFirstLastPara="1" rIns="91425" wrap="square" tIns="91425">
+            <a:bodyPr spcFirstLastPara="1" wrap="square" lIns="91425" tIns="91425" rIns="91425" bIns="91425" anchor="ctr" anchorCtr="0">
               <a:noAutofit/>
             </a:bodyPr>
             <a:lstStyle/>
             <a:p>
-              <a:pPr indent="0" lvl="0" marL="0" rtl="0" algn="l">
+              <a:pPr marL="0" lvl="0" indent="0" algn="l" rtl="0">
                 <a:spcBef>
                   <a:spcPts val="0"/>
                 </a:spcBef>
@@ -2741,9 +2730,6 @@
                 </a:spcAft>
                 <a:buNone/>
               </a:pPr>
-              <a:r>
-                <a:t/>
-              </a:r>
               <a:endParaRPr/>
             </a:p>
           </p:txBody>
@@ -2761,7 +2747,7 @@
             </a:xfrm>
             <a:prstGeom prst="parallelogram">
               <a:avLst>
-                <a:gd fmla="val 158024" name="adj"/>
+                <a:gd name="adj" fmla="val 158024"/>
               </a:avLst>
             </a:prstGeom>
             <a:solidFill>
@@ -2772,12 +2758,12 @@
             </a:ln>
           </p:spPr>
           <p:txBody>
-            <a:bodyPr anchorCtr="0" anchor="ctr" bIns="91425" lIns="91425" spcFirstLastPara="1" rIns="91425" wrap="square" tIns="91425">
+            <a:bodyPr spcFirstLastPara="1" wrap="square" lIns="91425" tIns="91425" rIns="91425" bIns="91425" anchor="ctr" anchorCtr="0">
               <a:noAutofit/>
             </a:bodyPr>
             <a:lstStyle/>
             <a:p>
-              <a:pPr indent="0" lvl="0" marL="0" rtl="0" algn="l">
+              <a:pPr marL="0" lvl="0" indent="0" algn="l" rtl="0">
                 <a:spcBef>
                   <a:spcPts val="0"/>
                 </a:spcBef>
@@ -2786,9 +2772,6 @@
                 </a:spcAft>
                 <a:buNone/>
               </a:pPr>
-              <a:r>
-                <a:t/>
-              </a:r>
               <a:endParaRPr/>
             </a:p>
           </p:txBody>
@@ -2806,7 +2789,7 @@
             </a:xfrm>
             <a:prstGeom prst="parallelogram">
               <a:avLst>
-                <a:gd fmla="val 158024" name="adj"/>
+                <a:gd name="adj" fmla="val 158024"/>
               </a:avLst>
             </a:prstGeom>
             <a:solidFill>
@@ -2817,12 +2800,12 @@
             </a:ln>
           </p:spPr>
           <p:txBody>
-            <a:bodyPr anchorCtr="0" anchor="ctr" bIns="91425" lIns="91425" spcFirstLastPara="1" rIns="91425" wrap="square" tIns="91425">
+            <a:bodyPr spcFirstLastPara="1" wrap="square" lIns="91425" tIns="91425" rIns="91425" bIns="91425" anchor="ctr" anchorCtr="0">
               <a:noAutofit/>
             </a:bodyPr>
             <a:lstStyle/>
             <a:p>
-              <a:pPr indent="0" lvl="0" marL="0" rtl="0" algn="l">
+              <a:pPr marL="0" lvl="0" indent="0" algn="l" rtl="0">
                 <a:spcBef>
                   <a:spcPts val="0"/>
                 </a:spcBef>
@@ -2831,9 +2814,6 @@
                 </a:spcAft>
                 <a:buNone/>
               </a:pPr>
-              <a:r>
-                <a:t/>
-              </a:r>
               <a:endParaRPr/>
             </a:p>
           </p:txBody>
@@ -2842,9 +2822,11 @@
       <p:sp>
         <p:nvSpPr>
           <p:cNvPr id="119" name="Google Shape;119;p11"/>
-          <p:cNvSpPr txBox="1"/>
+          <p:cNvSpPr txBox="1">
+            <a:spLocks noGrp="1"/>
+          </p:cNvSpPr>
           <p:nvPr>
-            <p:ph hasCustomPrompt="1" type="title"/>
+            <p:ph type="title" hasCustomPrompt="1"/>
           </p:nvPr>
         </p:nvSpPr>
         <p:spPr>
@@ -2857,7 +2839,7 @@
           </a:prstGeom>
         </p:spPr>
         <p:txBody>
-          <a:bodyPr anchorCtr="0" anchor="ctr" bIns="91425" lIns="91425" spcFirstLastPara="1" rIns="91425" wrap="square" tIns="91425">
+          <a:bodyPr spcFirstLastPara="1" wrap="square" lIns="91425" tIns="91425" rIns="91425" bIns="91425" anchor="ctr" anchorCtr="0">
             <a:normAutofit/>
           </a:bodyPr>
           <a:lstStyle>
@@ -3034,9 +3016,11 @@
       <p:sp>
         <p:nvSpPr>
           <p:cNvPr id="120" name="Google Shape;120;p11"/>
-          <p:cNvSpPr txBox="1"/>
+          <p:cNvSpPr txBox="1">
+            <a:spLocks noGrp="1"/>
+          </p:cNvSpPr>
           <p:nvPr>
-            <p:ph idx="1" type="body"/>
+            <p:ph type="body" idx="1"/>
           </p:nvPr>
         </p:nvSpPr>
         <p:spPr>
@@ -3049,11 +3033,11 @@
           </a:prstGeom>
         </p:spPr>
         <p:txBody>
-          <a:bodyPr anchorCtr="0" anchor="t" bIns="91425" lIns="91425" spcFirstLastPara="1" rIns="91425" wrap="square" tIns="91425">
+          <a:bodyPr spcFirstLastPara="1" wrap="square" lIns="91425" tIns="91425" rIns="91425" bIns="91425" anchor="t" anchorCtr="0">
             <a:normAutofit/>
           </a:bodyPr>
           <a:lstStyle>
-            <a:lvl1pPr indent="-311150" lvl="0" marL="457200" algn="ctr">
+            <a:lvl1pPr marL="457200" lvl="0" indent="-311150" algn="ctr">
               <a:spcBef>
                 <a:spcPts val="0"/>
               </a:spcBef>
@@ -3064,7 +3048,7 @@
               <a:buChar char="●"/>
               <a:defRPr/>
             </a:lvl1pPr>
-            <a:lvl2pPr indent="-298450" lvl="1" marL="914400" algn="ctr">
+            <a:lvl2pPr marL="914400" lvl="1" indent="-298450" algn="ctr">
               <a:spcBef>
                 <a:spcPts val="0"/>
               </a:spcBef>
@@ -3075,7 +3059,7 @@
               <a:buChar char="○"/>
               <a:defRPr/>
             </a:lvl2pPr>
-            <a:lvl3pPr indent="-298450" lvl="2" marL="1371600" algn="ctr">
+            <a:lvl3pPr marL="1371600" lvl="2" indent="-298450" algn="ctr">
               <a:spcBef>
                 <a:spcPts val="0"/>
               </a:spcBef>
@@ -3086,7 +3070,7 @@
               <a:buChar char="■"/>
               <a:defRPr/>
             </a:lvl3pPr>
-            <a:lvl4pPr indent="-298450" lvl="3" marL="1828800" algn="ctr">
+            <a:lvl4pPr marL="1828800" lvl="3" indent="-298450" algn="ctr">
               <a:spcBef>
                 <a:spcPts val="0"/>
               </a:spcBef>
@@ -3097,7 +3081,7 @@
               <a:buChar char="●"/>
               <a:defRPr/>
             </a:lvl4pPr>
-            <a:lvl5pPr indent="-298450" lvl="4" marL="2286000" algn="ctr">
+            <a:lvl5pPr marL="2286000" lvl="4" indent="-298450" algn="ctr">
               <a:spcBef>
                 <a:spcPts val="0"/>
               </a:spcBef>
@@ -3108,7 +3092,7 @@
               <a:buChar char="○"/>
               <a:defRPr/>
             </a:lvl5pPr>
-            <a:lvl6pPr indent="-298450" lvl="5" marL="2743200" algn="ctr">
+            <a:lvl6pPr marL="2743200" lvl="5" indent="-298450" algn="ctr">
               <a:spcBef>
                 <a:spcPts val="0"/>
               </a:spcBef>
@@ -3119,7 +3103,7 @@
               <a:buChar char="■"/>
               <a:defRPr/>
             </a:lvl6pPr>
-            <a:lvl7pPr indent="-298450" lvl="6" marL="3200400" algn="ctr">
+            <a:lvl7pPr marL="3200400" lvl="6" indent="-298450" algn="ctr">
               <a:spcBef>
                 <a:spcPts val="0"/>
               </a:spcBef>
@@ -3130,7 +3114,7 @@
               <a:buChar char="●"/>
               <a:defRPr/>
             </a:lvl7pPr>
-            <a:lvl8pPr indent="-298450" lvl="7" marL="3657600" algn="ctr">
+            <a:lvl8pPr marL="3657600" lvl="7" indent="-298450" algn="ctr">
               <a:spcBef>
                 <a:spcPts val="0"/>
               </a:spcBef>
@@ -3141,7 +3125,7 @@
               <a:buChar char="○"/>
               <a:defRPr/>
             </a:lvl8pPr>
-            <a:lvl9pPr indent="-298450" lvl="8" marL="4114800" algn="ctr">
+            <a:lvl9pPr marL="4114800" lvl="8" indent="-298450" algn="ctr">
               <a:spcBef>
                 <a:spcPts val="0"/>
               </a:spcBef>
@@ -3153,15 +3137,19 @@
               <a:defRPr/>
             </a:lvl9pPr>
           </a:lstStyle>
-          <a:p/>
+          <a:p>
+            <a:endParaRPr/>
+          </a:p>
         </p:txBody>
       </p:sp>
       <p:sp>
         <p:nvSpPr>
           <p:cNvPr id="121" name="Google Shape;121;p11"/>
-          <p:cNvSpPr txBox="1"/>
+          <p:cNvSpPr txBox="1">
+            <a:spLocks noGrp="1"/>
+          </p:cNvSpPr>
           <p:nvPr>
-            <p:ph idx="12" type="sldNum"/>
+            <p:ph type="sldNum" idx="12"/>
           </p:nvPr>
         </p:nvSpPr>
         <p:spPr>
@@ -3174,7 +3162,7 @@
           </a:prstGeom>
         </p:spPr>
         <p:txBody>
-          <a:bodyPr anchorCtr="0" anchor="ctr" bIns="91425" lIns="91425" spcFirstLastPara="1" rIns="91425" wrap="square" tIns="91425">
+          <a:bodyPr spcFirstLastPara="1" wrap="square" lIns="91425" tIns="91425" rIns="91425" bIns="91425" anchor="ctr" anchorCtr="0">
             <a:normAutofit/>
           </a:bodyPr>
           <a:lstStyle>
@@ -3216,7 +3204,7 @@
             </a:lvl9pPr>
           </a:lstStyle>
           <a:p>
-            <a:pPr indent="0" lvl="0" marL="0" rtl="0" algn="r">
+            <a:pPr marL="0" lvl="0" indent="0" algn="r" rtl="0">
               <a:spcBef>
                 <a:spcPts val="0"/>
               </a:spcBef>
@@ -3242,11 +3230,11 @@
 </file>
 
 <file path=ppt/slideLayouts/slideLayout11.xml><?xml version="1.0" encoding="utf-8"?>
-<p:sldLayout xmlns:a="http://schemas.openxmlformats.org/drawingml/2006/main" xmlns:r="http://schemas.openxmlformats.org/officeDocument/2006/relationships" xmlns:mc="http://schemas.openxmlformats.org/markup-compatibility/2006" xmlns:mv="urn:schemas-microsoft-com:mac:vml" xmlns:p="http://schemas.openxmlformats.org/presentationml/2006/main" xmlns:c="http://schemas.openxmlformats.org/drawingml/2006/chart" xmlns:dgm="http://schemas.openxmlformats.org/drawingml/2006/diagram" xmlns:o="urn:schemas-microsoft-com:office:office" xmlns:v="urn:schemas-microsoft-com:vml" xmlns:pvml="urn:schemas-microsoft-com:office:powerpoint" xmlns:com="http://schemas.openxmlformats.org/drawingml/2006/compatibility" xmlns:p14="http://schemas.microsoft.com/office/powerpoint/2010/main" xmlns:p15="http://schemas.microsoft.com/office/powerpoint/2012/main" xmlns:ahyp="http://schemas.microsoft.com/office/drawing/2018/hyperlinkcolor" matchingName="Blank" type="blank">
+<p:sldLayout xmlns:a="http://schemas.openxmlformats.org/drawingml/2006/main" xmlns:r="http://schemas.openxmlformats.org/officeDocument/2006/relationships" xmlns:p="http://schemas.openxmlformats.org/presentationml/2006/main" matchingName="Blank" type="blank">
   <p:cSld name="BLANK">
     <p:spTree>
       <p:nvGrpSpPr>
-        <p:cNvPr id="122" name="Shape 122"/>
+        <p:cNvPr id="1" name="Shape 122"/>
         <p:cNvGrpSpPr/>
         <p:nvPr/>
       </p:nvGrpSpPr>
@@ -3261,9 +3249,11 @@
       <p:sp>
         <p:nvSpPr>
           <p:cNvPr id="123" name="Google Shape;123;p12"/>
-          <p:cNvSpPr txBox="1"/>
+          <p:cNvSpPr txBox="1">
+            <a:spLocks noGrp="1"/>
+          </p:cNvSpPr>
           <p:nvPr>
-            <p:ph idx="12" type="sldNum"/>
+            <p:ph type="sldNum" idx="12"/>
           </p:nvPr>
         </p:nvSpPr>
         <p:spPr>
@@ -3276,7 +3266,7 @@
           </a:prstGeom>
         </p:spPr>
         <p:txBody>
-          <a:bodyPr anchorCtr="0" anchor="ctr" bIns="91425" lIns="91425" spcFirstLastPara="1" rIns="91425" wrap="square" tIns="91425">
+          <a:bodyPr spcFirstLastPara="1" wrap="square" lIns="91425" tIns="91425" rIns="91425" bIns="91425" anchor="ctr" anchorCtr="0">
             <a:normAutofit/>
           </a:bodyPr>
           <a:lstStyle>
@@ -3318,7 +3308,7 @@
             </a:lvl9pPr>
           </a:lstStyle>
           <a:p>
-            <a:pPr indent="0" lvl="0" marL="0" rtl="0" algn="r">
+            <a:pPr marL="0" lvl="0" indent="0" algn="r" rtl="0">
               <a:spcBef>
                 <a:spcPts val="0"/>
               </a:spcBef>
@@ -3344,18 +3334,19 @@
 </file>
 
 <file path=ppt/slideLayouts/slideLayout2.xml><?xml version="1.0" encoding="utf-8"?>
-<p:sldLayout xmlns:a="http://schemas.openxmlformats.org/drawingml/2006/main" xmlns:r="http://schemas.openxmlformats.org/officeDocument/2006/relationships" xmlns:mc="http://schemas.openxmlformats.org/markup-compatibility/2006" xmlns:mv="urn:schemas-microsoft-com:mac:vml" xmlns:p="http://schemas.openxmlformats.org/presentationml/2006/main" xmlns:c="http://schemas.openxmlformats.org/drawingml/2006/chart" xmlns:dgm="http://schemas.openxmlformats.org/drawingml/2006/diagram" xmlns:o="urn:schemas-microsoft-com:office:office" xmlns:v="urn:schemas-microsoft-com:vml" xmlns:pvml="urn:schemas-microsoft-com:office:powerpoint" xmlns:com="http://schemas.openxmlformats.org/drawingml/2006/compatibility" xmlns:p14="http://schemas.microsoft.com/office/powerpoint/2010/main" xmlns:p15="http://schemas.microsoft.com/office/powerpoint/2012/main" xmlns:ahyp="http://schemas.microsoft.com/office/drawing/2018/hyperlinkcolor" matchingName="Section header" type="secHead">
+<p:sldLayout xmlns:a="http://schemas.openxmlformats.org/drawingml/2006/main" xmlns:r="http://schemas.openxmlformats.org/officeDocument/2006/relationships" xmlns:p="http://schemas.openxmlformats.org/presentationml/2006/main" matchingName="Section header" type="secHead">
   <p:cSld name="SECTION_HEADER">
     <p:bg>
       <p:bgPr>
         <a:solidFill>
           <a:schemeClr val="accent3"/>
         </a:solidFill>
+        <a:effectLst/>
       </p:bgPr>
     </p:bg>
     <p:spTree>
       <p:nvGrpSpPr>
-        <p:cNvPr id="37" name="Shape 37"/>
+        <p:cNvPr id="1" name="Shape 37"/>
         <p:cNvGrpSpPr/>
         <p:nvPr/>
       </p:nvGrpSpPr>
@@ -3389,12 +3380,12 @@
           </a:ln>
         </p:spPr>
         <p:txBody>
-          <a:bodyPr anchorCtr="0" anchor="ctr" bIns="91425" lIns="91425" spcFirstLastPara="1" rIns="91425" wrap="square" tIns="91425">
+          <a:bodyPr spcFirstLastPara="1" wrap="square" lIns="91425" tIns="91425" rIns="91425" bIns="91425" anchor="ctr" anchorCtr="0">
             <a:noAutofit/>
           </a:bodyPr>
           <a:lstStyle/>
           <a:p>
-            <a:pPr indent="0" lvl="0" marL="0" rtl="0" algn="l">
+            <a:pPr marL="0" lvl="0" indent="0" algn="l" rtl="0">
               <a:spcBef>
                 <a:spcPts val="0"/>
               </a:spcBef>
@@ -3403,9 +3394,6 @@
               </a:spcAft>
               <a:buNone/>
             </a:pPr>
-            <a:r>
-              <a:t/>
-            </a:r>
             <a:endParaRPr/>
           </a:p>
         </p:txBody>
@@ -3437,7 +3425,7 @@
             </a:xfrm>
             <a:prstGeom prst="parallelogram">
               <a:avLst>
-                <a:gd fmla="val 158024" name="adj"/>
+                <a:gd name="adj" fmla="val 158024"/>
               </a:avLst>
             </a:prstGeom>
             <a:solidFill>
@@ -3448,12 +3436,12 @@
             </a:ln>
           </p:spPr>
           <p:txBody>
-            <a:bodyPr anchorCtr="0" anchor="ctr" bIns="91425" lIns="91425" spcFirstLastPara="1" rIns="91425" wrap="square" tIns="91425">
+            <a:bodyPr spcFirstLastPara="1" wrap="square" lIns="91425" tIns="91425" rIns="91425" bIns="91425" anchor="ctr" anchorCtr="0">
               <a:noAutofit/>
             </a:bodyPr>
             <a:lstStyle/>
             <a:p>
-              <a:pPr indent="0" lvl="0" marL="0" rtl="0" algn="l">
+              <a:pPr marL="0" lvl="0" indent="0" algn="l" rtl="0">
                 <a:spcBef>
                   <a:spcPts val="0"/>
                 </a:spcBef>
@@ -3462,9 +3450,6 @@
                 </a:spcAft>
                 <a:buNone/>
               </a:pPr>
-              <a:r>
-                <a:t/>
-              </a:r>
               <a:endParaRPr/>
             </a:p>
           </p:txBody>
@@ -3482,7 +3467,7 @@
             </a:xfrm>
             <a:prstGeom prst="parallelogram">
               <a:avLst>
-                <a:gd fmla="val 158024" name="adj"/>
+                <a:gd name="adj" fmla="val 158024"/>
               </a:avLst>
             </a:prstGeom>
             <a:solidFill>
@@ -3493,12 +3478,12 @@
             </a:ln>
           </p:spPr>
           <p:txBody>
-            <a:bodyPr anchorCtr="0" anchor="ctr" bIns="91425" lIns="91425" spcFirstLastPara="1" rIns="91425" wrap="square" tIns="91425">
+            <a:bodyPr spcFirstLastPara="1" wrap="square" lIns="91425" tIns="91425" rIns="91425" bIns="91425" anchor="ctr" anchorCtr="0">
               <a:noAutofit/>
             </a:bodyPr>
             <a:lstStyle/>
             <a:p>
-              <a:pPr indent="0" lvl="0" marL="0" rtl="0" algn="l">
+              <a:pPr marL="0" lvl="0" indent="0" algn="l" rtl="0">
                 <a:spcBef>
                   <a:spcPts val="0"/>
                 </a:spcBef>
@@ -3507,9 +3492,6 @@
                 </a:spcAft>
                 <a:buNone/>
               </a:pPr>
-              <a:r>
-                <a:t/>
-              </a:r>
               <a:endParaRPr/>
             </a:p>
           </p:txBody>
@@ -3527,7 +3509,7 @@
             </a:xfrm>
             <a:prstGeom prst="parallelogram">
               <a:avLst>
-                <a:gd fmla="val 158024" name="adj"/>
+                <a:gd name="adj" fmla="val 158024"/>
               </a:avLst>
             </a:prstGeom>
             <a:solidFill>
@@ -3538,12 +3520,12 @@
             </a:ln>
           </p:spPr>
           <p:txBody>
-            <a:bodyPr anchorCtr="0" anchor="ctr" bIns="91425" lIns="91425" spcFirstLastPara="1" rIns="91425" wrap="square" tIns="91425">
+            <a:bodyPr spcFirstLastPara="1" wrap="square" lIns="91425" tIns="91425" rIns="91425" bIns="91425" anchor="ctr" anchorCtr="0">
               <a:noAutofit/>
             </a:bodyPr>
             <a:lstStyle/>
             <a:p>
-              <a:pPr indent="0" lvl="0" marL="0" rtl="0" algn="l">
+              <a:pPr marL="0" lvl="0" indent="0" algn="l" rtl="0">
                 <a:spcBef>
                   <a:spcPts val="0"/>
                 </a:spcBef>
@@ -3552,9 +3534,6 @@
                 </a:spcAft>
                 <a:buNone/>
               </a:pPr>
-              <a:r>
-                <a:t/>
-              </a:r>
               <a:endParaRPr/>
             </a:p>
           </p:txBody>
@@ -3587,7 +3566,7 @@
             </a:xfrm>
             <a:prstGeom prst="parallelogram">
               <a:avLst>
-                <a:gd fmla="val 158024" name="adj"/>
+                <a:gd name="adj" fmla="val 158024"/>
               </a:avLst>
             </a:prstGeom>
             <a:solidFill>
@@ -3598,12 +3577,12 @@
             </a:ln>
           </p:spPr>
           <p:txBody>
-            <a:bodyPr anchorCtr="0" anchor="ctr" bIns="91425" lIns="91425" spcFirstLastPara="1" rIns="91425" wrap="square" tIns="91425">
+            <a:bodyPr spcFirstLastPara="1" wrap="square" lIns="91425" tIns="91425" rIns="91425" bIns="91425" anchor="ctr" anchorCtr="0">
               <a:noAutofit/>
             </a:bodyPr>
             <a:lstStyle/>
             <a:p>
-              <a:pPr indent="0" lvl="0" marL="0" rtl="0" algn="l">
+              <a:pPr marL="0" lvl="0" indent="0" algn="l" rtl="0">
                 <a:spcBef>
                   <a:spcPts val="0"/>
                 </a:spcBef>
@@ -3612,9 +3591,6 @@
                 </a:spcAft>
                 <a:buNone/>
               </a:pPr>
-              <a:r>
-                <a:t/>
-              </a:r>
               <a:endParaRPr/>
             </a:p>
           </p:txBody>
@@ -3632,7 +3608,7 @@
             </a:xfrm>
             <a:prstGeom prst="parallelogram">
               <a:avLst>
-                <a:gd fmla="val 158024" name="adj"/>
+                <a:gd name="adj" fmla="val 158024"/>
               </a:avLst>
             </a:prstGeom>
             <a:solidFill>
@@ -3643,12 +3619,12 @@
             </a:ln>
           </p:spPr>
           <p:txBody>
-            <a:bodyPr anchorCtr="0" anchor="ctr" bIns="91425" lIns="91425" spcFirstLastPara="1" rIns="91425" wrap="square" tIns="91425">
+            <a:bodyPr spcFirstLastPara="1" wrap="square" lIns="91425" tIns="91425" rIns="91425" bIns="91425" anchor="ctr" anchorCtr="0">
               <a:noAutofit/>
             </a:bodyPr>
             <a:lstStyle/>
             <a:p>
-              <a:pPr indent="0" lvl="0" marL="0" rtl="0" algn="l">
+              <a:pPr marL="0" lvl="0" indent="0" algn="l" rtl="0">
                 <a:spcBef>
                   <a:spcPts val="0"/>
                 </a:spcBef>
@@ -3657,9 +3633,6 @@
                 </a:spcAft>
                 <a:buNone/>
               </a:pPr>
-              <a:r>
-                <a:t/>
-              </a:r>
               <a:endParaRPr/>
             </a:p>
           </p:txBody>
@@ -3677,7 +3650,7 @@
             </a:xfrm>
             <a:prstGeom prst="parallelogram">
               <a:avLst>
-                <a:gd fmla="val 158024" name="adj"/>
+                <a:gd name="adj" fmla="val 158024"/>
               </a:avLst>
             </a:prstGeom>
             <a:solidFill>
@@ -3688,12 +3661,12 @@
             </a:ln>
           </p:spPr>
           <p:txBody>
-            <a:bodyPr anchorCtr="0" anchor="ctr" bIns="91425" lIns="91425" spcFirstLastPara="1" rIns="91425" wrap="square" tIns="91425">
+            <a:bodyPr spcFirstLastPara="1" wrap="square" lIns="91425" tIns="91425" rIns="91425" bIns="91425" anchor="ctr" anchorCtr="0">
               <a:noAutofit/>
             </a:bodyPr>
             <a:lstStyle/>
             <a:p>
-              <a:pPr indent="0" lvl="0" marL="0" rtl="0" algn="l">
+              <a:pPr marL="0" lvl="0" indent="0" algn="l" rtl="0">
                 <a:spcBef>
                   <a:spcPts val="0"/>
                 </a:spcBef>
@@ -3702,9 +3675,6 @@
                 </a:spcAft>
                 <a:buNone/>
               </a:pPr>
-              <a:r>
-                <a:t/>
-              </a:r>
               <a:endParaRPr/>
             </a:p>
           </p:txBody>
@@ -3713,7 +3683,9 @@
       <p:sp>
         <p:nvSpPr>
           <p:cNvPr id="47" name="Google Shape;47;p3"/>
-          <p:cNvSpPr txBox="1"/>
+          <p:cNvSpPr txBox="1">
+            <a:spLocks noGrp="1"/>
+          </p:cNvSpPr>
           <p:nvPr>
             <p:ph type="title"/>
           </p:nvPr>
@@ -3728,7 +3700,7 @@
           </a:prstGeom>
         </p:spPr>
         <p:txBody>
-          <a:bodyPr anchorCtr="0" anchor="ctr" bIns="91425" lIns="91425" spcFirstLastPara="1" rIns="91425" wrap="square" tIns="91425">
+          <a:bodyPr spcFirstLastPara="1" wrap="square" lIns="91425" tIns="91425" rIns="91425" bIns="91425" anchor="ctr" anchorCtr="0">
             <a:normAutofit/>
           </a:bodyPr>
           <a:lstStyle>
@@ -3895,15 +3867,19 @@
               </a:defRPr>
             </a:lvl9pPr>
           </a:lstStyle>
-          <a:p/>
+          <a:p>
+            <a:endParaRPr/>
+          </a:p>
         </p:txBody>
       </p:sp>
       <p:sp>
         <p:nvSpPr>
           <p:cNvPr id="48" name="Google Shape;48;p3"/>
-          <p:cNvSpPr txBox="1"/>
+          <p:cNvSpPr txBox="1">
+            <a:spLocks noGrp="1"/>
+          </p:cNvSpPr>
           <p:nvPr>
-            <p:ph idx="12" type="sldNum"/>
+            <p:ph type="sldNum" idx="12"/>
           </p:nvPr>
         </p:nvSpPr>
         <p:spPr>
@@ -3916,7 +3892,7 @@
           </a:prstGeom>
         </p:spPr>
         <p:txBody>
-          <a:bodyPr anchorCtr="0" anchor="ctr" bIns="91425" lIns="91425" spcFirstLastPara="1" rIns="91425" wrap="square" tIns="91425">
+          <a:bodyPr spcFirstLastPara="1" wrap="square" lIns="91425" tIns="91425" rIns="91425" bIns="91425" anchor="ctr" anchorCtr="0">
             <a:normAutofit/>
           </a:bodyPr>
           <a:lstStyle>
@@ -3958,7 +3934,7 @@
             </a:lvl9pPr>
           </a:lstStyle>
           <a:p>
-            <a:pPr indent="0" lvl="0" marL="0" rtl="0" algn="r">
+            <a:pPr marL="0" lvl="0" indent="0" algn="r" rtl="0">
               <a:spcBef>
                 <a:spcPts val="0"/>
               </a:spcBef>
@@ -3984,18 +3960,19 @@
 </file>
 
 <file path=ppt/slideLayouts/slideLayout3.xml><?xml version="1.0" encoding="utf-8"?>
-<p:sldLayout xmlns:a="http://schemas.openxmlformats.org/drawingml/2006/main" xmlns:r="http://schemas.openxmlformats.org/officeDocument/2006/relationships" xmlns:mc="http://schemas.openxmlformats.org/markup-compatibility/2006" xmlns:mv="urn:schemas-microsoft-com:mac:vml" xmlns:p="http://schemas.openxmlformats.org/presentationml/2006/main" xmlns:c="http://schemas.openxmlformats.org/drawingml/2006/chart" xmlns:dgm="http://schemas.openxmlformats.org/drawingml/2006/diagram" xmlns:o="urn:schemas-microsoft-com:office:office" xmlns:v="urn:schemas-microsoft-com:vml" xmlns:pvml="urn:schemas-microsoft-com:office:powerpoint" xmlns:com="http://schemas.openxmlformats.org/drawingml/2006/compatibility" xmlns:p14="http://schemas.microsoft.com/office/powerpoint/2010/main" xmlns:p15="http://schemas.microsoft.com/office/powerpoint/2012/main" xmlns:ahyp="http://schemas.microsoft.com/office/drawing/2018/hyperlinkcolor" matchingName="Title and body" type="tx">
+<p:sldLayout xmlns:a="http://schemas.openxmlformats.org/drawingml/2006/main" xmlns:r="http://schemas.openxmlformats.org/officeDocument/2006/relationships" xmlns:p="http://schemas.openxmlformats.org/presentationml/2006/main" matchingName="Title and body" type="tx">
   <p:cSld name="TITLE_AND_BODY">
     <p:bg>
       <p:bgPr>
         <a:solidFill>
           <a:schemeClr val="dk2"/>
         </a:solidFill>
+        <a:effectLst/>
       </p:bgPr>
     </p:bg>
     <p:spTree>
       <p:nvGrpSpPr>
-        <p:cNvPr id="49" name="Shape 49"/>
+        <p:cNvPr id="1" name="Shape 49"/>
         <p:cNvGrpSpPr/>
         <p:nvPr/>
       </p:nvGrpSpPr>
@@ -4029,12 +4006,12 @@
           </a:ln>
         </p:spPr>
         <p:txBody>
-          <a:bodyPr anchorCtr="0" anchor="ctr" bIns="91425" lIns="91425" spcFirstLastPara="1" rIns="91425" wrap="square" tIns="91425">
+          <a:bodyPr spcFirstLastPara="1" wrap="square" lIns="91425" tIns="91425" rIns="91425" bIns="91425" anchor="ctr" anchorCtr="0">
             <a:noAutofit/>
           </a:bodyPr>
           <a:lstStyle/>
           <a:p>
-            <a:pPr indent="0" lvl="0" marL="0" rtl="0" algn="l">
+            <a:pPr marL="0" lvl="0" indent="0" algn="l" rtl="0">
               <a:spcBef>
                 <a:spcPts val="0"/>
               </a:spcBef>
@@ -4043,9 +4020,6 @@
               </a:spcAft>
               <a:buNone/>
             </a:pPr>
-            <a:r>
-              <a:t/>
-            </a:r>
             <a:endParaRPr/>
           </a:p>
         </p:txBody>
@@ -4072,12 +4046,12 @@
           </a:ln>
         </p:spPr>
         <p:txBody>
-          <a:bodyPr anchorCtr="0" anchor="ctr" bIns="91425" lIns="91425" spcFirstLastPara="1" rIns="91425" wrap="square" tIns="91425">
+          <a:bodyPr spcFirstLastPara="1" wrap="square" lIns="91425" tIns="91425" rIns="91425" bIns="91425" anchor="ctr" anchorCtr="0">
             <a:noAutofit/>
           </a:bodyPr>
           <a:lstStyle/>
           <a:p>
-            <a:pPr indent="0" lvl="0" marL="0" rtl="0" algn="l">
+            <a:pPr marL="0" lvl="0" indent="0" algn="l" rtl="0">
               <a:spcBef>
                 <a:spcPts val="0"/>
               </a:spcBef>
@@ -4086,9 +4060,6 @@
               </a:spcAft>
               <a:buNone/>
             </a:pPr>
-            <a:r>
-              <a:t/>
-            </a:r>
             <a:endParaRPr/>
           </a:p>
         </p:txBody>
@@ -4114,7 +4085,7 @@
             <a:noFill/>
           </a:ln>
           <a:effectLst>
-            <a:outerShdw blurRad="228600" sx="101000" rotWithShape="0" algn="ctr" sy="101000">
+            <a:outerShdw blurRad="228600" sx="101000" sy="101000" algn="ctr" rotWithShape="0">
               <a:srgbClr val="000000">
                 <a:alpha val="40000"/>
               </a:srgbClr>
@@ -4122,12 +4093,12 @@
           </a:effectLst>
         </p:spPr>
         <p:txBody>
-          <a:bodyPr anchorCtr="0" anchor="ctr" bIns="91425" lIns="91425" spcFirstLastPara="1" rIns="91425" wrap="square" tIns="91425">
+          <a:bodyPr spcFirstLastPara="1" wrap="square" lIns="91425" tIns="91425" rIns="91425" bIns="91425" anchor="ctr" anchorCtr="0">
             <a:noAutofit/>
           </a:bodyPr>
           <a:lstStyle/>
           <a:p>
-            <a:pPr indent="0" lvl="0" marL="0" rtl="0" algn="l">
+            <a:pPr marL="0" lvl="0" indent="0" algn="l" rtl="0">
               <a:spcBef>
                 <a:spcPts val="0"/>
               </a:spcBef>
@@ -4136,9 +4107,6 @@
               </a:spcAft>
               <a:buNone/>
             </a:pPr>
-            <a:r>
-              <a:t/>
-            </a:r>
             <a:endParaRPr/>
           </a:p>
         </p:txBody>
@@ -4146,7 +4114,9 @@
       <p:sp>
         <p:nvSpPr>
           <p:cNvPr id="53" name="Google Shape;53;p4"/>
-          <p:cNvSpPr txBox="1"/>
+          <p:cNvSpPr txBox="1">
+            <a:spLocks noGrp="1"/>
+          </p:cNvSpPr>
           <p:nvPr>
             <p:ph type="title"/>
           </p:nvPr>
@@ -4161,7 +4131,7 @@
           </a:prstGeom>
         </p:spPr>
         <p:txBody>
-          <a:bodyPr anchorCtr="0" anchor="t" bIns="91425" lIns="91425" spcFirstLastPara="1" rIns="91425" wrap="square" tIns="91425">
+          <a:bodyPr spcFirstLastPara="1" wrap="square" lIns="91425" tIns="91425" rIns="91425" bIns="91425" anchor="t" anchorCtr="0">
             <a:normAutofit/>
           </a:bodyPr>
           <a:lstStyle>
@@ -4265,15 +4235,19 @@
               <a:defRPr sz="3000"/>
             </a:lvl9pPr>
           </a:lstStyle>
-          <a:p/>
+          <a:p>
+            <a:endParaRPr/>
+          </a:p>
         </p:txBody>
       </p:sp>
       <p:sp>
         <p:nvSpPr>
           <p:cNvPr id="54" name="Google Shape;54;p4"/>
-          <p:cNvSpPr txBox="1"/>
+          <p:cNvSpPr txBox="1">
+            <a:spLocks noGrp="1"/>
+          </p:cNvSpPr>
           <p:nvPr>
-            <p:ph idx="1" type="body"/>
+            <p:ph type="body" idx="1"/>
           </p:nvPr>
         </p:nvSpPr>
         <p:spPr>
@@ -4286,11 +4260,11 @@
           </a:prstGeom>
         </p:spPr>
         <p:txBody>
-          <a:bodyPr anchorCtr="0" anchor="t" bIns="91425" lIns="91425" spcFirstLastPara="1" rIns="91425" wrap="square" tIns="91425">
+          <a:bodyPr spcFirstLastPara="1" wrap="square" lIns="91425" tIns="91425" rIns="91425" bIns="91425" anchor="t" anchorCtr="0">
             <a:normAutofit/>
           </a:bodyPr>
           <a:lstStyle>
-            <a:lvl1pPr indent="-311150" lvl="0" marL="457200">
+            <a:lvl1pPr marL="457200" lvl="0" indent="-311150">
               <a:spcBef>
                 <a:spcPts val="0"/>
               </a:spcBef>
@@ -4301,7 +4275,7 @@
               <a:buChar char="●"/>
               <a:defRPr/>
             </a:lvl1pPr>
-            <a:lvl2pPr indent="-298450" lvl="1" marL="914400">
+            <a:lvl2pPr marL="914400" lvl="1" indent="-298450">
               <a:spcBef>
                 <a:spcPts val="0"/>
               </a:spcBef>
@@ -4312,7 +4286,7 @@
               <a:buChar char="○"/>
               <a:defRPr/>
             </a:lvl2pPr>
-            <a:lvl3pPr indent="-298450" lvl="2" marL="1371600">
+            <a:lvl3pPr marL="1371600" lvl="2" indent="-298450">
               <a:spcBef>
                 <a:spcPts val="0"/>
               </a:spcBef>
@@ -4323,7 +4297,7 @@
               <a:buChar char="■"/>
               <a:defRPr/>
             </a:lvl3pPr>
-            <a:lvl4pPr indent="-298450" lvl="3" marL="1828800">
+            <a:lvl4pPr marL="1828800" lvl="3" indent="-298450">
               <a:spcBef>
                 <a:spcPts val="0"/>
               </a:spcBef>
@@ -4334,7 +4308,7 @@
               <a:buChar char="●"/>
               <a:defRPr/>
             </a:lvl4pPr>
-            <a:lvl5pPr indent="-298450" lvl="4" marL="2286000">
+            <a:lvl5pPr marL="2286000" lvl="4" indent="-298450">
               <a:spcBef>
                 <a:spcPts val="0"/>
               </a:spcBef>
@@ -4345,7 +4319,7 @@
               <a:buChar char="○"/>
               <a:defRPr/>
             </a:lvl5pPr>
-            <a:lvl6pPr indent="-298450" lvl="5" marL="2743200">
+            <a:lvl6pPr marL="2743200" lvl="5" indent="-298450">
               <a:spcBef>
                 <a:spcPts val="0"/>
               </a:spcBef>
@@ -4356,7 +4330,7 @@
               <a:buChar char="■"/>
               <a:defRPr/>
             </a:lvl6pPr>
-            <a:lvl7pPr indent="-298450" lvl="6" marL="3200400">
+            <a:lvl7pPr marL="3200400" lvl="6" indent="-298450">
               <a:spcBef>
                 <a:spcPts val="0"/>
               </a:spcBef>
@@ -4367,7 +4341,7 @@
               <a:buChar char="●"/>
               <a:defRPr/>
             </a:lvl7pPr>
-            <a:lvl8pPr indent="-298450" lvl="7" marL="3657600">
+            <a:lvl8pPr marL="3657600" lvl="7" indent="-298450">
               <a:spcBef>
                 <a:spcPts val="0"/>
               </a:spcBef>
@@ -4378,7 +4352,7 @@
               <a:buChar char="○"/>
               <a:defRPr/>
             </a:lvl8pPr>
-            <a:lvl9pPr indent="-298450" lvl="8" marL="4114800">
+            <a:lvl9pPr marL="4114800" lvl="8" indent="-298450">
               <a:spcBef>
                 <a:spcPts val="0"/>
               </a:spcBef>
@@ -4390,15 +4364,19 @@
               <a:defRPr/>
             </a:lvl9pPr>
           </a:lstStyle>
-          <a:p/>
+          <a:p>
+            <a:endParaRPr/>
+          </a:p>
         </p:txBody>
       </p:sp>
       <p:sp>
         <p:nvSpPr>
           <p:cNvPr id="55" name="Google Shape;55;p4"/>
-          <p:cNvSpPr txBox="1"/>
+          <p:cNvSpPr txBox="1">
+            <a:spLocks noGrp="1"/>
+          </p:cNvSpPr>
           <p:nvPr>
-            <p:ph idx="12" type="sldNum"/>
+            <p:ph type="sldNum" idx="12"/>
           </p:nvPr>
         </p:nvSpPr>
         <p:spPr>
@@ -4411,7 +4389,7 @@
           </a:prstGeom>
         </p:spPr>
         <p:txBody>
-          <a:bodyPr anchorCtr="0" anchor="ctr" bIns="91425" lIns="91425" spcFirstLastPara="1" rIns="91425" wrap="square" tIns="91425">
+          <a:bodyPr spcFirstLastPara="1" wrap="square" lIns="91425" tIns="91425" rIns="91425" bIns="91425" anchor="ctr" anchorCtr="0">
             <a:normAutofit/>
           </a:bodyPr>
           <a:lstStyle>
@@ -4453,7 +4431,7 @@
             </a:lvl9pPr>
           </a:lstStyle>
           <a:p>
-            <a:pPr indent="0" lvl="0" marL="0" rtl="0" algn="r">
+            <a:pPr marL="0" lvl="0" indent="0" algn="r" rtl="0">
               <a:spcBef>
                 <a:spcPts val="0"/>
               </a:spcBef>
@@ -4479,18 +4457,19 @@
 </file>
 
 <file path=ppt/slideLayouts/slideLayout4.xml><?xml version="1.0" encoding="utf-8"?>
-<p:sldLayout xmlns:a="http://schemas.openxmlformats.org/drawingml/2006/main" xmlns:r="http://schemas.openxmlformats.org/officeDocument/2006/relationships" xmlns:mc="http://schemas.openxmlformats.org/markup-compatibility/2006" xmlns:mv="urn:schemas-microsoft-com:mac:vml" xmlns:p="http://schemas.openxmlformats.org/presentationml/2006/main" xmlns:c="http://schemas.openxmlformats.org/drawingml/2006/chart" xmlns:dgm="http://schemas.openxmlformats.org/drawingml/2006/diagram" xmlns:o="urn:schemas-microsoft-com:office:office" xmlns:v="urn:schemas-microsoft-com:vml" xmlns:pvml="urn:schemas-microsoft-com:office:powerpoint" xmlns:com="http://schemas.openxmlformats.org/drawingml/2006/compatibility" xmlns:p14="http://schemas.microsoft.com/office/powerpoint/2010/main" xmlns:p15="http://schemas.microsoft.com/office/powerpoint/2012/main" xmlns:ahyp="http://schemas.microsoft.com/office/drawing/2018/hyperlinkcolor" matchingName="Title and two columns" type="twoColTx">
+<p:sldLayout xmlns:a="http://schemas.openxmlformats.org/drawingml/2006/main" xmlns:r="http://schemas.openxmlformats.org/officeDocument/2006/relationships" xmlns:p="http://schemas.openxmlformats.org/presentationml/2006/main" matchingName="Title and two columns" type="twoColTx">
   <p:cSld name="TITLE_AND_TWO_COLUMNS">
     <p:bg>
       <p:bgPr>
         <a:solidFill>
           <a:schemeClr val="dk2"/>
         </a:solidFill>
+        <a:effectLst/>
       </p:bgPr>
     </p:bg>
     <p:spTree>
       <p:nvGrpSpPr>
-        <p:cNvPr id="56" name="Shape 56"/>
+        <p:cNvPr id="1" name="Shape 56"/>
         <p:cNvGrpSpPr/>
         <p:nvPr/>
       </p:nvGrpSpPr>
@@ -4524,12 +4503,12 @@
           </a:ln>
         </p:spPr>
         <p:txBody>
-          <a:bodyPr anchorCtr="0" anchor="ctr" bIns="91425" lIns="91425" spcFirstLastPara="1" rIns="91425" wrap="square" tIns="91425">
+          <a:bodyPr spcFirstLastPara="1" wrap="square" lIns="91425" tIns="91425" rIns="91425" bIns="91425" anchor="ctr" anchorCtr="0">
             <a:noAutofit/>
           </a:bodyPr>
           <a:lstStyle/>
           <a:p>
-            <a:pPr indent="0" lvl="0" marL="0" rtl="0" algn="l">
+            <a:pPr marL="0" lvl="0" indent="0" algn="l" rtl="0">
               <a:spcBef>
                 <a:spcPts val="0"/>
               </a:spcBef>
@@ -4538,9 +4517,6 @@
               </a:spcAft>
               <a:buNone/>
             </a:pPr>
-            <a:r>
-              <a:t/>
-            </a:r>
             <a:endParaRPr/>
           </a:p>
         </p:txBody>
@@ -4567,12 +4543,12 @@
           </a:ln>
         </p:spPr>
         <p:txBody>
-          <a:bodyPr anchorCtr="0" anchor="ctr" bIns="91425" lIns="91425" spcFirstLastPara="1" rIns="91425" wrap="square" tIns="91425">
+          <a:bodyPr spcFirstLastPara="1" wrap="square" lIns="91425" tIns="91425" rIns="91425" bIns="91425" anchor="ctr" anchorCtr="0">
             <a:noAutofit/>
           </a:bodyPr>
           <a:lstStyle/>
           <a:p>
-            <a:pPr indent="0" lvl="0" marL="0" rtl="0" algn="l">
+            <a:pPr marL="0" lvl="0" indent="0" algn="l" rtl="0">
               <a:spcBef>
                 <a:spcPts val="0"/>
               </a:spcBef>
@@ -4581,9 +4557,6 @@
               </a:spcAft>
               <a:buNone/>
             </a:pPr>
-            <a:r>
-              <a:t/>
-            </a:r>
             <a:endParaRPr/>
           </a:p>
         </p:txBody>
@@ -4609,7 +4582,7 @@
             <a:noFill/>
           </a:ln>
           <a:effectLst>
-            <a:outerShdw blurRad="228600" sx="101000" rotWithShape="0" algn="ctr" sy="101000">
+            <a:outerShdw blurRad="228600" sx="101000" sy="101000" algn="ctr" rotWithShape="0">
               <a:srgbClr val="000000">
                 <a:alpha val="40000"/>
               </a:srgbClr>
@@ -4617,12 +4590,12 @@
           </a:effectLst>
         </p:spPr>
         <p:txBody>
-          <a:bodyPr anchorCtr="0" anchor="ctr" bIns="91425" lIns="91425" spcFirstLastPara="1" rIns="91425" wrap="square" tIns="91425">
+          <a:bodyPr spcFirstLastPara="1" wrap="square" lIns="91425" tIns="91425" rIns="91425" bIns="91425" anchor="ctr" anchorCtr="0">
             <a:noAutofit/>
           </a:bodyPr>
           <a:lstStyle/>
           <a:p>
-            <a:pPr indent="0" lvl="0" marL="0" rtl="0" algn="l">
+            <a:pPr marL="0" lvl="0" indent="0" algn="l" rtl="0">
               <a:spcBef>
                 <a:spcPts val="0"/>
               </a:spcBef>
@@ -4631,9 +4604,6 @@
               </a:spcAft>
               <a:buNone/>
             </a:pPr>
-            <a:r>
-              <a:t/>
-            </a:r>
             <a:endParaRPr/>
           </a:p>
         </p:txBody>
@@ -4641,7 +4611,9 @@
       <p:sp>
         <p:nvSpPr>
           <p:cNvPr id="60" name="Google Shape;60;p5"/>
-          <p:cNvSpPr txBox="1"/>
+          <p:cNvSpPr txBox="1">
+            <a:spLocks noGrp="1"/>
+          </p:cNvSpPr>
           <p:nvPr>
             <p:ph type="title"/>
           </p:nvPr>
@@ -4656,7 +4628,7 @@
           </a:prstGeom>
         </p:spPr>
         <p:txBody>
-          <a:bodyPr anchorCtr="0" anchor="t" bIns="91425" lIns="91425" spcFirstLastPara="1" rIns="91425" wrap="square" tIns="91425">
+          <a:bodyPr spcFirstLastPara="1" wrap="square" lIns="91425" tIns="91425" rIns="91425" bIns="91425" anchor="t" anchorCtr="0">
             <a:normAutofit/>
           </a:bodyPr>
           <a:lstStyle>
@@ -4760,15 +4732,19 @@
               <a:defRPr sz="3000"/>
             </a:lvl9pPr>
           </a:lstStyle>
-          <a:p/>
+          <a:p>
+            <a:endParaRPr/>
+          </a:p>
         </p:txBody>
       </p:sp>
       <p:sp>
         <p:nvSpPr>
           <p:cNvPr id="61" name="Google Shape;61;p5"/>
-          <p:cNvSpPr txBox="1"/>
+          <p:cNvSpPr txBox="1">
+            <a:spLocks noGrp="1"/>
+          </p:cNvSpPr>
           <p:nvPr>
-            <p:ph idx="1" type="body"/>
+            <p:ph type="body" idx="1"/>
           </p:nvPr>
         </p:nvSpPr>
         <p:spPr>
@@ -4781,11 +4757,11 @@
           </a:prstGeom>
         </p:spPr>
         <p:txBody>
-          <a:bodyPr anchorCtr="0" anchor="t" bIns="91425" lIns="91425" spcFirstLastPara="1" rIns="91425" wrap="square" tIns="91425">
+          <a:bodyPr spcFirstLastPara="1" wrap="square" lIns="91425" tIns="91425" rIns="91425" bIns="91425" anchor="t" anchorCtr="0">
             <a:normAutofit/>
           </a:bodyPr>
           <a:lstStyle>
-            <a:lvl1pPr indent="-311150" lvl="0" marL="457200">
+            <a:lvl1pPr marL="457200" lvl="0" indent="-311150">
               <a:spcBef>
                 <a:spcPts val="0"/>
               </a:spcBef>
@@ -4796,7 +4772,7 @@
               <a:buChar char="●"/>
               <a:defRPr/>
             </a:lvl1pPr>
-            <a:lvl2pPr indent="-298450" lvl="1" marL="914400">
+            <a:lvl2pPr marL="914400" lvl="1" indent="-298450">
               <a:spcBef>
                 <a:spcPts val="0"/>
               </a:spcBef>
@@ -4807,7 +4783,7 @@
               <a:buChar char="○"/>
               <a:defRPr/>
             </a:lvl2pPr>
-            <a:lvl3pPr indent="-298450" lvl="2" marL="1371600">
+            <a:lvl3pPr marL="1371600" lvl="2" indent="-298450">
               <a:spcBef>
                 <a:spcPts val="0"/>
               </a:spcBef>
@@ -4818,7 +4794,7 @@
               <a:buChar char="■"/>
               <a:defRPr/>
             </a:lvl3pPr>
-            <a:lvl4pPr indent="-298450" lvl="3" marL="1828800">
+            <a:lvl4pPr marL="1828800" lvl="3" indent="-298450">
               <a:spcBef>
                 <a:spcPts val="0"/>
               </a:spcBef>
@@ -4829,7 +4805,7 @@
               <a:buChar char="●"/>
               <a:defRPr/>
             </a:lvl4pPr>
-            <a:lvl5pPr indent="-298450" lvl="4" marL="2286000">
+            <a:lvl5pPr marL="2286000" lvl="4" indent="-298450">
               <a:spcBef>
                 <a:spcPts val="0"/>
               </a:spcBef>
@@ -4840,7 +4816,7 @@
               <a:buChar char="○"/>
               <a:defRPr/>
             </a:lvl5pPr>
-            <a:lvl6pPr indent="-298450" lvl="5" marL="2743200">
+            <a:lvl6pPr marL="2743200" lvl="5" indent="-298450">
               <a:spcBef>
                 <a:spcPts val="0"/>
               </a:spcBef>
@@ -4851,7 +4827,7 @@
               <a:buChar char="■"/>
               <a:defRPr/>
             </a:lvl6pPr>
-            <a:lvl7pPr indent="-298450" lvl="6" marL="3200400">
+            <a:lvl7pPr marL="3200400" lvl="6" indent="-298450">
               <a:spcBef>
                 <a:spcPts val="0"/>
               </a:spcBef>
@@ -4862,7 +4838,7 @@
               <a:buChar char="●"/>
               <a:defRPr/>
             </a:lvl7pPr>
-            <a:lvl8pPr indent="-298450" lvl="7" marL="3657600">
+            <a:lvl8pPr marL="3657600" lvl="7" indent="-298450">
               <a:spcBef>
                 <a:spcPts val="0"/>
               </a:spcBef>
@@ -4873,7 +4849,7 @@
               <a:buChar char="○"/>
               <a:defRPr/>
             </a:lvl8pPr>
-            <a:lvl9pPr indent="-298450" lvl="8" marL="4114800">
+            <a:lvl9pPr marL="4114800" lvl="8" indent="-298450">
               <a:spcBef>
                 <a:spcPts val="0"/>
               </a:spcBef>
@@ -4885,15 +4861,19 @@
               <a:defRPr/>
             </a:lvl9pPr>
           </a:lstStyle>
-          <a:p/>
+          <a:p>
+            <a:endParaRPr/>
+          </a:p>
         </p:txBody>
       </p:sp>
       <p:sp>
         <p:nvSpPr>
           <p:cNvPr id="62" name="Google Shape;62;p5"/>
-          <p:cNvSpPr txBox="1"/>
+          <p:cNvSpPr txBox="1">
+            <a:spLocks noGrp="1"/>
+          </p:cNvSpPr>
           <p:nvPr>
-            <p:ph idx="2" type="body"/>
+            <p:ph type="body" idx="2"/>
           </p:nvPr>
         </p:nvSpPr>
         <p:spPr>
@@ -4906,11 +4886,11 @@
           </a:prstGeom>
         </p:spPr>
         <p:txBody>
-          <a:bodyPr anchorCtr="0" anchor="t" bIns="91425" lIns="91425" spcFirstLastPara="1" rIns="91425" wrap="square" tIns="91425">
+          <a:bodyPr spcFirstLastPara="1" wrap="square" lIns="91425" tIns="91425" rIns="91425" bIns="91425" anchor="t" anchorCtr="0">
             <a:normAutofit/>
           </a:bodyPr>
           <a:lstStyle>
-            <a:lvl1pPr indent="-311150" lvl="0" marL="457200">
+            <a:lvl1pPr marL="457200" lvl="0" indent="-311150">
               <a:spcBef>
                 <a:spcPts val="0"/>
               </a:spcBef>
@@ -4921,7 +4901,7 @@
               <a:buChar char="●"/>
               <a:defRPr/>
             </a:lvl1pPr>
-            <a:lvl2pPr indent="-298450" lvl="1" marL="914400">
+            <a:lvl2pPr marL="914400" lvl="1" indent="-298450">
               <a:spcBef>
                 <a:spcPts val="0"/>
               </a:spcBef>
@@ -4932,7 +4912,7 @@
               <a:buChar char="○"/>
               <a:defRPr/>
             </a:lvl2pPr>
-            <a:lvl3pPr indent="-298450" lvl="2" marL="1371600">
+            <a:lvl3pPr marL="1371600" lvl="2" indent="-298450">
               <a:spcBef>
                 <a:spcPts val="0"/>
               </a:spcBef>
@@ -4943,7 +4923,7 @@
               <a:buChar char="■"/>
               <a:defRPr/>
             </a:lvl3pPr>
-            <a:lvl4pPr indent="-298450" lvl="3" marL="1828800">
+            <a:lvl4pPr marL="1828800" lvl="3" indent="-298450">
               <a:spcBef>
                 <a:spcPts val="0"/>
               </a:spcBef>
@@ -4954,7 +4934,7 @@
               <a:buChar char="●"/>
               <a:defRPr/>
             </a:lvl4pPr>
-            <a:lvl5pPr indent="-298450" lvl="4" marL="2286000">
+            <a:lvl5pPr marL="2286000" lvl="4" indent="-298450">
               <a:spcBef>
                 <a:spcPts val="0"/>
               </a:spcBef>
@@ -4965,7 +4945,7 @@
               <a:buChar char="○"/>
               <a:defRPr/>
             </a:lvl5pPr>
-            <a:lvl6pPr indent="-298450" lvl="5" marL="2743200">
+            <a:lvl6pPr marL="2743200" lvl="5" indent="-298450">
               <a:spcBef>
                 <a:spcPts val="0"/>
               </a:spcBef>
@@ -4976,7 +4956,7 @@
               <a:buChar char="■"/>
               <a:defRPr/>
             </a:lvl6pPr>
-            <a:lvl7pPr indent="-298450" lvl="6" marL="3200400">
+            <a:lvl7pPr marL="3200400" lvl="6" indent="-298450">
               <a:spcBef>
                 <a:spcPts val="0"/>
               </a:spcBef>
@@ -4987,7 +4967,7 @@
               <a:buChar char="●"/>
               <a:defRPr/>
             </a:lvl7pPr>
-            <a:lvl8pPr indent="-298450" lvl="7" marL="3657600">
+            <a:lvl8pPr marL="3657600" lvl="7" indent="-298450">
               <a:spcBef>
                 <a:spcPts val="0"/>
               </a:spcBef>
@@ -4998,7 +4978,7 @@
               <a:buChar char="○"/>
               <a:defRPr/>
             </a:lvl8pPr>
-            <a:lvl9pPr indent="-298450" lvl="8" marL="4114800">
+            <a:lvl9pPr marL="4114800" lvl="8" indent="-298450">
               <a:spcBef>
                 <a:spcPts val="0"/>
               </a:spcBef>
@@ -5010,15 +4990,19 @@
               <a:defRPr/>
             </a:lvl9pPr>
           </a:lstStyle>
-          <a:p/>
+          <a:p>
+            <a:endParaRPr/>
+          </a:p>
         </p:txBody>
       </p:sp>
       <p:sp>
         <p:nvSpPr>
           <p:cNvPr id="63" name="Google Shape;63;p5"/>
-          <p:cNvSpPr txBox="1"/>
+          <p:cNvSpPr txBox="1">
+            <a:spLocks noGrp="1"/>
+          </p:cNvSpPr>
           <p:nvPr>
-            <p:ph idx="12" type="sldNum"/>
+            <p:ph type="sldNum" idx="12"/>
           </p:nvPr>
         </p:nvSpPr>
         <p:spPr>
@@ -5031,7 +5015,7 @@
           </a:prstGeom>
         </p:spPr>
         <p:txBody>
-          <a:bodyPr anchorCtr="0" anchor="ctr" bIns="91425" lIns="91425" spcFirstLastPara="1" rIns="91425" wrap="square" tIns="91425">
+          <a:bodyPr spcFirstLastPara="1" wrap="square" lIns="91425" tIns="91425" rIns="91425" bIns="91425" anchor="ctr" anchorCtr="0">
             <a:normAutofit/>
           </a:bodyPr>
           <a:lstStyle>
@@ -5073,7 +5057,7 @@
             </a:lvl9pPr>
           </a:lstStyle>
           <a:p>
-            <a:pPr indent="0" lvl="0" marL="0" rtl="0" algn="r">
+            <a:pPr marL="0" lvl="0" indent="0" algn="r" rtl="0">
               <a:spcBef>
                 <a:spcPts val="0"/>
               </a:spcBef>
@@ -5099,18 +5083,19 @@
 </file>
 
 <file path=ppt/slideLayouts/slideLayout5.xml><?xml version="1.0" encoding="utf-8"?>
-<p:sldLayout xmlns:a="http://schemas.openxmlformats.org/drawingml/2006/main" xmlns:r="http://schemas.openxmlformats.org/officeDocument/2006/relationships" xmlns:mc="http://schemas.openxmlformats.org/markup-compatibility/2006" xmlns:mv="urn:schemas-microsoft-com:mac:vml" xmlns:p="http://schemas.openxmlformats.org/presentationml/2006/main" xmlns:c="http://schemas.openxmlformats.org/drawingml/2006/chart" xmlns:dgm="http://schemas.openxmlformats.org/drawingml/2006/diagram" xmlns:o="urn:schemas-microsoft-com:office:office" xmlns:v="urn:schemas-microsoft-com:vml" xmlns:pvml="urn:schemas-microsoft-com:office:powerpoint" xmlns:com="http://schemas.openxmlformats.org/drawingml/2006/compatibility" xmlns:p14="http://schemas.microsoft.com/office/powerpoint/2010/main" xmlns:p15="http://schemas.microsoft.com/office/powerpoint/2012/main" xmlns:ahyp="http://schemas.microsoft.com/office/drawing/2018/hyperlinkcolor" matchingName="Title only" type="titleOnly">
+<p:sldLayout xmlns:a="http://schemas.openxmlformats.org/drawingml/2006/main" xmlns:r="http://schemas.openxmlformats.org/officeDocument/2006/relationships" xmlns:p="http://schemas.openxmlformats.org/presentationml/2006/main" matchingName="Title only" type="titleOnly">
   <p:cSld name="TITLE_ONLY">
     <p:bg>
       <p:bgPr>
         <a:solidFill>
           <a:schemeClr val="dk2"/>
         </a:solidFill>
+        <a:effectLst/>
       </p:bgPr>
     </p:bg>
     <p:spTree>
       <p:nvGrpSpPr>
-        <p:cNvPr id="64" name="Shape 64"/>
+        <p:cNvPr id="1" name="Shape 64"/>
         <p:cNvGrpSpPr/>
         <p:nvPr/>
       </p:nvGrpSpPr>
@@ -5144,12 +5129,12 @@
           </a:ln>
         </p:spPr>
         <p:txBody>
-          <a:bodyPr anchorCtr="0" anchor="ctr" bIns="91425" lIns="91425" spcFirstLastPara="1" rIns="91425" wrap="square" tIns="91425">
+          <a:bodyPr spcFirstLastPara="1" wrap="square" lIns="91425" tIns="91425" rIns="91425" bIns="91425" anchor="ctr" anchorCtr="0">
             <a:noAutofit/>
           </a:bodyPr>
           <a:lstStyle/>
           <a:p>
-            <a:pPr indent="0" lvl="0" marL="0" rtl="0" algn="l">
+            <a:pPr marL="0" lvl="0" indent="0" algn="l" rtl="0">
               <a:spcBef>
                 <a:spcPts val="0"/>
               </a:spcBef>
@@ -5158,9 +5143,6 @@
               </a:spcAft>
               <a:buNone/>
             </a:pPr>
-            <a:r>
-              <a:t/>
-            </a:r>
             <a:endParaRPr/>
           </a:p>
         </p:txBody>
@@ -5187,12 +5169,12 @@
           </a:ln>
         </p:spPr>
         <p:txBody>
-          <a:bodyPr anchorCtr="0" anchor="ctr" bIns="91425" lIns="91425" spcFirstLastPara="1" rIns="91425" wrap="square" tIns="91425">
+          <a:bodyPr spcFirstLastPara="1" wrap="square" lIns="91425" tIns="91425" rIns="91425" bIns="91425" anchor="ctr" anchorCtr="0">
             <a:noAutofit/>
           </a:bodyPr>
           <a:lstStyle/>
           <a:p>
-            <a:pPr indent="0" lvl="0" marL="0" rtl="0" algn="l">
+            <a:pPr marL="0" lvl="0" indent="0" algn="l" rtl="0">
               <a:spcBef>
                 <a:spcPts val="0"/>
               </a:spcBef>
@@ -5201,9 +5183,6 @@
               </a:spcAft>
               <a:buNone/>
             </a:pPr>
-            <a:r>
-              <a:t/>
-            </a:r>
             <a:endParaRPr/>
           </a:p>
         </p:txBody>
@@ -5229,7 +5208,7 @@
             <a:noFill/>
           </a:ln>
           <a:effectLst>
-            <a:outerShdw blurRad="228600" sx="101000" rotWithShape="0" algn="ctr" sy="101000">
+            <a:outerShdw blurRad="228600" sx="101000" sy="101000" algn="ctr" rotWithShape="0">
               <a:srgbClr val="000000">
                 <a:alpha val="40000"/>
               </a:srgbClr>
@@ -5237,12 +5216,12 @@
           </a:effectLst>
         </p:spPr>
         <p:txBody>
-          <a:bodyPr anchorCtr="0" anchor="ctr" bIns="91425" lIns="91425" spcFirstLastPara="1" rIns="91425" wrap="square" tIns="91425">
+          <a:bodyPr spcFirstLastPara="1" wrap="square" lIns="91425" tIns="91425" rIns="91425" bIns="91425" anchor="ctr" anchorCtr="0">
             <a:noAutofit/>
           </a:bodyPr>
           <a:lstStyle/>
           <a:p>
-            <a:pPr indent="0" lvl="0" marL="0" rtl="0" algn="l">
+            <a:pPr marL="0" lvl="0" indent="0" algn="l" rtl="0">
               <a:spcBef>
                 <a:spcPts val="0"/>
               </a:spcBef>
@@ -5251,9 +5230,6 @@
               </a:spcAft>
               <a:buNone/>
             </a:pPr>
-            <a:r>
-              <a:t/>
-            </a:r>
             <a:endParaRPr/>
           </a:p>
         </p:txBody>
@@ -5261,7 +5237,9 @@
       <p:sp>
         <p:nvSpPr>
           <p:cNvPr id="68" name="Google Shape;68;p6"/>
-          <p:cNvSpPr txBox="1"/>
+          <p:cNvSpPr txBox="1">
+            <a:spLocks noGrp="1"/>
+          </p:cNvSpPr>
           <p:nvPr>
             <p:ph type="title"/>
           </p:nvPr>
@@ -5276,7 +5254,7 @@
           </a:prstGeom>
         </p:spPr>
         <p:txBody>
-          <a:bodyPr anchorCtr="0" anchor="t" bIns="91425" lIns="91425" spcFirstLastPara="1" rIns="91425" wrap="square" tIns="91425">
+          <a:bodyPr spcFirstLastPara="1" wrap="square" lIns="91425" tIns="91425" rIns="91425" bIns="91425" anchor="t" anchorCtr="0">
             <a:normAutofit/>
           </a:bodyPr>
           <a:lstStyle>
@@ -5380,15 +5358,19 @@
               <a:defRPr sz="3000"/>
             </a:lvl9pPr>
           </a:lstStyle>
-          <a:p/>
+          <a:p>
+            <a:endParaRPr/>
+          </a:p>
         </p:txBody>
       </p:sp>
       <p:sp>
         <p:nvSpPr>
           <p:cNvPr id="69" name="Google Shape;69;p6"/>
-          <p:cNvSpPr txBox="1"/>
+          <p:cNvSpPr txBox="1">
+            <a:spLocks noGrp="1"/>
+          </p:cNvSpPr>
           <p:nvPr>
-            <p:ph idx="12" type="sldNum"/>
+            <p:ph type="sldNum" idx="12"/>
           </p:nvPr>
         </p:nvSpPr>
         <p:spPr>
@@ -5401,7 +5383,7 @@
           </a:prstGeom>
         </p:spPr>
         <p:txBody>
-          <a:bodyPr anchorCtr="0" anchor="ctr" bIns="91425" lIns="91425" spcFirstLastPara="1" rIns="91425" wrap="square" tIns="91425">
+          <a:bodyPr spcFirstLastPara="1" wrap="square" lIns="91425" tIns="91425" rIns="91425" bIns="91425" anchor="ctr" anchorCtr="0">
             <a:normAutofit/>
           </a:bodyPr>
           <a:lstStyle>
@@ -5443,7 +5425,7 @@
             </a:lvl9pPr>
           </a:lstStyle>
           <a:p>
-            <a:pPr indent="0" lvl="0" marL="0" rtl="0" algn="r">
+            <a:pPr marL="0" lvl="0" indent="0" algn="r" rtl="0">
               <a:spcBef>
                 <a:spcPts val="0"/>
               </a:spcBef>
@@ -5469,18 +5451,19 @@
 </file>
 
 <file path=ppt/slideLayouts/slideLayout6.xml><?xml version="1.0" encoding="utf-8"?>
-<p:sldLayout xmlns:a="http://schemas.openxmlformats.org/drawingml/2006/main" xmlns:r="http://schemas.openxmlformats.org/officeDocument/2006/relationships" xmlns:mc="http://schemas.openxmlformats.org/markup-compatibility/2006" xmlns:mv="urn:schemas-microsoft-com:mac:vml" xmlns:p="http://schemas.openxmlformats.org/presentationml/2006/main" xmlns:c="http://schemas.openxmlformats.org/drawingml/2006/chart" xmlns:dgm="http://schemas.openxmlformats.org/drawingml/2006/diagram" xmlns:o="urn:schemas-microsoft-com:office:office" xmlns:v="urn:schemas-microsoft-com:vml" xmlns:pvml="urn:schemas-microsoft-com:office:powerpoint" xmlns:com="http://schemas.openxmlformats.org/drawingml/2006/compatibility" xmlns:p14="http://schemas.microsoft.com/office/powerpoint/2010/main" xmlns:p15="http://schemas.microsoft.com/office/powerpoint/2012/main" xmlns:ahyp="http://schemas.microsoft.com/office/drawing/2018/hyperlinkcolor" matchingName="One column text">
+<p:sldLayout xmlns:a="http://schemas.openxmlformats.org/drawingml/2006/main" xmlns:r="http://schemas.openxmlformats.org/officeDocument/2006/relationships" xmlns:p="http://schemas.openxmlformats.org/presentationml/2006/main" matchingName="One column text">
   <p:cSld name="ONE_COLUMN_TEXT">
     <p:bg>
       <p:bgPr>
         <a:solidFill>
           <a:schemeClr val="accent3"/>
         </a:solidFill>
+        <a:effectLst/>
       </p:bgPr>
     </p:bg>
     <p:spTree>
       <p:nvGrpSpPr>
-        <p:cNvPr id="70" name="Shape 70"/>
+        <p:cNvPr id="1" name="Shape 70"/>
         <p:cNvGrpSpPr/>
         <p:nvPr/>
       </p:nvGrpSpPr>
@@ -5514,12 +5497,12 @@
           </a:ln>
         </p:spPr>
         <p:txBody>
-          <a:bodyPr anchorCtr="0" anchor="ctr" bIns="91425" lIns="91425" spcFirstLastPara="1" rIns="91425" wrap="square" tIns="91425">
+          <a:bodyPr spcFirstLastPara="1" wrap="square" lIns="91425" tIns="91425" rIns="91425" bIns="91425" anchor="ctr" anchorCtr="0">
             <a:noAutofit/>
           </a:bodyPr>
           <a:lstStyle/>
           <a:p>
-            <a:pPr indent="0" lvl="0" marL="0" rtl="0" algn="l">
+            <a:pPr marL="0" lvl="0" indent="0" algn="l" rtl="0">
               <a:spcBef>
                 <a:spcPts val="0"/>
               </a:spcBef>
@@ -5528,9 +5511,6 @@
               </a:spcAft>
               <a:buNone/>
             </a:pPr>
-            <a:r>
-              <a:t/>
-            </a:r>
             <a:endParaRPr/>
           </a:p>
         </p:txBody>
@@ -5557,12 +5537,12 @@
           </a:ln>
         </p:spPr>
         <p:txBody>
-          <a:bodyPr anchorCtr="0" anchor="ctr" bIns="91425" lIns="91425" spcFirstLastPara="1" rIns="91425" wrap="square" tIns="91425">
+          <a:bodyPr spcFirstLastPara="1" wrap="square" lIns="91425" tIns="91425" rIns="91425" bIns="91425" anchor="ctr" anchorCtr="0">
             <a:noAutofit/>
           </a:bodyPr>
           <a:lstStyle/>
           <a:p>
-            <a:pPr indent="0" lvl="0" marL="0" rtl="0" algn="l">
+            <a:pPr marL="0" lvl="0" indent="0" algn="l" rtl="0">
               <a:spcBef>
                 <a:spcPts val="0"/>
               </a:spcBef>
@@ -5571,9 +5551,6 @@
               </a:spcAft>
               <a:buNone/>
             </a:pPr>
-            <a:r>
-              <a:t/>
-            </a:r>
             <a:endParaRPr/>
           </a:p>
         </p:txBody>
@@ -5599,7 +5576,7 @@
             <a:noFill/>
           </a:ln>
           <a:effectLst>
-            <a:outerShdw blurRad="228600" sx="101000" rotWithShape="0" algn="ctr" sy="101000">
+            <a:outerShdw blurRad="228600" sx="101000" sy="101000" algn="ctr" rotWithShape="0">
               <a:srgbClr val="000000">
                 <a:alpha val="40000"/>
               </a:srgbClr>
@@ -5607,12 +5584,12 @@
           </a:effectLst>
         </p:spPr>
         <p:txBody>
-          <a:bodyPr anchorCtr="0" anchor="ctr" bIns="91425" lIns="91425" spcFirstLastPara="1" rIns="91425" wrap="square" tIns="91425">
+          <a:bodyPr spcFirstLastPara="1" wrap="square" lIns="91425" tIns="91425" rIns="91425" bIns="91425" anchor="ctr" anchorCtr="0">
             <a:noAutofit/>
           </a:bodyPr>
           <a:lstStyle/>
           <a:p>
-            <a:pPr indent="0" lvl="0" marL="0" rtl="0" algn="l">
+            <a:pPr marL="0" lvl="0" indent="0" algn="l" rtl="0">
               <a:spcBef>
                 <a:spcPts val="0"/>
               </a:spcBef>
@@ -5621,9 +5598,6 @@
               </a:spcAft>
               <a:buNone/>
             </a:pPr>
-            <a:r>
-              <a:t/>
-            </a:r>
             <a:endParaRPr/>
           </a:p>
         </p:txBody>
@@ -5631,7 +5605,9 @@
       <p:sp>
         <p:nvSpPr>
           <p:cNvPr id="74" name="Google Shape;74;p7"/>
-          <p:cNvSpPr txBox="1"/>
+          <p:cNvSpPr txBox="1">
+            <a:spLocks noGrp="1"/>
+          </p:cNvSpPr>
           <p:nvPr>
             <p:ph type="title"/>
           </p:nvPr>
@@ -5646,7 +5622,7 @@
           </a:prstGeom>
         </p:spPr>
         <p:txBody>
-          <a:bodyPr anchorCtr="0" anchor="t" bIns="91425" lIns="91425" spcFirstLastPara="1" rIns="91425" wrap="square" tIns="91425">
+          <a:bodyPr spcFirstLastPara="1" wrap="square" lIns="91425" tIns="91425" rIns="91425" bIns="91425" anchor="t" anchorCtr="0">
             <a:normAutofit/>
           </a:bodyPr>
           <a:lstStyle>
@@ -5750,15 +5726,19 @@
               <a:defRPr sz="3000"/>
             </a:lvl9pPr>
           </a:lstStyle>
-          <a:p/>
+          <a:p>
+            <a:endParaRPr/>
+          </a:p>
         </p:txBody>
       </p:sp>
       <p:sp>
         <p:nvSpPr>
           <p:cNvPr id="75" name="Google Shape;75;p7"/>
-          <p:cNvSpPr txBox="1"/>
+          <p:cNvSpPr txBox="1">
+            <a:spLocks noGrp="1"/>
+          </p:cNvSpPr>
           <p:nvPr>
-            <p:ph idx="1" type="body"/>
+            <p:ph type="body" idx="1"/>
           </p:nvPr>
         </p:nvSpPr>
         <p:spPr>
@@ -5771,11 +5751,11 @@
           </a:prstGeom>
         </p:spPr>
         <p:txBody>
-          <a:bodyPr anchorCtr="0" anchor="t" bIns="91425" lIns="91425" spcFirstLastPara="1" rIns="91425" wrap="square" tIns="91425">
+          <a:bodyPr spcFirstLastPara="1" wrap="square" lIns="91425" tIns="91425" rIns="91425" bIns="91425" anchor="t" anchorCtr="0">
             <a:normAutofit/>
           </a:bodyPr>
           <a:lstStyle>
-            <a:lvl1pPr indent="-311150" lvl="0" marL="457200">
+            <a:lvl1pPr marL="457200" lvl="0" indent="-311150">
               <a:spcBef>
                 <a:spcPts val="0"/>
               </a:spcBef>
@@ -5786,7 +5766,7 @@
               <a:buChar char="●"/>
               <a:defRPr/>
             </a:lvl1pPr>
-            <a:lvl2pPr indent="-298450" lvl="1" marL="914400">
+            <a:lvl2pPr marL="914400" lvl="1" indent="-298450">
               <a:spcBef>
                 <a:spcPts val="0"/>
               </a:spcBef>
@@ -5797,7 +5777,7 @@
               <a:buChar char="○"/>
               <a:defRPr/>
             </a:lvl2pPr>
-            <a:lvl3pPr indent="-298450" lvl="2" marL="1371600">
+            <a:lvl3pPr marL="1371600" lvl="2" indent="-298450">
               <a:spcBef>
                 <a:spcPts val="0"/>
               </a:spcBef>
@@ -5808,7 +5788,7 @@
               <a:buChar char="■"/>
               <a:defRPr/>
             </a:lvl3pPr>
-            <a:lvl4pPr indent="-298450" lvl="3" marL="1828800">
+            <a:lvl4pPr marL="1828800" lvl="3" indent="-298450">
               <a:spcBef>
                 <a:spcPts val="0"/>
               </a:spcBef>
@@ -5819,7 +5799,7 @@
               <a:buChar char="●"/>
               <a:defRPr/>
             </a:lvl4pPr>
-            <a:lvl5pPr indent="-298450" lvl="4" marL="2286000">
+            <a:lvl5pPr marL="2286000" lvl="4" indent="-298450">
               <a:spcBef>
                 <a:spcPts val="0"/>
               </a:spcBef>
@@ -5830,7 +5810,7 @@
               <a:buChar char="○"/>
               <a:defRPr/>
             </a:lvl5pPr>
-            <a:lvl6pPr indent="-298450" lvl="5" marL="2743200">
+            <a:lvl6pPr marL="2743200" lvl="5" indent="-298450">
               <a:spcBef>
                 <a:spcPts val="0"/>
               </a:spcBef>
@@ -5841,7 +5821,7 @@
               <a:buChar char="■"/>
               <a:defRPr/>
             </a:lvl6pPr>
-            <a:lvl7pPr indent="-298450" lvl="6" marL="3200400">
+            <a:lvl7pPr marL="3200400" lvl="6" indent="-298450">
               <a:spcBef>
                 <a:spcPts val="0"/>
               </a:spcBef>
@@ -5852,7 +5832,7 @@
               <a:buChar char="●"/>
               <a:defRPr/>
             </a:lvl7pPr>
-            <a:lvl8pPr indent="-298450" lvl="7" marL="3657600">
+            <a:lvl8pPr marL="3657600" lvl="7" indent="-298450">
               <a:spcBef>
                 <a:spcPts val="0"/>
               </a:spcBef>
@@ -5863,7 +5843,7 @@
               <a:buChar char="○"/>
               <a:defRPr/>
             </a:lvl8pPr>
-            <a:lvl9pPr indent="-298450" lvl="8" marL="4114800">
+            <a:lvl9pPr marL="4114800" lvl="8" indent="-298450">
               <a:spcBef>
                 <a:spcPts val="0"/>
               </a:spcBef>
@@ -5875,15 +5855,19 @@
               <a:defRPr/>
             </a:lvl9pPr>
           </a:lstStyle>
-          <a:p/>
+          <a:p>
+            <a:endParaRPr/>
+          </a:p>
         </p:txBody>
       </p:sp>
       <p:sp>
         <p:nvSpPr>
           <p:cNvPr id="76" name="Google Shape;76;p7"/>
-          <p:cNvSpPr txBox="1"/>
+          <p:cNvSpPr txBox="1">
+            <a:spLocks noGrp="1"/>
+          </p:cNvSpPr>
           <p:nvPr>
-            <p:ph idx="12" type="sldNum"/>
+            <p:ph type="sldNum" idx="12"/>
           </p:nvPr>
         </p:nvSpPr>
         <p:spPr>
@@ -5896,7 +5880,7 @@
           </a:prstGeom>
         </p:spPr>
         <p:txBody>
-          <a:bodyPr anchorCtr="0" anchor="ctr" bIns="91425" lIns="91425" spcFirstLastPara="1" rIns="91425" wrap="square" tIns="91425">
+          <a:bodyPr spcFirstLastPara="1" wrap="square" lIns="91425" tIns="91425" rIns="91425" bIns="91425" anchor="ctr" anchorCtr="0">
             <a:normAutofit/>
           </a:bodyPr>
           <a:lstStyle>
@@ -5938,7 +5922,7 @@
             </a:lvl9pPr>
           </a:lstStyle>
           <a:p>
-            <a:pPr indent="0" lvl="0" marL="0" rtl="0" algn="r">
+            <a:pPr marL="0" lvl="0" indent="0" algn="r" rtl="0">
               <a:spcBef>
                 <a:spcPts val="0"/>
               </a:spcBef>
@@ -5964,18 +5948,19 @@
 </file>
 
 <file path=ppt/slideLayouts/slideLayout7.xml><?xml version="1.0" encoding="utf-8"?>
-<p:sldLayout xmlns:a="http://schemas.openxmlformats.org/drawingml/2006/main" xmlns:r="http://schemas.openxmlformats.org/officeDocument/2006/relationships" xmlns:mc="http://schemas.openxmlformats.org/markup-compatibility/2006" xmlns:mv="urn:schemas-microsoft-com:mac:vml" xmlns:p="http://schemas.openxmlformats.org/presentationml/2006/main" xmlns:c="http://schemas.openxmlformats.org/drawingml/2006/chart" xmlns:dgm="http://schemas.openxmlformats.org/drawingml/2006/diagram" xmlns:o="urn:schemas-microsoft-com:office:office" xmlns:v="urn:schemas-microsoft-com:vml" xmlns:pvml="urn:schemas-microsoft-com:office:powerpoint" xmlns:com="http://schemas.openxmlformats.org/drawingml/2006/compatibility" xmlns:p14="http://schemas.microsoft.com/office/powerpoint/2010/main" xmlns:p15="http://schemas.microsoft.com/office/powerpoint/2012/main" xmlns:ahyp="http://schemas.microsoft.com/office/drawing/2018/hyperlinkcolor" matchingName="Main point">
+<p:sldLayout xmlns:a="http://schemas.openxmlformats.org/drawingml/2006/main" xmlns:r="http://schemas.openxmlformats.org/officeDocument/2006/relationships" xmlns:p="http://schemas.openxmlformats.org/presentationml/2006/main" matchingName="Main point">
   <p:cSld name="MAIN_POINT">
     <p:bg>
       <p:bgPr>
         <a:solidFill>
           <a:schemeClr val="accent1"/>
         </a:solidFill>
+        <a:effectLst/>
       </p:bgPr>
     </p:bg>
     <p:spTree>
       <p:nvGrpSpPr>
-        <p:cNvPr id="77" name="Shape 77"/>
+        <p:cNvPr id="1" name="Shape 77"/>
         <p:cNvGrpSpPr/>
         <p:nvPr/>
       </p:nvGrpSpPr>
@@ -6009,12 +5994,12 @@
           </a:ln>
         </p:spPr>
         <p:txBody>
-          <a:bodyPr anchorCtr="0" anchor="ctr" bIns="91425" lIns="91425" spcFirstLastPara="1" rIns="91425" wrap="square" tIns="91425">
+          <a:bodyPr spcFirstLastPara="1" wrap="square" lIns="91425" tIns="91425" rIns="91425" bIns="91425" anchor="ctr" anchorCtr="0">
             <a:noAutofit/>
           </a:bodyPr>
           <a:lstStyle/>
           <a:p>
-            <a:pPr indent="0" lvl="0" marL="0" rtl="0" algn="l">
+            <a:pPr marL="0" lvl="0" indent="0" algn="l" rtl="0">
               <a:spcBef>
                 <a:spcPts val="0"/>
               </a:spcBef>
@@ -6023,9 +6008,6 @@
               </a:spcAft>
               <a:buNone/>
             </a:pPr>
-            <a:r>
-              <a:t/>
-            </a:r>
             <a:endParaRPr/>
           </a:p>
         </p:txBody>
@@ -6052,12 +6034,12 @@
           </a:ln>
         </p:spPr>
         <p:txBody>
-          <a:bodyPr anchorCtr="0" anchor="ctr" bIns="91425" lIns="91425" spcFirstLastPara="1" rIns="91425" wrap="square" tIns="91425">
+          <a:bodyPr spcFirstLastPara="1" wrap="square" lIns="91425" tIns="91425" rIns="91425" bIns="91425" anchor="ctr" anchorCtr="0">
             <a:noAutofit/>
           </a:bodyPr>
           <a:lstStyle/>
           <a:p>
-            <a:pPr indent="0" lvl="0" marL="0" rtl="0" algn="l">
+            <a:pPr marL="0" lvl="0" indent="0" algn="l" rtl="0">
               <a:spcBef>
                 <a:spcPts val="0"/>
               </a:spcBef>
@@ -6066,9 +6048,6 @@
               </a:spcAft>
               <a:buNone/>
             </a:pPr>
-            <a:r>
-              <a:t/>
-            </a:r>
             <a:endParaRPr/>
           </a:p>
         </p:txBody>
@@ -6100,7 +6079,7 @@
             </a:xfrm>
             <a:prstGeom prst="parallelogram">
               <a:avLst>
-                <a:gd fmla="val 153193" name="adj"/>
+                <a:gd name="adj" fmla="val 153193"/>
               </a:avLst>
             </a:prstGeom>
             <a:solidFill>
@@ -6111,12 +6090,12 @@
             </a:ln>
           </p:spPr>
           <p:txBody>
-            <a:bodyPr anchorCtr="0" anchor="ctr" bIns="91425" lIns="91425" spcFirstLastPara="1" rIns="91425" wrap="square" tIns="91425">
+            <a:bodyPr spcFirstLastPara="1" wrap="square" lIns="91425" tIns="91425" rIns="91425" bIns="91425" anchor="ctr" anchorCtr="0">
               <a:noAutofit/>
             </a:bodyPr>
             <a:lstStyle/>
             <a:p>
-              <a:pPr indent="0" lvl="0" marL="0" rtl="0" algn="l">
+              <a:pPr marL="0" lvl="0" indent="0" algn="l" rtl="0">
                 <a:spcBef>
                   <a:spcPts val="0"/>
                 </a:spcBef>
@@ -6125,9 +6104,6 @@
                 </a:spcAft>
                 <a:buNone/>
               </a:pPr>
-              <a:r>
-                <a:t/>
-              </a:r>
               <a:endParaRPr/>
             </a:p>
           </p:txBody>
@@ -6145,7 +6121,7 @@
             </a:xfrm>
             <a:prstGeom prst="parallelogram">
               <a:avLst>
-                <a:gd fmla="val 153193" name="adj"/>
+                <a:gd name="adj" fmla="val 153193"/>
               </a:avLst>
             </a:prstGeom>
             <a:solidFill>
@@ -6156,12 +6132,12 @@
             </a:ln>
           </p:spPr>
           <p:txBody>
-            <a:bodyPr anchorCtr="0" anchor="ctr" bIns="91425" lIns="91425" spcFirstLastPara="1" rIns="91425" wrap="square" tIns="91425">
+            <a:bodyPr spcFirstLastPara="1" wrap="square" lIns="91425" tIns="91425" rIns="91425" bIns="91425" anchor="ctr" anchorCtr="0">
               <a:noAutofit/>
             </a:bodyPr>
             <a:lstStyle/>
             <a:p>
-              <a:pPr indent="0" lvl="0" marL="0" rtl="0" algn="l">
+              <a:pPr marL="0" lvl="0" indent="0" algn="l" rtl="0">
                 <a:spcBef>
                   <a:spcPts val="0"/>
                 </a:spcBef>
@@ -6170,9 +6146,6 @@
                 </a:spcAft>
                 <a:buNone/>
               </a:pPr>
-              <a:r>
-                <a:t/>
-              </a:r>
               <a:endParaRPr/>
             </a:p>
           </p:txBody>
@@ -6190,7 +6163,7 @@
             </a:xfrm>
             <a:prstGeom prst="parallelogram">
               <a:avLst>
-                <a:gd fmla="val 153193" name="adj"/>
+                <a:gd name="adj" fmla="val 153193"/>
               </a:avLst>
             </a:prstGeom>
             <a:solidFill>
@@ -6201,12 +6174,12 @@
             </a:ln>
           </p:spPr>
           <p:txBody>
-            <a:bodyPr anchorCtr="0" anchor="ctr" bIns="91425" lIns="91425" spcFirstLastPara="1" rIns="91425" wrap="square" tIns="91425">
+            <a:bodyPr spcFirstLastPara="1" wrap="square" lIns="91425" tIns="91425" rIns="91425" bIns="91425" anchor="ctr" anchorCtr="0">
               <a:noAutofit/>
             </a:bodyPr>
             <a:lstStyle/>
             <a:p>
-              <a:pPr indent="0" lvl="0" marL="0" rtl="0" algn="l">
+              <a:pPr marL="0" lvl="0" indent="0" algn="l" rtl="0">
                 <a:spcBef>
                   <a:spcPts val="0"/>
                 </a:spcBef>
@@ -6215,9 +6188,6 @@
                 </a:spcAft>
                 <a:buNone/>
               </a:pPr>
-              <a:r>
-                <a:t/>
-              </a:r>
               <a:endParaRPr/>
             </a:p>
           </p:txBody>
@@ -6244,7 +6214,7 @@
             <a:noFill/>
           </a:ln>
           <a:effectLst>
-            <a:outerShdw blurRad="228600" sx="101000" rotWithShape="0" algn="ctr" sy="101000">
+            <a:outerShdw blurRad="228600" sx="101000" sy="101000" algn="ctr" rotWithShape="0">
               <a:srgbClr val="000000">
                 <a:alpha val="40000"/>
               </a:srgbClr>
@@ -6252,12 +6222,12 @@
           </a:effectLst>
         </p:spPr>
         <p:txBody>
-          <a:bodyPr anchorCtr="0" anchor="ctr" bIns="91425" lIns="91425" spcFirstLastPara="1" rIns="91425" wrap="square" tIns="91425">
+          <a:bodyPr spcFirstLastPara="1" wrap="square" lIns="91425" tIns="91425" rIns="91425" bIns="91425" anchor="ctr" anchorCtr="0">
             <a:noAutofit/>
           </a:bodyPr>
           <a:lstStyle/>
           <a:p>
-            <a:pPr indent="0" lvl="0" marL="0" rtl="0" algn="l">
+            <a:pPr marL="0" lvl="0" indent="0" algn="l" rtl="0">
               <a:spcBef>
                 <a:spcPts val="0"/>
               </a:spcBef>
@@ -6266,9 +6236,6 @@
               </a:spcAft>
               <a:buNone/>
             </a:pPr>
-            <a:r>
-              <a:t/>
-            </a:r>
             <a:endParaRPr/>
           </a:p>
         </p:txBody>
@@ -6300,7 +6267,7 @@
             </a:xfrm>
             <a:prstGeom prst="parallelogram">
               <a:avLst>
-                <a:gd fmla="val 158024" name="adj"/>
+                <a:gd name="adj" fmla="val 158024"/>
               </a:avLst>
             </a:prstGeom>
             <a:solidFill>
@@ -6311,12 +6278,12 @@
             </a:ln>
           </p:spPr>
           <p:txBody>
-            <a:bodyPr anchorCtr="0" anchor="ctr" bIns="91425" lIns="91425" spcFirstLastPara="1" rIns="91425" wrap="square" tIns="91425">
+            <a:bodyPr spcFirstLastPara="1" wrap="square" lIns="91425" tIns="91425" rIns="91425" bIns="91425" anchor="ctr" anchorCtr="0">
               <a:noAutofit/>
             </a:bodyPr>
             <a:lstStyle/>
             <a:p>
-              <a:pPr indent="0" lvl="0" marL="0" rtl="0" algn="l">
+              <a:pPr marL="0" lvl="0" indent="0" algn="l" rtl="0">
                 <a:spcBef>
                   <a:spcPts val="0"/>
                 </a:spcBef>
@@ -6325,9 +6292,6 @@
                 </a:spcAft>
                 <a:buNone/>
               </a:pPr>
-              <a:r>
-                <a:t/>
-              </a:r>
               <a:endParaRPr/>
             </a:p>
           </p:txBody>
@@ -6345,7 +6309,7 @@
             </a:xfrm>
             <a:prstGeom prst="parallelogram">
               <a:avLst>
-                <a:gd fmla="val 158024" name="adj"/>
+                <a:gd name="adj" fmla="val 158024"/>
               </a:avLst>
             </a:prstGeom>
             <a:solidFill>
@@ -6356,12 +6320,12 @@
             </a:ln>
           </p:spPr>
           <p:txBody>
-            <a:bodyPr anchorCtr="0" anchor="ctr" bIns="91425" lIns="91425" spcFirstLastPara="1" rIns="91425" wrap="square" tIns="91425">
+            <a:bodyPr spcFirstLastPara="1" wrap="square" lIns="91425" tIns="91425" rIns="91425" bIns="91425" anchor="ctr" anchorCtr="0">
               <a:noAutofit/>
             </a:bodyPr>
             <a:lstStyle/>
             <a:p>
-              <a:pPr indent="0" lvl="0" marL="0" rtl="0" algn="l">
+              <a:pPr marL="0" lvl="0" indent="0" algn="l" rtl="0">
                 <a:spcBef>
                   <a:spcPts val="0"/>
                 </a:spcBef>
@@ -6370,9 +6334,6 @@
                 </a:spcAft>
                 <a:buNone/>
               </a:pPr>
-              <a:r>
-                <a:t/>
-              </a:r>
               <a:endParaRPr/>
             </a:p>
           </p:txBody>
@@ -6390,7 +6351,7 @@
             </a:xfrm>
             <a:prstGeom prst="parallelogram">
               <a:avLst>
-                <a:gd fmla="val 158024" name="adj"/>
+                <a:gd name="adj" fmla="val 158024"/>
               </a:avLst>
             </a:prstGeom>
             <a:solidFill>
@@ -6401,12 +6362,12 @@
             </a:ln>
           </p:spPr>
           <p:txBody>
-            <a:bodyPr anchorCtr="0" anchor="ctr" bIns="91425" lIns="91425" spcFirstLastPara="1" rIns="91425" wrap="square" tIns="91425">
+            <a:bodyPr spcFirstLastPara="1" wrap="square" lIns="91425" tIns="91425" rIns="91425" bIns="91425" anchor="ctr" anchorCtr="0">
               <a:noAutofit/>
             </a:bodyPr>
             <a:lstStyle/>
             <a:p>
-              <a:pPr indent="0" lvl="0" marL="0" rtl="0" algn="l">
+              <a:pPr marL="0" lvl="0" indent="0" algn="l" rtl="0">
                 <a:spcBef>
                   <a:spcPts val="0"/>
                 </a:spcBef>
@@ -6415,9 +6376,6 @@
                 </a:spcAft>
                 <a:buNone/>
               </a:pPr>
-              <a:r>
-                <a:t/>
-              </a:r>
               <a:endParaRPr/>
             </a:p>
           </p:txBody>
@@ -6450,7 +6408,7 @@
             </a:xfrm>
             <a:prstGeom prst="parallelogram">
               <a:avLst>
-                <a:gd fmla="val 158024" name="adj"/>
+                <a:gd name="adj" fmla="val 158024"/>
               </a:avLst>
             </a:prstGeom>
             <a:solidFill>
@@ -6461,12 +6419,12 @@
             </a:ln>
           </p:spPr>
           <p:txBody>
-            <a:bodyPr anchorCtr="0" anchor="ctr" bIns="91425" lIns="91425" spcFirstLastPara="1" rIns="91425" wrap="square" tIns="91425">
+            <a:bodyPr spcFirstLastPara="1" wrap="square" lIns="91425" tIns="91425" rIns="91425" bIns="91425" anchor="ctr" anchorCtr="0">
               <a:noAutofit/>
             </a:bodyPr>
             <a:lstStyle/>
             <a:p>
-              <a:pPr indent="0" lvl="0" marL="0" rtl="0" algn="l">
+              <a:pPr marL="0" lvl="0" indent="0" algn="l" rtl="0">
                 <a:spcBef>
                   <a:spcPts val="0"/>
                 </a:spcBef>
@@ -6475,9 +6433,6 @@
                 </a:spcAft>
                 <a:buNone/>
               </a:pPr>
-              <a:r>
-                <a:t/>
-              </a:r>
               <a:endParaRPr/>
             </a:p>
           </p:txBody>
@@ -6495,7 +6450,7 @@
             </a:xfrm>
             <a:prstGeom prst="parallelogram">
               <a:avLst>
-                <a:gd fmla="val 158024" name="adj"/>
+                <a:gd name="adj" fmla="val 158024"/>
               </a:avLst>
             </a:prstGeom>
             <a:solidFill>
@@ -6506,12 +6461,12 @@
             </a:ln>
           </p:spPr>
           <p:txBody>
-            <a:bodyPr anchorCtr="0" anchor="ctr" bIns="91425" lIns="91425" spcFirstLastPara="1" rIns="91425" wrap="square" tIns="91425">
+            <a:bodyPr spcFirstLastPara="1" wrap="square" lIns="91425" tIns="91425" rIns="91425" bIns="91425" anchor="ctr" anchorCtr="0">
               <a:noAutofit/>
             </a:bodyPr>
             <a:lstStyle/>
             <a:p>
-              <a:pPr indent="0" lvl="0" marL="0" rtl="0" algn="l">
+              <a:pPr marL="0" lvl="0" indent="0" algn="l" rtl="0">
                 <a:spcBef>
                   <a:spcPts val="0"/>
                 </a:spcBef>
@@ -6520,9 +6475,6 @@
                 </a:spcAft>
                 <a:buNone/>
               </a:pPr>
-              <a:r>
-                <a:t/>
-              </a:r>
               <a:endParaRPr/>
             </a:p>
           </p:txBody>
@@ -6540,7 +6492,7 @@
             </a:xfrm>
             <a:prstGeom prst="parallelogram">
               <a:avLst>
-                <a:gd fmla="val 158024" name="adj"/>
+                <a:gd name="adj" fmla="val 158024"/>
               </a:avLst>
             </a:prstGeom>
             <a:solidFill>
@@ -6551,12 +6503,12 @@
             </a:ln>
           </p:spPr>
           <p:txBody>
-            <a:bodyPr anchorCtr="0" anchor="ctr" bIns="91425" lIns="91425" spcFirstLastPara="1" rIns="91425" wrap="square" tIns="91425">
+            <a:bodyPr spcFirstLastPara="1" wrap="square" lIns="91425" tIns="91425" rIns="91425" bIns="91425" anchor="ctr" anchorCtr="0">
               <a:noAutofit/>
             </a:bodyPr>
             <a:lstStyle/>
             <a:p>
-              <a:pPr indent="0" lvl="0" marL="0" rtl="0" algn="l">
+              <a:pPr marL="0" lvl="0" indent="0" algn="l" rtl="0">
                 <a:spcBef>
                   <a:spcPts val="0"/>
                 </a:spcBef>
@@ -6565,9 +6517,6 @@
                 </a:spcAft>
                 <a:buNone/>
               </a:pPr>
-              <a:r>
-                <a:t/>
-              </a:r>
               <a:endParaRPr/>
             </a:p>
           </p:txBody>
@@ -6576,7 +6525,9 @@
       <p:sp>
         <p:nvSpPr>
           <p:cNvPr id="93" name="Google Shape;93;p8"/>
-          <p:cNvSpPr txBox="1"/>
+          <p:cNvSpPr txBox="1">
+            <a:spLocks noGrp="1"/>
+          </p:cNvSpPr>
           <p:nvPr>
             <p:ph type="title"/>
           </p:nvPr>
@@ -6591,7 +6542,7 @@
           </a:prstGeom>
         </p:spPr>
         <p:txBody>
-          <a:bodyPr anchorCtr="0" anchor="ctr" bIns="91425" lIns="91425" spcFirstLastPara="1" rIns="91425" wrap="square" tIns="91425">
+          <a:bodyPr spcFirstLastPara="1" wrap="square" lIns="91425" tIns="91425" rIns="91425" bIns="91425" anchor="ctr" anchorCtr="0">
             <a:normAutofit/>
           </a:bodyPr>
           <a:lstStyle>
@@ -6695,15 +6646,19 @@
               <a:defRPr sz="3200"/>
             </a:lvl9pPr>
           </a:lstStyle>
-          <a:p/>
+          <a:p>
+            <a:endParaRPr/>
+          </a:p>
         </p:txBody>
       </p:sp>
       <p:sp>
         <p:nvSpPr>
           <p:cNvPr id="94" name="Google Shape;94;p8"/>
-          <p:cNvSpPr txBox="1"/>
+          <p:cNvSpPr txBox="1">
+            <a:spLocks noGrp="1"/>
+          </p:cNvSpPr>
           <p:nvPr>
-            <p:ph idx="12" type="sldNum"/>
+            <p:ph type="sldNum" idx="12"/>
           </p:nvPr>
         </p:nvSpPr>
         <p:spPr>
@@ -6716,7 +6671,7 @@
           </a:prstGeom>
         </p:spPr>
         <p:txBody>
-          <a:bodyPr anchorCtr="0" anchor="ctr" bIns="91425" lIns="91425" spcFirstLastPara="1" rIns="91425" wrap="square" tIns="91425">
+          <a:bodyPr spcFirstLastPara="1" wrap="square" lIns="91425" tIns="91425" rIns="91425" bIns="91425" anchor="ctr" anchorCtr="0">
             <a:normAutofit/>
           </a:bodyPr>
           <a:lstStyle>
@@ -6758,7 +6713,7 @@
             </a:lvl9pPr>
           </a:lstStyle>
           <a:p>
-            <a:pPr indent="0" lvl="0" marL="0" rtl="0" algn="r">
+            <a:pPr marL="0" lvl="0" indent="0" algn="r" rtl="0">
               <a:spcBef>
                 <a:spcPts val="0"/>
               </a:spcBef>
@@ -6784,18 +6739,19 @@
 </file>
 
 <file path=ppt/slideLayouts/slideLayout8.xml><?xml version="1.0" encoding="utf-8"?>
-<p:sldLayout xmlns:a="http://schemas.openxmlformats.org/drawingml/2006/main" xmlns:r="http://schemas.openxmlformats.org/officeDocument/2006/relationships" xmlns:mc="http://schemas.openxmlformats.org/markup-compatibility/2006" xmlns:mv="urn:schemas-microsoft-com:mac:vml" xmlns:p="http://schemas.openxmlformats.org/presentationml/2006/main" xmlns:c="http://schemas.openxmlformats.org/drawingml/2006/chart" xmlns:dgm="http://schemas.openxmlformats.org/drawingml/2006/diagram" xmlns:o="urn:schemas-microsoft-com:office:office" xmlns:v="urn:schemas-microsoft-com:vml" xmlns:pvml="urn:schemas-microsoft-com:office:powerpoint" xmlns:com="http://schemas.openxmlformats.org/drawingml/2006/compatibility" xmlns:p14="http://schemas.microsoft.com/office/powerpoint/2010/main" xmlns:p15="http://schemas.microsoft.com/office/powerpoint/2012/main" xmlns:ahyp="http://schemas.microsoft.com/office/drawing/2018/hyperlinkcolor" matchingName="Section title and description">
+<p:sldLayout xmlns:a="http://schemas.openxmlformats.org/drawingml/2006/main" xmlns:r="http://schemas.openxmlformats.org/officeDocument/2006/relationships" xmlns:p="http://schemas.openxmlformats.org/presentationml/2006/main" matchingName="Section title and description">
   <p:cSld name="SECTION_TITLE_AND_DESCRIPTION">
     <p:bg>
       <p:bgPr>
         <a:solidFill>
           <a:schemeClr val="dk2"/>
         </a:solidFill>
+        <a:effectLst/>
       </p:bgPr>
     </p:bg>
     <p:spTree>
       <p:nvGrpSpPr>
-        <p:cNvPr id="95" name="Shape 95"/>
+        <p:cNvPr id="1" name="Shape 95"/>
         <p:cNvGrpSpPr/>
         <p:nvPr/>
       </p:nvGrpSpPr>
@@ -6829,12 +6785,12 @@
           </a:ln>
         </p:spPr>
         <p:txBody>
-          <a:bodyPr anchorCtr="0" anchor="ctr" bIns="91425" lIns="91425" spcFirstLastPara="1" rIns="91425" wrap="square" tIns="91425">
+          <a:bodyPr spcFirstLastPara="1" wrap="square" lIns="91425" tIns="91425" rIns="91425" bIns="91425" anchor="ctr" anchorCtr="0">
             <a:noAutofit/>
           </a:bodyPr>
           <a:lstStyle/>
           <a:p>
-            <a:pPr indent="0" lvl="0" marL="0" rtl="0" algn="l">
+            <a:pPr marL="0" lvl="0" indent="0" algn="l" rtl="0">
               <a:spcBef>
                 <a:spcPts val="0"/>
               </a:spcBef>
@@ -6843,9 +6799,6 @@
               </a:spcAft>
               <a:buNone/>
             </a:pPr>
-            <a:r>
-              <a:t/>
-            </a:r>
             <a:endParaRPr/>
           </a:p>
         </p:txBody>
@@ -6872,12 +6825,12 @@
           </a:ln>
         </p:spPr>
         <p:txBody>
-          <a:bodyPr anchorCtr="0" anchor="ctr" bIns="91425" lIns="91425" spcFirstLastPara="1" rIns="91425" wrap="square" tIns="91425">
+          <a:bodyPr spcFirstLastPara="1" wrap="square" lIns="91425" tIns="91425" rIns="91425" bIns="91425" anchor="ctr" anchorCtr="0">
             <a:noAutofit/>
           </a:bodyPr>
           <a:lstStyle/>
           <a:p>
-            <a:pPr indent="0" lvl="0" marL="0" rtl="0" algn="l">
+            <a:pPr marL="0" lvl="0" indent="0" algn="l" rtl="0">
               <a:spcBef>
                 <a:spcPts val="0"/>
               </a:spcBef>
@@ -6886,9 +6839,6 @@
               </a:spcAft>
               <a:buNone/>
             </a:pPr>
-            <a:r>
-              <a:t/>
-            </a:r>
             <a:endParaRPr/>
           </a:p>
         </p:txBody>
@@ -6914,7 +6864,7 @@
             <a:noFill/>
           </a:ln>
           <a:effectLst>
-            <a:outerShdw blurRad="228600" sx="101000" rotWithShape="0" algn="ctr" sy="101000">
+            <a:outerShdw blurRad="228600" sx="101000" sy="101000" algn="ctr" rotWithShape="0">
               <a:srgbClr val="000000">
                 <a:alpha val="40000"/>
               </a:srgbClr>
@@ -6922,12 +6872,12 @@
           </a:effectLst>
         </p:spPr>
         <p:txBody>
-          <a:bodyPr anchorCtr="0" anchor="ctr" bIns="91425" lIns="91425" spcFirstLastPara="1" rIns="91425" wrap="square" tIns="91425">
+          <a:bodyPr spcFirstLastPara="1" wrap="square" lIns="91425" tIns="91425" rIns="91425" bIns="91425" anchor="ctr" anchorCtr="0">
             <a:noAutofit/>
           </a:bodyPr>
           <a:lstStyle/>
           <a:p>
-            <a:pPr indent="0" lvl="0" marL="0" rtl="0" algn="l">
+            <a:pPr marL="0" lvl="0" indent="0" algn="l" rtl="0">
               <a:spcBef>
                 <a:spcPts val="0"/>
               </a:spcBef>
@@ -6936,9 +6886,6 @@
               </a:spcAft>
               <a:buNone/>
             </a:pPr>
-            <a:r>
-              <a:t/>
-            </a:r>
             <a:endParaRPr/>
           </a:p>
         </p:txBody>
@@ -6946,7 +6893,9 @@
       <p:sp>
         <p:nvSpPr>
           <p:cNvPr id="99" name="Google Shape;99;p9"/>
-          <p:cNvSpPr txBox="1"/>
+          <p:cNvSpPr txBox="1">
+            <a:spLocks noGrp="1"/>
+          </p:cNvSpPr>
           <p:nvPr>
             <p:ph type="title"/>
           </p:nvPr>
@@ -6961,7 +6910,7 @@
           </a:prstGeom>
         </p:spPr>
         <p:txBody>
-          <a:bodyPr anchorCtr="0" anchor="t" bIns="91425" lIns="91425" spcFirstLastPara="1" rIns="91425" wrap="square" tIns="91425">
+          <a:bodyPr spcFirstLastPara="1" wrap="square" lIns="91425" tIns="91425" rIns="91425" bIns="91425" anchor="t" anchorCtr="0">
             <a:normAutofit/>
           </a:bodyPr>
           <a:lstStyle>
@@ -7065,15 +7014,19 @@
               <a:defRPr sz="3000"/>
             </a:lvl9pPr>
           </a:lstStyle>
-          <a:p/>
+          <a:p>
+            <a:endParaRPr/>
+          </a:p>
         </p:txBody>
       </p:sp>
       <p:sp>
         <p:nvSpPr>
           <p:cNvPr id="100" name="Google Shape;100;p9"/>
-          <p:cNvSpPr txBox="1"/>
+          <p:cNvSpPr txBox="1">
+            <a:spLocks noGrp="1"/>
+          </p:cNvSpPr>
           <p:nvPr>
-            <p:ph idx="1" type="subTitle"/>
+            <p:ph type="subTitle" idx="1"/>
           </p:nvPr>
         </p:nvSpPr>
         <p:spPr>
@@ -7086,7 +7039,7 @@
           </a:prstGeom>
         </p:spPr>
         <p:txBody>
-          <a:bodyPr anchorCtr="0" anchor="t" bIns="91425" lIns="91425" spcFirstLastPara="1" rIns="91425" wrap="square" tIns="91425">
+          <a:bodyPr spcFirstLastPara="1" wrap="square" lIns="91425" tIns="91425" rIns="91425" bIns="91425" anchor="t" anchorCtr="0">
             <a:normAutofit/>
           </a:bodyPr>
           <a:lstStyle>
@@ -7280,15 +7233,19 @@
               </a:defRPr>
             </a:lvl9pPr>
           </a:lstStyle>
-          <a:p/>
+          <a:p>
+            <a:endParaRPr/>
+          </a:p>
         </p:txBody>
       </p:sp>
       <p:sp>
         <p:nvSpPr>
           <p:cNvPr id="101" name="Google Shape;101;p9"/>
-          <p:cNvSpPr txBox="1"/>
+          <p:cNvSpPr txBox="1">
+            <a:spLocks noGrp="1"/>
+          </p:cNvSpPr>
           <p:nvPr>
-            <p:ph idx="2" type="body"/>
+            <p:ph type="body" idx="2"/>
           </p:nvPr>
         </p:nvSpPr>
         <p:spPr>
@@ -7301,11 +7258,11 @@
           </a:prstGeom>
         </p:spPr>
         <p:txBody>
-          <a:bodyPr anchorCtr="0" anchor="t" bIns="91425" lIns="91425" spcFirstLastPara="1" rIns="91425" wrap="square" tIns="91425">
+          <a:bodyPr spcFirstLastPara="1" wrap="square" lIns="91425" tIns="91425" rIns="91425" bIns="91425" anchor="t" anchorCtr="0">
             <a:normAutofit/>
           </a:bodyPr>
           <a:lstStyle>
-            <a:lvl1pPr indent="-311150" lvl="0" marL="457200">
+            <a:lvl1pPr marL="457200" lvl="0" indent="-311150">
               <a:spcBef>
                 <a:spcPts val="0"/>
               </a:spcBef>
@@ -7316,7 +7273,7 @@
               <a:buChar char="●"/>
               <a:defRPr/>
             </a:lvl1pPr>
-            <a:lvl2pPr indent="-298450" lvl="1" marL="914400">
+            <a:lvl2pPr marL="914400" lvl="1" indent="-298450">
               <a:spcBef>
                 <a:spcPts val="0"/>
               </a:spcBef>
@@ -7327,7 +7284,7 @@
               <a:buChar char="○"/>
               <a:defRPr/>
             </a:lvl2pPr>
-            <a:lvl3pPr indent="-298450" lvl="2" marL="1371600">
+            <a:lvl3pPr marL="1371600" lvl="2" indent="-298450">
               <a:spcBef>
                 <a:spcPts val="0"/>
               </a:spcBef>
@@ -7338,7 +7295,7 @@
               <a:buChar char="■"/>
               <a:defRPr/>
             </a:lvl3pPr>
-            <a:lvl4pPr indent="-298450" lvl="3" marL="1828800">
+            <a:lvl4pPr marL="1828800" lvl="3" indent="-298450">
               <a:spcBef>
                 <a:spcPts val="0"/>
               </a:spcBef>
@@ -7349,7 +7306,7 @@
               <a:buChar char="●"/>
               <a:defRPr/>
             </a:lvl4pPr>
-            <a:lvl5pPr indent="-298450" lvl="4" marL="2286000">
+            <a:lvl5pPr marL="2286000" lvl="4" indent="-298450">
               <a:spcBef>
                 <a:spcPts val="0"/>
               </a:spcBef>
@@ -7360,7 +7317,7 @@
               <a:buChar char="○"/>
               <a:defRPr/>
             </a:lvl5pPr>
-            <a:lvl6pPr indent="-298450" lvl="5" marL="2743200">
+            <a:lvl6pPr marL="2743200" lvl="5" indent="-298450">
               <a:spcBef>
                 <a:spcPts val="0"/>
               </a:spcBef>
@@ -7371,7 +7328,7 @@
               <a:buChar char="■"/>
               <a:defRPr/>
             </a:lvl6pPr>
-            <a:lvl7pPr indent="-298450" lvl="6" marL="3200400">
+            <a:lvl7pPr marL="3200400" lvl="6" indent="-298450">
               <a:spcBef>
                 <a:spcPts val="0"/>
               </a:spcBef>
@@ -7382,7 +7339,7 @@
               <a:buChar char="●"/>
               <a:defRPr/>
             </a:lvl7pPr>
-            <a:lvl8pPr indent="-298450" lvl="7" marL="3657600">
+            <a:lvl8pPr marL="3657600" lvl="7" indent="-298450">
               <a:spcBef>
                 <a:spcPts val="0"/>
               </a:spcBef>
@@ -7393,7 +7350,7 @@
               <a:buChar char="○"/>
               <a:defRPr/>
             </a:lvl8pPr>
-            <a:lvl9pPr indent="-298450" lvl="8" marL="4114800">
+            <a:lvl9pPr marL="4114800" lvl="8" indent="-298450">
               <a:spcBef>
                 <a:spcPts val="0"/>
               </a:spcBef>
@@ -7405,15 +7362,19 @@
               <a:defRPr/>
             </a:lvl9pPr>
           </a:lstStyle>
-          <a:p/>
+          <a:p>
+            <a:endParaRPr/>
+          </a:p>
         </p:txBody>
       </p:sp>
       <p:sp>
         <p:nvSpPr>
           <p:cNvPr id="102" name="Google Shape;102;p9"/>
-          <p:cNvSpPr txBox="1"/>
+          <p:cNvSpPr txBox="1">
+            <a:spLocks noGrp="1"/>
+          </p:cNvSpPr>
           <p:nvPr>
-            <p:ph idx="12" type="sldNum"/>
+            <p:ph type="sldNum" idx="12"/>
           </p:nvPr>
         </p:nvSpPr>
         <p:spPr>
@@ -7426,7 +7387,7 @@
           </a:prstGeom>
         </p:spPr>
         <p:txBody>
-          <a:bodyPr anchorCtr="0" anchor="ctr" bIns="91425" lIns="91425" spcFirstLastPara="1" rIns="91425" wrap="square" tIns="91425">
+          <a:bodyPr spcFirstLastPara="1" wrap="square" lIns="91425" tIns="91425" rIns="91425" bIns="91425" anchor="ctr" anchorCtr="0">
             <a:normAutofit/>
           </a:bodyPr>
           <a:lstStyle>
@@ -7468,7 +7429,7 @@
             </a:lvl9pPr>
           </a:lstStyle>
           <a:p>
-            <a:pPr indent="0" lvl="0" marL="0" rtl="0" algn="r">
+            <a:pPr marL="0" lvl="0" indent="0" algn="r" rtl="0">
               <a:spcBef>
                 <a:spcPts val="0"/>
               </a:spcBef>
@@ -7494,18 +7455,19 @@
 </file>
 
 <file path=ppt/slideLayouts/slideLayout9.xml><?xml version="1.0" encoding="utf-8"?>
-<p:sldLayout xmlns:a="http://schemas.openxmlformats.org/drawingml/2006/main" xmlns:r="http://schemas.openxmlformats.org/officeDocument/2006/relationships" xmlns:mc="http://schemas.openxmlformats.org/markup-compatibility/2006" xmlns:mv="urn:schemas-microsoft-com:mac:vml" xmlns:p="http://schemas.openxmlformats.org/presentationml/2006/main" xmlns:c="http://schemas.openxmlformats.org/drawingml/2006/chart" xmlns:dgm="http://schemas.openxmlformats.org/drawingml/2006/diagram" xmlns:o="urn:schemas-microsoft-com:office:office" xmlns:v="urn:schemas-microsoft-com:vml" xmlns:pvml="urn:schemas-microsoft-com:office:powerpoint" xmlns:com="http://schemas.openxmlformats.org/drawingml/2006/compatibility" xmlns:p14="http://schemas.microsoft.com/office/powerpoint/2010/main" xmlns:p15="http://schemas.microsoft.com/office/powerpoint/2012/main" xmlns:ahyp="http://schemas.microsoft.com/office/drawing/2018/hyperlinkcolor" matchingName="Caption">
+<p:sldLayout xmlns:a="http://schemas.openxmlformats.org/drawingml/2006/main" xmlns:r="http://schemas.openxmlformats.org/officeDocument/2006/relationships" xmlns:p="http://schemas.openxmlformats.org/presentationml/2006/main" matchingName="Caption">
   <p:cSld name="CAPTION_ONLY">
     <p:bg>
       <p:bgPr>
         <a:solidFill>
           <a:schemeClr val="accent1"/>
         </a:solidFill>
+        <a:effectLst/>
       </p:bgPr>
     </p:bg>
     <p:spTree>
       <p:nvGrpSpPr>
-        <p:cNvPr id="103" name="Shape 103"/>
+        <p:cNvPr id="1" name="Shape 103"/>
         <p:cNvGrpSpPr/>
         <p:nvPr/>
       </p:nvGrpSpPr>
@@ -7539,12 +7501,12 @@
           </a:ln>
         </p:spPr>
         <p:txBody>
-          <a:bodyPr anchorCtr="0" anchor="ctr" bIns="91425" lIns="91425" spcFirstLastPara="1" rIns="91425" wrap="square" tIns="91425">
+          <a:bodyPr spcFirstLastPara="1" wrap="square" lIns="91425" tIns="91425" rIns="91425" bIns="91425" anchor="ctr" anchorCtr="0">
             <a:noAutofit/>
           </a:bodyPr>
           <a:lstStyle/>
           <a:p>
-            <a:pPr indent="0" lvl="0" marL="0" rtl="0" algn="l">
+            <a:pPr marL="0" lvl="0" indent="0" algn="l" rtl="0">
               <a:spcBef>
                 <a:spcPts val="0"/>
               </a:spcBef>
@@ -7553,9 +7515,6 @@
               </a:spcAft>
               <a:buNone/>
             </a:pPr>
-            <a:r>
-              <a:t/>
-            </a:r>
             <a:endParaRPr/>
           </a:p>
         </p:txBody>
@@ -7582,12 +7541,12 @@
           </a:ln>
         </p:spPr>
         <p:txBody>
-          <a:bodyPr anchorCtr="0" anchor="ctr" bIns="91425" lIns="91425" spcFirstLastPara="1" rIns="91425" wrap="square" tIns="91425">
+          <a:bodyPr spcFirstLastPara="1" wrap="square" lIns="91425" tIns="91425" rIns="91425" bIns="91425" anchor="ctr" anchorCtr="0">
             <a:noAutofit/>
           </a:bodyPr>
           <a:lstStyle/>
           <a:p>
-            <a:pPr indent="0" lvl="0" marL="0" rtl="0" algn="l">
+            <a:pPr marL="0" lvl="0" indent="0" algn="l" rtl="0">
               <a:spcBef>
                 <a:spcPts val="0"/>
               </a:spcBef>
@@ -7596,9 +7555,6 @@
               </a:spcAft>
               <a:buNone/>
             </a:pPr>
-            <a:r>
-              <a:t/>
-            </a:r>
             <a:endParaRPr/>
           </a:p>
         </p:txBody>
@@ -7624,7 +7580,7 @@
             <a:noFill/>
           </a:ln>
           <a:effectLst>
-            <a:outerShdw blurRad="228600" sx="101000" rotWithShape="0" algn="ctr" sy="101000">
+            <a:outerShdw blurRad="228600" sx="101000" sy="101000" algn="ctr" rotWithShape="0">
               <a:srgbClr val="000000">
                 <a:alpha val="40000"/>
               </a:srgbClr>
@@ -7632,12 +7588,12 @@
           </a:effectLst>
         </p:spPr>
         <p:txBody>
-          <a:bodyPr anchorCtr="0" anchor="ctr" bIns="91425" lIns="91425" spcFirstLastPara="1" rIns="91425" wrap="square" tIns="91425">
+          <a:bodyPr spcFirstLastPara="1" wrap="square" lIns="91425" tIns="91425" rIns="91425" bIns="91425" anchor="ctr" anchorCtr="0">
             <a:noAutofit/>
           </a:bodyPr>
           <a:lstStyle/>
           <a:p>
-            <a:pPr indent="0" lvl="0" marL="0" rtl="0" algn="l">
+            <a:pPr marL="0" lvl="0" indent="0" algn="l" rtl="0">
               <a:spcBef>
                 <a:spcPts val="0"/>
               </a:spcBef>
@@ -7646,9 +7602,6 @@
               </a:spcAft>
               <a:buNone/>
             </a:pPr>
-            <a:r>
-              <a:t/>
-            </a:r>
             <a:endParaRPr/>
           </a:p>
         </p:txBody>
@@ -7656,9 +7609,11 @@
       <p:sp>
         <p:nvSpPr>
           <p:cNvPr id="107" name="Google Shape;107;p10"/>
-          <p:cNvSpPr txBox="1"/>
+          <p:cNvSpPr txBox="1">
+            <a:spLocks noGrp="1"/>
+          </p:cNvSpPr>
           <p:nvPr>
-            <p:ph idx="1" type="body"/>
+            <p:ph type="body" idx="1"/>
           </p:nvPr>
         </p:nvSpPr>
         <p:spPr>
@@ -7671,11 +7626,11 @@
           </a:prstGeom>
         </p:spPr>
         <p:txBody>
-          <a:bodyPr anchorCtr="0" anchor="b" bIns="91425" lIns="91425" spcFirstLastPara="1" rIns="91425" wrap="square" tIns="91425">
+          <a:bodyPr spcFirstLastPara="1" wrap="square" lIns="91425" tIns="91425" rIns="91425" bIns="91425" anchor="b" anchorCtr="0">
             <a:normAutofit/>
           </a:bodyPr>
           <a:lstStyle>
-            <a:lvl1pPr indent="-228600" lvl="0" marL="457200">
+            <a:lvl1pPr marL="457200" lvl="0" indent="-228600">
               <a:lnSpc>
                 <a:spcPct val="100000"/>
               </a:lnSpc>
@@ -7690,15 +7645,19 @@
               <a:defRPr/>
             </a:lvl1pPr>
           </a:lstStyle>
-          <a:p/>
+          <a:p>
+            <a:endParaRPr/>
+          </a:p>
         </p:txBody>
       </p:sp>
       <p:sp>
         <p:nvSpPr>
           <p:cNvPr id="108" name="Google Shape;108;p10"/>
-          <p:cNvSpPr txBox="1"/>
+          <p:cNvSpPr txBox="1">
+            <a:spLocks noGrp="1"/>
+          </p:cNvSpPr>
           <p:nvPr>
-            <p:ph idx="12" type="sldNum"/>
+            <p:ph type="sldNum" idx="12"/>
           </p:nvPr>
         </p:nvSpPr>
         <p:spPr>
@@ -7711,7 +7670,7 @@
           </a:prstGeom>
         </p:spPr>
         <p:txBody>
-          <a:bodyPr anchorCtr="0" anchor="ctr" bIns="91425" lIns="91425" spcFirstLastPara="1" rIns="91425" wrap="square" tIns="91425">
+          <a:bodyPr spcFirstLastPara="1" wrap="square" lIns="91425" tIns="91425" rIns="91425" bIns="91425" anchor="ctr" anchorCtr="0">
             <a:normAutofit/>
           </a:bodyPr>
           <a:lstStyle>
@@ -7753,7 +7712,7 @@
             </a:lvl9pPr>
           </a:lstStyle>
           <a:p>
-            <a:pPr indent="0" lvl="0" marL="0" rtl="0" algn="r">
+            <a:pPr marL="0" lvl="0" indent="0" algn="r" rtl="0">
               <a:spcBef>
                 <a:spcPts val="0"/>
               </a:spcBef>
@@ -7779,18 +7738,19 @@
 </file>
 
 <file path=ppt/slideMasters/slideMaster1.xml><?xml version="1.0" encoding="utf-8"?>
-<p:sldMaster xmlns:a="http://schemas.openxmlformats.org/drawingml/2006/main" xmlns:r="http://schemas.openxmlformats.org/officeDocument/2006/relationships" xmlns:mc="http://schemas.openxmlformats.org/markup-compatibility/2006" xmlns:mv="urn:schemas-microsoft-com:mac:vml" xmlns:p="http://schemas.openxmlformats.org/presentationml/2006/main" xmlns:c="http://schemas.openxmlformats.org/drawingml/2006/chart" xmlns:dgm="http://schemas.openxmlformats.org/drawingml/2006/diagram" xmlns:o="urn:schemas-microsoft-com:office:office" xmlns:v="urn:schemas-microsoft-com:vml" xmlns:pvml="urn:schemas-microsoft-com:office:powerpoint" xmlns:com="http://schemas.openxmlformats.org/drawingml/2006/compatibility" xmlns:p14="http://schemas.microsoft.com/office/powerpoint/2010/main" xmlns:p15="http://schemas.microsoft.com/office/powerpoint/2012/main" xmlns:ahyp="http://schemas.microsoft.com/office/drawing/2018/hyperlinkcolor">
+<p:sldMaster xmlns:a="http://schemas.openxmlformats.org/drawingml/2006/main" xmlns:r="http://schemas.openxmlformats.org/officeDocument/2006/relationships" xmlns:p="http://schemas.openxmlformats.org/presentationml/2006/main">
   <p:cSld name="shift">
     <p:bg>
       <p:bgPr>
         <a:solidFill>
           <a:schemeClr val="dk1"/>
         </a:solidFill>
+        <a:effectLst/>
       </p:bgPr>
     </p:bg>
     <p:spTree>
       <p:nvGrpSpPr>
-        <p:cNvPr id="5" name="Shape 5"/>
+        <p:cNvPr id="1" name="Shape 5"/>
         <p:cNvGrpSpPr/>
         <p:nvPr/>
       </p:nvGrpSpPr>
@@ -7805,7 +7765,9 @@
       <p:sp>
         <p:nvSpPr>
           <p:cNvPr id="6" name="Google Shape;6;p1"/>
-          <p:cNvSpPr txBox="1"/>
+          <p:cNvSpPr txBox="1">
+            <a:spLocks noGrp="1"/>
+          </p:cNvSpPr>
           <p:nvPr>
             <p:ph type="title"/>
           </p:nvPr>
@@ -7824,7 +7786,7 @@
           </a:ln>
         </p:spPr>
         <p:txBody>
-          <a:bodyPr anchorCtr="0" anchor="t" bIns="91425" lIns="91425" spcFirstLastPara="1" rIns="91425" wrap="square" tIns="91425">
+          <a:bodyPr spcFirstLastPara="1" wrap="square" lIns="91425" tIns="91425" rIns="91425" bIns="91425" anchor="t" anchorCtr="0">
             <a:normAutofit/>
           </a:bodyPr>
           <a:lstStyle>
@@ -8036,15 +7998,19 @@
               </a:defRPr>
             </a:lvl9pPr>
           </a:lstStyle>
-          <a:p/>
+          <a:p>
+            <a:endParaRPr/>
+          </a:p>
         </p:txBody>
       </p:sp>
       <p:sp>
         <p:nvSpPr>
           <p:cNvPr id="7" name="Google Shape;7;p1"/>
-          <p:cNvSpPr txBox="1"/>
+          <p:cNvSpPr txBox="1">
+            <a:spLocks noGrp="1"/>
+          </p:cNvSpPr>
           <p:nvPr>
-            <p:ph idx="1" type="body"/>
+            <p:ph type="body" idx="1"/>
           </p:nvPr>
         </p:nvSpPr>
         <p:spPr>
@@ -8061,11 +8027,11 @@
           </a:ln>
         </p:spPr>
         <p:txBody>
-          <a:bodyPr anchorCtr="0" anchor="t" bIns="91425" lIns="91425" spcFirstLastPara="1" rIns="91425" wrap="square" tIns="91425">
+          <a:bodyPr spcFirstLastPara="1" wrap="square" lIns="91425" tIns="91425" rIns="91425" bIns="91425" anchor="t" anchorCtr="0">
             <a:normAutofit/>
           </a:bodyPr>
           <a:lstStyle>
-            <a:lvl1pPr indent="-311150" lvl="0" marL="457200">
+            <a:lvl1pPr marL="457200" lvl="0" indent="-311150">
               <a:lnSpc>
                 <a:spcPct val="115000"/>
               </a:lnSpc>
@@ -8091,7 +8057,7 @@
                 <a:sym typeface="Calibri"/>
               </a:defRPr>
             </a:lvl1pPr>
-            <a:lvl2pPr indent="-298450" lvl="1" marL="914400">
+            <a:lvl2pPr marL="914400" lvl="1" indent="-298450">
               <a:lnSpc>
                 <a:spcPct val="115000"/>
               </a:lnSpc>
@@ -8117,7 +8083,7 @@
                 <a:sym typeface="Calibri"/>
               </a:defRPr>
             </a:lvl2pPr>
-            <a:lvl3pPr indent="-298450" lvl="2" marL="1371600">
+            <a:lvl3pPr marL="1371600" lvl="2" indent="-298450">
               <a:lnSpc>
                 <a:spcPct val="115000"/>
               </a:lnSpc>
@@ -8143,7 +8109,7 @@
                 <a:sym typeface="Calibri"/>
               </a:defRPr>
             </a:lvl3pPr>
-            <a:lvl4pPr indent="-298450" lvl="3" marL="1828800">
+            <a:lvl4pPr marL="1828800" lvl="3" indent="-298450">
               <a:lnSpc>
                 <a:spcPct val="115000"/>
               </a:lnSpc>
@@ -8169,7 +8135,7 @@
                 <a:sym typeface="Calibri"/>
               </a:defRPr>
             </a:lvl4pPr>
-            <a:lvl5pPr indent="-298450" lvl="4" marL="2286000">
+            <a:lvl5pPr marL="2286000" lvl="4" indent="-298450">
               <a:lnSpc>
                 <a:spcPct val="115000"/>
               </a:lnSpc>
@@ -8195,7 +8161,7 @@
                 <a:sym typeface="Calibri"/>
               </a:defRPr>
             </a:lvl5pPr>
-            <a:lvl6pPr indent="-298450" lvl="5" marL="2743200">
+            <a:lvl6pPr marL="2743200" lvl="5" indent="-298450">
               <a:lnSpc>
                 <a:spcPct val="115000"/>
               </a:lnSpc>
@@ -8221,7 +8187,7 @@
                 <a:sym typeface="Calibri"/>
               </a:defRPr>
             </a:lvl6pPr>
-            <a:lvl7pPr indent="-298450" lvl="6" marL="3200400">
+            <a:lvl7pPr marL="3200400" lvl="6" indent="-298450">
               <a:lnSpc>
                 <a:spcPct val="115000"/>
               </a:lnSpc>
@@ -8247,7 +8213,7 @@
                 <a:sym typeface="Calibri"/>
               </a:defRPr>
             </a:lvl7pPr>
-            <a:lvl8pPr indent="-298450" lvl="7" marL="3657600">
+            <a:lvl8pPr marL="3657600" lvl="7" indent="-298450">
               <a:lnSpc>
                 <a:spcPct val="115000"/>
               </a:lnSpc>
@@ -8273,7 +8239,7 @@
                 <a:sym typeface="Calibri"/>
               </a:defRPr>
             </a:lvl8pPr>
-            <a:lvl9pPr indent="-298450" lvl="8" marL="4114800">
+            <a:lvl9pPr marL="4114800" lvl="8" indent="-298450">
               <a:lnSpc>
                 <a:spcPct val="115000"/>
               </a:lnSpc>
@@ -8300,15 +8266,19 @@
               </a:defRPr>
             </a:lvl9pPr>
           </a:lstStyle>
-          <a:p/>
+          <a:p>
+            <a:endParaRPr/>
+          </a:p>
         </p:txBody>
       </p:sp>
       <p:sp>
         <p:nvSpPr>
           <p:cNvPr id="8" name="Google Shape;8;p1"/>
-          <p:cNvSpPr txBox="1"/>
+          <p:cNvSpPr txBox="1">
+            <a:spLocks noGrp="1"/>
+          </p:cNvSpPr>
           <p:nvPr>
-            <p:ph idx="12" type="sldNum"/>
+            <p:ph type="sldNum" idx="12"/>
           </p:nvPr>
         </p:nvSpPr>
         <p:spPr>
@@ -8325,7 +8295,7 @@
           </a:ln>
         </p:spPr>
         <p:txBody>
-          <a:bodyPr anchorCtr="0" anchor="ctr" bIns="91425" lIns="91425" spcFirstLastPara="1" rIns="91425" wrap="square" tIns="91425">
+          <a:bodyPr spcFirstLastPara="1" wrap="square" lIns="91425" tIns="91425" rIns="91425" bIns="91425" anchor="ctr" anchorCtr="0">
             <a:normAutofit/>
           </a:bodyPr>
           <a:lstStyle>
@@ -8439,7 +8409,7 @@
             </a:lvl9pPr>
           </a:lstStyle>
           <a:p>
-            <a:pPr indent="0" lvl="0" marL="0" rtl="0" algn="r">
+            <a:pPr marL="0" lvl="0" indent="0" algn="r" rtl="0">
               <a:spcBef>
                 <a:spcPts val="0"/>
               </a:spcBef>
@@ -8458,7 +8428,7 @@
       </p:sp>
     </p:spTree>
   </p:cSld>
-  <p:clrMap accent1="accent1" accent2="accent2" accent3="accent3" accent4="accent4" accent5="accent5" accent6="accent6" bg1="lt1" bg2="dk2" tx1="dk1" tx2="lt2" folHlink="folHlink" hlink="hlink"/>
+  <p:clrMap bg1="lt1" tx1="dk1" bg2="dk2" tx2="lt2" accent1="accent1" accent2="accent2" accent3="accent3" accent4="accent4" accent5="accent5" accent6="accent6" hlink="hlink" folHlink="folHlink"/>
   <p:sldLayoutIdLst>
     <p:sldLayoutId id="2147483648" r:id="rId1"/>
     <p:sldLayoutId id="2147483649" r:id="rId2"/>
@@ -8472,10 +8442,10 @@
     <p:sldLayoutId id="2147483657" r:id="rId10"/>
     <p:sldLayoutId id="2147483658" r:id="rId11"/>
   </p:sldLayoutIdLst>
-  <p:hf dt="0" ftr="0" hdr="0" sldNum="0"/>
+  <p:hf sldNum="0" hdr="0" ftr="0" dt="0"/>
   <p:txStyles>
     <p:titleStyle>
-      <a:defPPr lvl="0" marR="0" rtl="0" algn="l">
+      <a:defPPr marR="0" lvl="0" algn="l" rtl="0">
         <a:lnSpc>
           <a:spcPct val="100000"/>
         </a:lnSpc>
@@ -8486,7 +8456,7 @@
           <a:spcPts val="0"/>
         </a:spcAft>
       </a:defPPr>
-      <a:lvl1pPr lvl="0" marR="0" rtl="0" algn="l">
+      <a:lvl1pPr marR="0" lvl="0" algn="l" rtl="0">
         <a:lnSpc>
           <a:spcPct val="100000"/>
         </a:lnSpc>
@@ -8500,7 +8470,7 @@
           <a:srgbClr val="000000"/>
         </a:buClr>
         <a:buFont typeface="Arial"/>
-        <a:defRPr b="0" i="0" sz="1400" u="none" cap="none" strike="noStrike">
+        <a:defRPr sz="1400" b="0" i="0" u="none" strike="noStrike" cap="none">
           <a:solidFill>
             <a:srgbClr val="000000"/>
           </a:solidFill>
@@ -8510,7 +8480,7 @@
           <a:sym typeface="Arial"/>
         </a:defRPr>
       </a:lvl1pPr>
-      <a:lvl2pPr lvl="1" marR="0" rtl="0" algn="l">
+      <a:lvl2pPr marR="0" lvl="1" algn="l" rtl="0">
         <a:lnSpc>
           <a:spcPct val="100000"/>
         </a:lnSpc>
@@ -8524,7 +8494,7 @@
           <a:srgbClr val="000000"/>
         </a:buClr>
         <a:buFont typeface="Arial"/>
-        <a:defRPr b="0" i="0" sz="1400" u="none" cap="none" strike="noStrike">
+        <a:defRPr sz="1400" b="0" i="0" u="none" strike="noStrike" cap="none">
           <a:solidFill>
             <a:srgbClr val="000000"/>
           </a:solidFill>
@@ -8534,7 +8504,7 @@
           <a:sym typeface="Arial"/>
         </a:defRPr>
       </a:lvl2pPr>
-      <a:lvl3pPr lvl="2" marR="0" rtl="0" algn="l">
+      <a:lvl3pPr marR="0" lvl="2" algn="l" rtl="0">
         <a:lnSpc>
           <a:spcPct val="100000"/>
         </a:lnSpc>
@@ -8548,7 +8518,7 @@
           <a:srgbClr val="000000"/>
         </a:buClr>
         <a:buFont typeface="Arial"/>
-        <a:defRPr b="0" i="0" sz="1400" u="none" cap="none" strike="noStrike">
+        <a:defRPr sz="1400" b="0" i="0" u="none" strike="noStrike" cap="none">
           <a:solidFill>
             <a:srgbClr val="000000"/>
           </a:solidFill>
@@ -8558,7 +8528,7 @@
           <a:sym typeface="Arial"/>
         </a:defRPr>
       </a:lvl3pPr>
-      <a:lvl4pPr lvl="3" marR="0" rtl="0" algn="l">
+      <a:lvl4pPr marR="0" lvl="3" algn="l" rtl="0">
         <a:lnSpc>
           <a:spcPct val="100000"/>
         </a:lnSpc>
@@ -8572,7 +8542,7 @@
           <a:srgbClr val="000000"/>
         </a:buClr>
         <a:buFont typeface="Arial"/>
-        <a:defRPr b="0" i="0" sz="1400" u="none" cap="none" strike="noStrike">
+        <a:defRPr sz="1400" b="0" i="0" u="none" strike="noStrike" cap="none">
           <a:solidFill>
             <a:srgbClr val="000000"/>
           </a:solidFill>
@@ -8582,7 +8552,7 @@
           <a:sym typeface="Arial"/>
         </a:defRPr>
       </a:lvl4pPr>
-      <a:lvl5pPr lvl="4" marR="0" rtl="0" algn="l">
+      <a:lvl5pPr marR="0" lvl="4" algn="l" rtl="0">
         <a:lnSpc>
           <a:spcPct val="100000"/>
         </a:lnSpc>
@@ -8596,7 +8566,7 @@
           <a:srgbClr val="000000"/>
         </a:buClr>
         <a:buFont typeface="Arial"/>
-        <a:defRPr b="0" i="0" sz="1400" u="none" cap="none" strike="noStrike">
+        <a:defRPr sz="1400" b="0" i="0" u="none" strike="noStrike" cap="none">
           <a:solidFill>
             <a:srgbClr val="000000"/>
           </a:solidFill>
@@ -8606,7 +8576,7 @@
           <a:sym typeface="Arial"/>
         </a:defRPr>
       </a:lvl5pPr>
-      <a:lvl6pPr lvl="5" marR="0" rtl="0" algn="l">
+      <a:lvl6pPr marR="0" lvl="5" algn="l" rtl="0">
         <a:lnSpc>
           <a:spcPct val="100000"/>
         </a:lnSpc>
@@ -8620,7 +8590,7 @@
           <a:srgbClr val="000000"/>
         </a:buClr>
         <a:buFont typeface="Arial"/>
-        <a:defRPr b="0" i="0" sz="1400" u="none" cap="none" strike="noStrike">
+        <a:defRPr sz="1400" b="0" i="0" u="none" strike="noStrike" cap="none">
           <a:solidFill>
             <a:srgbClr val="000000"/>
           </a:solidFill>
@@ -8630,7 +8600,7 @@
           <a:sym typeface="Arial"/>
         </a:defRPr>
       </a:lvl6pPr>
-      <a:lvl7pPr lvl="6" marR="0" rtl="0" algn="l">
+      <a:lvl7pPr marR="0" lvl="6" algn="l" rtl="0">
         <a:lnSpc>
           <a:spcPct val="100000"/>
         </a:lnSpc>
@@ -8644,7 +8614,7 @@
           <a:srgbClr val="000000"/>
         </a:buClr>
         <a:buFont typeface="Arial"/>
-        <a:defRPr b="0" i="0" sz="1400" u="none" cap="none" strike="noStrike">
+        <a:defRPr sz="1400" b="0" i="0" u="none" strike="noStrike" cap="none">
           <a:solidFill>
             <a:srgbClr val="000000"/>
           </a:solidFill>
@@ -8654,7 +8624,7 @@
           <a:sym typeface="Arial"/>
         </a:defRPr>
       </a:lvl7pPr>
-      <a:lvl8pPr lvl="7" marR="0" rtl="0" algn="l">
+      <a:lvl8pPr marR="0" lvl="7" algn="l" rtl="0">
         <a:lnSpc>
           <a:spcPct val="100000"/>
         </a:lnSpc>
@@ -8668,7 +8638,7 @@
           <a:srgbClr val="000000"/>
         </a:buClr>
         <a:buFont typeface="Arial"/>
-        <a:defRPr b="0" i="0" sz="1400" u="none" cap="none" strike="noStrike">
+        <a:defRPr sz="1400" b="0" i="0" u="none" strike="noStrike" cap="none">
           <a:solidFill>
             <a:srgbClr val="000000"/>
           </a:solidFill>
@@ -8678,7 +8648,7 @@
           <a:sym typeface="Arial"/>
         </a:defRPr>
       </a:lvl8pPr>
-      <a:lvl9pPr lvl="8" marR="0" rtl="0" algn="l">
+      <a:lvl9pPr marR="0" lvl="8" algn="l" rtl="0">
         <a:lnSpc>
           <a:spcPct val="100000"/>
         </a:lnSpc>
@@ -8692,7 +8662,7 @@
           <a:srgbClr val="000000"/>
         </a:buClr>
         <a:buFont typeface="Arial"/>
-        <a:defRPr b="0" i="0" sz="1400" u="none" cap="none" strike="noStrike">
+        <a:defRPr sz="1400" b="0" i="0" u="none" strike="noStrike" cap="none">
           <a:solidFill>
             <a:srgbClr val="000000"/>
           </a:solidFill>
@@ -8704,7 +8674,7 @@
       </a:lvl9pPr>
     </p:titleStyle>
     <p:bodyStyle>
-      <a:defPPr lvl="0" marR="0" rtl="0" algn="l">
+      <a:defPPr marR="0" lvl="0" algn="l" rtl="0">
         <a:lnSpc>
           <a:spcPct val="100000"/>
         </a:lnSpc>
@@ -8715,7 +8685,7 @@
           <a:spcPts val="0"/>
         </a:spcAft>
       </a:defPPr>
-      <a:lvl1pPr lvl="0" marR="0" rtl="0" algn="l">
+      <a:lvl1pPr marR="0" lvl="0" algn="l" rtl="0">
         <a:lnSpc>
           <a:spcPct val="100000"/>
         </a:lnSpc>
@@ -8729,7 +8699,7 @@
           <a:srgbClr val="000000"/>
         </a:buClr>
         <a:buFont typeface="Arial"/>
-        <a:defRPr b="0" i="0" sz="1400" u="none" cap="none" strike="noStrike">
+        <a:defRPr sz="1400" b="0" i="0" u="none" strike="noStrike" cap="none">
           <a:solidFill>
             <a:srgbClr val="000000"/>
           </a:solidFill>
@@ -8739,7 +8709,7 @@
           <a:sym typeface="Arial"/>
         </a:defRPr>
       </a:lvl1pPr>
-      <a:lvl2pPr lvl="1" marR="0" rtl="0" algn="l">
+      <a:lvl2pPr marR="0" lvl="1" algn="l" rtl="0">
         <a:lnSpc>
           <a:spcPct val="100000"/>
         </a:lnSpc>
@@ -8753,7 +8723,7 @@
           <a:srgbClr val="000000"/>
         </a:buClr>
         <a:buFont typeface="Arial"/>
-        <a:defRPr b="0" i="0" sz="1400" u="none" cap="none" strike="noStrike">
+        <a:defRPr sz="1400" b="0" i="0" u="none" strike="noStrike" cap="none">
           <a:solidFill>
             <a:srgbClr val="000000"/>
           </a:solidFill>
@@ -8763,7 +8733,7 @@
           <a:sym typeface="Arial"/>
         </a:defRPr>
       </a:lvl2pPr>
-      <a:lvl3pPr lvl="2" marR="0" rtl="0" algn="l">
+      <a:lvl3pPr marR="0" lvl="2" algn="l" rtl="0">
         <a:lnSpc>
           <a:spcPct val="100000"/>
         </a:lnSpc>
@@ -8777,7 +8747,7 @@
           <a:srgbClr val="000000"/>
         </a:buClr>
         <a:buFont typeface="Arial"/>
-        <a:defRPr b="0" i="0" sz="1400" u="none" cap="none" strike="noStrike">
+        <a:defRPr sz="1400" b="0" i="0" u="none" strike="noStrike" cap="none">
           <a:solidFill>
             <a:srgbClr val="000000"/>
           </a:solidFill>
@@ -8787,7 +8757,7 @@
           <a:sym typeface="Arial"/>
         </a:defRPr>
       </a:lvl3pPr>
-      <a:lvl4pPr lvl="3" marR="0" rtl="0" algn="l">
+      <a:lvl4pPr marR="0" lvl="3" algn="l" rtl="0">
         <a:lnSpc>
           <a:spcPct val="100000"/>
         </a:lnSpc>
@@ -8801,7 +8771,7 @@
           <a:srgbClr val="000000"/>
         </a:buClr>
         <a:buFont typeface="Arial"/>
-        <a:defRPr b="0" i="0" sz="1400" u="none" cap="none" strike="noStrike">
+        <a:defRPr sz="1400" b="0" i="0" u="none" strike="noStrike" cap="none">
           <a:solidFill>
             <a:srgbClr val="000000"/>
           </a:solidFill>
@@ -8811,7 +8781,7 @@
           <a:sym typeface="Arial"/>
         </a:defRPr>
       </a:lvl4pPr>
-      <a:lvl5pPr lvl="4" marR="0" rtl="0" algn="l">
+      <a:lvl5pPr marR="0" lvl="4" algn="l" rtl="0">
         <a:lnSpc>
           <a:spcPct val="100000"/>
         </a:lnSpc>
@@ -8825,7 +8795,7 @@
           <a:srgbClr val="000000"/>
         </a:buClr>
         <a:buFont typeface="Arial"/>
-        <a:defRPr b="0" i="0" sz="1400" u="none" cap="none" strike="noStrike">
+        <a:defRPr sz="1400" b="0" i="0" u="none" strike="noStrike" cap="none">
           <a:solidFill>
             <a:srgbClr val="000000"/>
           </a:solidFill>
@@ -8835,7 +8805,7 @@
           <a:sym typeface="Arial"/>
         </a:defRPr>
       </a:lvl5pPr>
-      <a:lvl6pPr lvl="5" marR="0" rtl="0" algn="l">
+      <a:lvl6pPr marR="0" lvl="5" algn="l" rtl="0">
         <a:lnSpc>
           <a:spcPct val="100000"/>
         </a:lnSpc>
@@ -8849,7 +8819,7 @@
           <a:srgbClr val="000000"/>
         </a:buClr>
         <a:buFont typeface="Arial"/>
-        <a:defRPr b="0" i="0" sz="1400" u="none" cap="none" strike="noStrike">
+        <a:defRPr sz="1400" b="0" i="0" u="none" strike="noStrike" cap="none">
           <a:solidFill>
             <a:srgbClr val="000000"/>
           </a:solidFill>
@@ -8859,7 +8829,7 @@
           <a:sym typeface="Arial"/>
         </a:defRPr>
       </a:lvl6pPr>
-      <a:lvl7pPr lvl="6" marR="0" rtl="0" algn="l">
+      <a:lvl7pPr marR="0" lvl="6" algn="l" rtl="0">
         <a:lnSpc>
           <a:spcPct val="100000"/>
         </a:lnSpc>
@@ -8873,7 +8843,7 @@
           <a:srgbClr val="000000"/>
         </a:buClr>
         <a:buFont typeface="Arial"/>
-        <a:defRPr b="0" i="0" sz="1400" u="none" cap="none" strike="noStrike">
+        <a:defRPr sz="1400" b="0" i="0" u="none" strike="noStrike" cap="none">
           <a:solidFill>
             <a:srgbClr val="000000"/>
           </a:solidFill>
@@ -8883,7 +8853,7 @@
           <a:sym typeface="Arial"/>
         </a:defRPr>
       </a:lvl7pPr>
-      <a:lvl8pPr lvl="7" marR="0" rtl="0" algn="l">
+      <a:lvl8pPr marR="0" lvl="7" algn="l" rtl="0">
         <a:lnSpc>
           <a:spcPct val="100000"/>
         </a:lnSpc>
@@ -8897,7 +8867,7 @@
           <a:srgbClr val="000000"/>
         </a:buClr>
         <a:buFont typeface="Arial"/>
-        <a:defRPr b="0" i="0" sz="1400" u="none" cap="none" strike="noStrike">
+        <a:defRPr sz="1400" b="0" i="0" u="none" strike="noStrike" cap="none">
           <a:solidFill>
             <a:srgbClr val="000000"/>
           </a:solidFill>
@@ -8907,7 +8877,7 @@
           <a:sym typeface="Arial"/>
         </a:defRPr>
       </a:lvl8pPr>
-      <a:lvl9pPr lvl="8" marR="0" rtl="0" algn="l">
+      <a:lvl9pPr marR="0" lvl="8" algn="l" rtl="0">
         <a:lnSpc>
           <a:spcPct val="100000"/>
         </a:lnSpc>
@@ -8921,7 +8891,7 @@
           <a:srgbClr val="000000"/>
         </a:buClr>
         <a:buFont typeface="Arial"/>
-        <a:defRPr b="0" i="0" sz="1400" u="none" cap="none" strike="noStrike">
+        <a:defRPr sz="1400" b="0" i="0" u="none" strike="noStrike" cap="none">
           <a:solidFill>
             <a:srgbClr val="000000"/>
           </a:solidFill>
@@ -8933,7 +8903,7 @@
       </a:lvl9pPr>
     </p:bodyStyle>
     <p:otherStyle>
-      <a:defPPr lvl="0" marR="0" rtl="0" algn="l">
+      <a:defPPr marR="0" lvl="0" algn="l" rtl="0">
         <a:lnSpc>
           <a:spcPct val="100000"/>
         </a:lnSpc>
@@ -8944,7 +8914,7 @@
           <a:spcPts val="0"/>
         </a:spcAft>
       </a:defPPr>
-      <a:lvl1pPr lvl="0" marR="0" rtl="0" algn="l">
+      <a:lvl1pPr marR="0" lvl="0" algn="l" rtl="0">
         <a:lnSpc>
           <a:spcPct val="100000"/>
         </a:lnSpc>
@@ -8958,7 +8928,7 @@
           <a:srgbClr val="000000"/>
         </a:buClr>
         <a:buFont typeface="Arial"/>
-        <a:defRPr b="0" i="0" sz="1400" u="none" cap="none" strike="noStrike">
+        <a:defRPr sz="1400" b="0" i="0" u="none" strike="noStrike" cap="none">
           <a:solidFill>
             <a:srgbClr val="000000"/>
           </a:solidFill>
@@ -8968,7 +8938,7 @@
           <a:sym typeface="Arial"/>
         </a:defRPr>
       </a:lvl1pPr>
-      <a:lvl2pPr lvl="1" marR="0" rtl="0" algn="l">
+      <a:lvl2pPr marR="0" lvl="1" algn="l" rtl="0">
         <a:lnSpc>
           <a:spcPct val="100000"/>
         </a:lnSpc>
@@ -8982,7 +8952,7 @@
           <a:srgbClr val="000000"/>
         </a:buClr>
         <a:buFont typeface="Arial"/>
-        <a:defRPr b="0" i="0" sz="1400" u="none" cap="none" strike="noStrike">
+        <a:defRPr sz="1400" b="0" i="0" u="none" strike="noStrike" cap="none">
           <a:solidFill>
             <a:srgbClr val="000000"/>
           </a:solidFill>
@@ -8992,7 +8962,7 @@
           <a:sym typeface="Arial"/>
         </a:defRPr>
       </a:lvl2pPr>
-      <a:lvl3pPr lvl="2" marR="0" rtl="0" algn="l">
+      <a:lvl3pPr marR="0" lvl="2" algn="l" rtl="0">
         <a:lnSpc>
           <a:spcPct val="100000"/>
         </a:lnSpc>
@@ -9006,7 +8976,7 @@
           <a:srgbClr val="000000"/>
         </a:buClr>
         <a:buFont typeface="Arial"/>
-        <a:defRPr b="0" i="0" sz="1400" u="none" cap="none" strike="noStrike">
+        <a:defRPr sz="1400" b="0" i="0" u="none" strike="noStrike" cap="none">
           <a:solidFill>
             <a:srgbClr val="000000"/>
           </a:solidFill>
@@ -9016,7 +8986,7 @@
           <a:sym typeface="Arial"/>
         </a:defRPr>
       </a:lvl3pPr>
-      <a:lvl4pPr lvl="3" marR="0" rtl="0" algn="l">
+      <a:lvl4pPr marR="0" lvl="3" algn="l" rtl="0">
         <a:lnSpc>
           <a:spcPct val="100000"/>
         </a:lnSpc>
@@ -9030,7 +9000,7 @@
           <a:srgbClr val="000000"/>
         </a:buClr>
         <a:buFont typeface="Arial"/>
-        <a:defRPr b="0" i="0" sz="1400" u="none" cap="none" strike="noStrike">
+        <a:defRPr sz="1400" b="0" i="0" u="none" strike="noStrike" cap="none">
           <a:solidFill>
             <a:srgbClr val="000000"/>
           </a:solidFill>
@@ -9040,7 +9010,7 @@
           <a:sym typeface="Arial"/>
         </a:defRPr>
       </a:lvl4pPr>
-      <a:lvl5pPr lvl="4" marR="0" rtl="0" algn="l">
+      <a:lvl5pPr marR="0" lvl="4" algn="l" rtl="0">
         <a:lnSpc>
           <a:spcPct val="100000"/>
         </a:lnSpc>
@@ -9054,7 +9024,7 @@
           <a:srgbClr val="000000"/>
         </a:buClr>
         <a:buFont typeface="Arial"/>
-        <a:defRPr b="0" i="0" sz="1400" u="none" cap="none" strike="noStrike">
+        <a:defRPr sz="1400" b="0" i="0" u="none" strike="noStrike" cap="none">
           <a:solidFill>
             <a:srgbClr val="000000"/>
           </a:solidFill>
@@ -9064,7 +9034,7 @@
           <a:sym typeface="Arial"/>
         </a:defRPr>
       </a:lvl5pPr>
-      <a:lvl6pPr lvl="5" marR="0" rtl="0" algn="l">
+      <a:lvl6pPr marR="0" lvl="5" algn="l" rtl="0">
         <a:lnSpc>
           <a:spcPct val="100000"/>
         </a:lnSpc>
@@ -9078,7 +9048,7 @@
           <a:srgbClr val="000000"/>
         </a:buClr>
         <a:buFont typeface="Arial"/>
-        <a:defRPr b="0" i="0" sz="1400" u="none" cap="none" strike="noStrike">
+        <a:defRPr sz="1400" b="0" i="0" u="none" strike="noStrike" cap="none">
           <a:solidFill>
             <a:srgbClr val="000000"/>
           </a:solidFill>
@@ -9088,7 +9058,7 @@
           <a:sym typeface="Arial"/>
         </a:defRPr>
       </a:lvl6pPr>
-      <a:lvl7pPr lvl="6" marR="0" rtl="0" algn="l">
+      <a:lvl7pPr marR="0" lvl="6" algn="l" rtl="0">
         <a:lnSpc>
           <a:spcPct val="100000"/>
         </a:lnSpc>
@@ -9102,7 +9072,7 @@
           <a:srgbClr val="000000"/>
         </a:buClr>
         <a:buFont typeface="Arial"/>
-        <a:defRPr b="0" i="0" sz="1400" u="none" cap="none" strike="noStrike">
+        <a:defRPr sz="1400" b="0" i="0" u="none" strike="noStrike" cap="none">
           <a:solidFill>
             <a:srgbClr val="000000"/>
           </a:solidFill>
@@ -9112,7 +9082,7 @@
           <a:sym typeface="Arial"/>
         </a:defRPr>
       </a:lvl7pPr>
-      <a:lvl8pPr lvl="7" marR="0" rtl="0" algn="l">
+      <a:lvl8pPr marR="0" lvl="7" algn="l" rtl="0">
         <a:lnSpc>
           <a:spcPct val="100000"/>
         </a:lnSpc>
@@ -9126,7 +9096,7 @@
           <a:srgbClr val="000000"/>
         </a:buClr>
         <a:buFont typeface="Arial"/>
-        <a:defRPr b="0" i="0" sz="1400" u="none" cap="none" strike="noStrike">
+        <a:defRPr sz="1400" b="0" i="0" u="none" strike="noStrike" cap="none">
           <a:solidFill>
             <a:srgbClr val="000000"/>
           </a:solidFill>
@@ -9136,7 +9106,7 @@
           <a:sym typeface="Arial"/>
         </a:defRPr>
       </a:lvl8pPr>
-      <a:lvl9pPr lvl="8" marR="0" rtl="0" algn="l">
+      <a:lvl9pPr marR="0" lvl="8" algn="l" rtl="0">
         <a:lnSpc>
           <a:spcPct val="100000"/>
         </a:lnSpc>
@@ -9150,7 +9120,7 @@
           <a:srgbClr val="000000"/>
         </a:buClr>
         <a:buFont typeface="Arial"/>
-        <a:defRPr b="0" i="0" sz="1400" u="none" cap="none" strike="noStrike">
+        <a:defRPr sz="1400" b="0" i="0" u="none" strike="noStrike" cap="none">
           <a:solidFill>
             <a:srgbClr val="000000"/>
           </a:solidFill>
@@ -9166,11 +9136,11 @@
 </file>
 
 <file path=ppt/slides/slide1.xml><?xml version="1.0" encoding="utf-8"?>
-<p:sld xmlns:a="http://schemas.openxmlformats.org/drawingml/2006/main" xmlns:r="http://schemas.openxmlformats.org/officeDocument/2006/relationships" xmlns:mc="http://schemas.openxmlformats.org/markup-compatibility/2006" xmlns:mv="urn:schemas-microsoft-com:mac:vml" xmlns:p="http://schemas.openxmlformats.org/presentationml/2006/main" xmlns:c="http://schemas.openxmlformats.org/drawingml/2006/chart" xmlns:dgm="http://schemas.openxmlformats.org/drawingml/2006/diagram" xmlns:o="urn:schemas-microsoft-com:office:office" xmlns:v="urn:schemas-microsoft-com:vml" xmlns:pvml="urn:schemas-microsoft-com:office:powerpoint" xmlns:com="http://schemas.openxmlformats.org/drawingml/2006/compatibility" xmlns:p14="http://schemas.microsoft.com/office/powerpoint/2010/main" xmlns:p15="http://schemas.microsoft.com/office/powerpoint/2012/main" xmlns:ahyp="http://schemas.microsoft.com/office/drawing/2018/hyperlinkcolor">
+<p:sld xmlns:a="http://schemas.openxmlformats.org/drawingml/2006/main" xmlns:r="http://schemas.openxmlformats.org/officeDocument/2006/relationships" xmlns:p="http://schemas.openxmlformats.org/presentationml/2006/main">
   <p:cSld>
     <p:spTree>
       <p:nvGrpSpPr>
-        <p:cNvPr id="127" name="Shape 127"/>
+        <p:cNvPr id="1" name="Shape 127"/>
         <p:cNvGrpSpPr/>
         <p:nvPr/>
       </p:nvGrpSpPr>
@@ -9185,7 +9155,9 @@
       <p:sp>
         <p:nvSpPr>
           <p:cNvPr id="128" name="Google Shape;128;p13"/>
-          <p:cNvSpPr txBox="1"/>
+          <p:cNvSpPr txBox="1">
+            <a:spLocks noGrp="1"/>
+          </p:cNvSpPr>
           <p:nvPr>
             <p:ph type="ctrTitle"/>
           </p:nvPr>
@@ -9200,12 +9172,12 @@
           </a:prstGeom>
         </p:spPr>
         <p:txBody>
-          <a:bodyPr anchorCtr="0" anchor="ctr" bIns="91425" lIns="91425" spcFirstLastPara="1" rIns="91425" wrap="square" tIns="91425">
+          <a:bodyPr spcFirstLastPara="1" wrap="square" lIns="91425" tIns="91425" rIns="91425" bIns="91425" anchor="ctr" anchorCtr="0">
             <a:normAutofit/>
           </a:bodyPr>
           <a:lstStyle/>
           <a:p>
-            <a:pPr indent="0" lvl="0" marL="0" rtl="0" algn="ctr">
+            <a:pPr marL="0" lvl="0" indent="0" algn="ctr" rtl="0">
               <a:spcBef>
                 <a:spcPts val="0"/>
               </a:spcBef>
@@ -9225,9 +9197,11 @@
       <p:sp>
         <p:nvSpPr>
           <p:cNvPr id="129" name="Google Shape;129;p13"/>
-          <p:cNvSpPr txBox="1"/>
+          <p:cNvSpPr txBox="1">
+            <a:spLocks noGrp="1"/>
+          </p:cNvSpPr>
           <p:nvPr>
-            <p:ph idx="1" type="subTitle"/>
+            <p:ph type="subTitle" idx="1"/>
           </p:nvPr>
         </p:nvSpPr>
         <p:spPr>
@@ -9240,12 +9214,12 @@
           </a:prstGeom>
         </p:spPr>
         <p:txBody>
-          <a:bodyPr anchorCtr="0" anchor="t" bIns="91425" lIns="91425" spcFirstLastPara="1" rIns="91425" wrap="square" tIns="91425">
+          <a:bodyPr spcFirstLastPara="1" wrap="square" lIns="91425" tIns="91425" rIns="91425" bIns="91425" anchor="t" anchorCtr="0">
             <a:normAutofit/>
           </a:bodyPr>
           <a:lstStyle/>
           <a:p>
-            <a:pPr indent="0" lvl="0" marL="0" rtl="0" algn="ctr">
+            <a:pPr marL="0" lvl="0" indent="0" algn="ctr" rtl="0">
               <a:spcBef>
                 <a:spcPts val="0"/>
               </a:spcBef>
@@ -9256,15 +9230,7 @@
             </a:pPr>
             <a:r>
               <a:rPr lang="en"/>
-              <a:t>Is there an association of jobs and </a:t>
-            </a:r>
-            <a:r>
-              <a:rPr lang="en"/>
-              <a:t>demographic</a:t>
-            </a:r>
-            <a:r>
-              <a:rPr lang="en"/>
-              <a:t> data</a:t>
+              <a:t>Is there an association of jobs and demographic data</a:t>
             </a:r>
             <a:endParaRPr/>
           </a:p>
@@ -9307,11 +9273,11 @@
 </file>
 
 <file path=ppt/slides/slide2.xml><?xml version="1.0" encoding="utf-8"?>
-<p:sld xmlns:a="http://schemas.openxmlformats.org/drawingml/2006/main" xmlns:r="http://schemas.openxmlformats.org/officeDocument/2006/relationships" xmlns:mc="http://schemas.openxmlformats.org/markup-compatibility/2006" xmlns:mv="urn:schemas-microsoft-com:mac:vml" xmlns:p="http://schemas.openxmlformats.org/presentationml/2006/main" xmlns:c="http://schemas.openxmlformats.org/drawingml/2006/chart" xmlns:dgm="http://schemas.openxmlformats.org/drawingml/2006/diagram" xmlns:o="urn:schemas-microsoft-com:office:office" xmlns:v="urn:schemas-microsoft-com:vml" xmlns:pvml="urn:schemas-microsoft-com:office:powerpoint" xmlns:com="http://schemas.openxmlformats.org/drawingml/2006/compatibility" xmlns:p14="http://schemas.microsoft.com/office/powerpoint/2010/main" xmlns:p15="http://schemas.microsoft.com/office/powerpoint/2012/main" xmlns:ahyp="http://schemas.microsoft.com/office/drawing/2018/hyperlinkcolor">
+<p:sld xmlns:a="http://schemas.openxmlformats.org/drawingml/2006/main" xmlns:r="http://schemas.openxmlformats.org/officeDocument/2006/relationships" xmlns:p="http://schemas.openxmlformats.org/presentationml/2006/main">
   <p:cSld>
     <p:spTree>
       <p:nvGrpSpPr>
-        <p:cNvPr id="134" name="Shape 134"/>
+        <p:cNvPr id="1" name="Shape 134"/>
         <p:cNvGrpSpPr/>
         <p:nvPr/>
       </p:nvGrpSpPr>
@@ -9326,14 +9292,16 @@
       <p:sp>
         <p:nvSpPr>
           <p:cNvPr id="135" name="Google Shape;135;p14"/>
-          <p:cNvSpPr txBox="1"/>
+          <p:cNvSpPr txBox="1">
+            <a:spLocks noGrp="1"/>
+          </p:cNvSpPr>
           <p:nvPr>
             <p:ph type="title"/>
           </p:nvPr>
         </p:nvSpPr>
         <p:spPr>
           <a:xfrm>
-            <a:off x="819150" y="845600"/>
+            <a:off x="819150" y="398713"/>
             <a:ext cx="7505700" cy="954600"/>
           </a:xfrm>
           <a:prstGeom prst="rect">
@@ -9341,12 +9309,12 @@
           </a:prstGeom>
         </p:spPr>
         <p:txBody>
-          <a:bodyPr anchorCtr="0" anchor="t" bIns="91425" lIns="91425" spcFirstLastPara="1" rIns="91425" wrap="square" tIns="91425">
+          <a:bodyPr spcFirstLastPara="1" wrap="square" lIns="91425" tIns="91425" rIns="91425" bIns="91425" anchor="t" anchorCtr="0">
             <a:normAutofit/>
           </a:bodyPr>
           <a:lstStyle/>
           <a:p>
-            <a:pPr indent="0" lvl="0" marL="0" rtl="0" algn="l">
+            <a:pPr marL="0" lvl="0" indent="0" algn="l" rtl="0">
               <a:spcBef>
                 <a:spcPts val="0"/>
               </a:spcBef>
@@ -9356,24 +9324,26 @@
               <a:buNone/>
             </a:pPr>
             <a:r>
-              <a:rPr lang="en"/>
+              <a:rPr lang="en" dirty="0"/>
               <a:t>Cleaning the Data (ETL)</a:t>
             </a:r>
-            <a:endParaRPr/>
+            <a:endParaRPr dirty="0"/>
           </a:p>
         </p:txBody>
       </p:sp>
       <p:sp>
         <p:nvSpPr>
           <p:cNvPr id="136" name="Google Shape;136;p14"/>
-          <p:cNvSpPr txBox="1"/>
+          <p:cNvSpPr txBox="1">
+            <a:spLocks noGrp="1"/>
+          </p:cNvSpPr>
           <p:nvPr>
-            <p:ph idx="1" type="body"/>
+            <p:ph type="body" idx="1"/>
           </p:nvPr>
         </p:nvSpPr>
         <p:spPr>
           <a:xfrm>
-            <a:off x="819150" y="1990725"/>
+            <a:off x="819150" y="1172577"/>
             <a:ext cx="7505700" cy="2448000"/>
           </a:xfrm>
           <a:prstGeom prst="rect">
@@ -9381,12 +9351,12 @@
           </a:prstGeom>
         </p:spPr>
         <p:txBody>
-          <a:bodyPr anchorCtr="0" anchor="t" bIns="91425" lIns="91425" spcFirstLastPara="1" rIns="91425" wrap="square" tIns="91425">
+          <a:bodyPr spcFirstLastPara="1" wrap="square" lIns="91425" tIns="91425" rIns="91425" bIns="91425" anchor="t" anchorCtr="0">
             <a:normAutofit/>
           </a:bodyPr>
           <a:lstStyle/>
           <a:p>
-            <a:pPr indent="0" lvl="0" marL="0" rtl="0" algn="l">
+            <a:pPr marL="0" lvl="0" indent="0" algn="l" rtl="0">
               <a:spcBef>
                 <a:spcPts val="0"/>
               </a:spcBef>
@@ -9396,9 +9366,53 @@
               <a:buNone/>
             </a:pPr>
             <a:r>
-              <a:t/>
+              <a:rPr lang="en-US" dirty="0"/>
+              <a:t>Using </a:t>
             </a:r>
-            <a:endParaRPr/>
+            <a:r>
+              <a:rPr lang="en-US" dirty="0" err="1"/>
+              <a:t>Jupyter</a:t>
+            </a:r>
+            <a:r>
+              <a:rPr lang="en-US" dirty="0"/>
+              <a:t> notebook to clean data from the two sources, </a:t>
+            </a:r>
+            <a:r>
+              <a:rPr lang="en-US" dirty="0" err="1"/>
+              <a:t>Buereau</a:t>
+            </a:r>
+            <a:r>
+              <a:rPr lang="en-US" dirty="0"/>
+              <a:t> of labor statistics and cubit </a:t>
+            </a:r>
+          </a:p>
+          <a:p>
+            <a:pPr marL="285750" indent="-285750">
+              <a:spcAft>
+                <a:spcPts val="1200"/>
+              </a:spcAft>
+            </a:pPr>
+            <a:r>
+              <a:rPr lang="en-US" dirty="0"/>
+              <a:t>Metro_city_data_2020 was used to pull an XLS file into the notebook, clean the data, drop null values and then using </a:t>
+            </a:r>
+            <a:r>
+              <a:rPr lang="en-US" dirty="0" err="1"/>
+              <a:t>SQLAlchemy</a:t>
+            </a:r>
+            <a:r>
+              <a:rPr lang="en-US" dirty="0"/>
+              <a:t> and psycopg2 to push the data to the </a:t>
+            </a:r>
+            <a:r>
+              <a:rPr lang="en-US" dirty="0" err="1"/>
+              <a:t>postgres</a:t>
+            </a:r>
+            <a:r>
+              <a:rPr lang="en-US" dirty="0"/>
+              <a:t> database hosted in AWS cloud services</a:t>
+            </a:r>
+            <a:endParaRPr dirty="0"/>
           </a:p>
         </p:txBody>
       </p:sp>
@@ -9411,11 +9425,11 @@
 </file>
 
 <file path=ppt/slides/slide3.xml><?xml version="1.0" encoding="utf-8"?>
-<p:sld xmlns:a="http://schemas.openxmlformats.org/drawingml/2006/main" xmlns:r="http://schemas.openxmlformats.org/officeDocument/2006/relationships" xmlns:mc="http://schemas.openxmlformats.org/markup-compatibility/2006" xmlns:mv="urn:schemas-microsoft-com:mac:vml" xmlns:p="http://schemas.openxmlformats.org/presentationml/2006/main" xmlns:c="http://schemas.openxmlformats.org/drawingml/2006/chart" xmlns:dgm="http://schemas.openxmlformats.org/drawingml/2006/diagram" xmlns:o="urn:schemas-microsoft-com:office:office" xmlns:v="urn:schemas-microsoft-com:vml" xmlns:pvml="urn:schemas-microsoft-com:office:powerpoint" xmlns:com="http://schemas.openxmlformats.org/drawingml/2006/compatibility" xmlns:p14="http://schemas.microsoft.com/office/powerpoint/2010/main" xmlns:p15="http://schemas.microsoft.com/office/powerpoint/2012/main" xmlns:ahyp="http://schemas.microsoft.com/office/drawing/2018/hyperlinkcolor">
+<p:sld xmlns:a="http://schemas.openxmlformats.org/drawingml/2006/main" xmlns:r="http://schemas.openxmlformats.org/officeDocument/2006/relationships" xmlns:p="http://schemas.openxmlformats.org/presentationml/2006/main">
   <p:cSld>
     <p:spTree>
       <p:nvGrpSpPr>
-        <p:cNvPr id="140" name="Shape 140"/>
+        <p:cNvPr id="1" name="Shape 140"/>
         <p:cNvGrpSpPr/>
         <p:nvPr/>
       </p:nvGrpSpPr>
@@ -9430,14 +9444,16 @@
       <p:sp>
         <p:nvSpPr>
           <p:cNvPr id="141" name="Google Shape;141;p15"/>
-          <p:cNvSpPr txBox="1"/>
+          <p:cNvSpPr txBox="1">
+            <a:spLocks noGrp="1"/>
+          </p:cNvSpPr>
           <p:nvPr>
             <p:ph type="title"/>
           </p:nvPr>
         </p:nvSpPr>
         <p:spPr>
           <a:xfrm>
-            <a:off x="819150" y="845600"/>
+            <a:off x="819150" y="364337"/>
             <a:ext cx="7505700" cy="954600"/>
           </a:xfrm>
           <a:prstGeom prst="rect">
@@ -9445,12 +9461,12 @@
           </a:prstGeom>
         </p:spPr>
         <p:txBody>
-          <a:bodyPr anchorCtr="0" anchor="t" bIns="91425" lIns="91425" spcFirstLastPara="1" rIns="91425" wrap="square" tIns="91425">
+          <a:bodyPr spcFirstLastPara="1" wrap="square" lIns="91425" tIns="91425" rIns="91425" bIns="91425" anchor="t" anchorCtr="0">
             <a:normAutofit/>
           </a:bodyPr>
           <a:lstStyle/>
           <a:p>
-            <a:pPr indent="0" lvl="0" marL="0" rtl="0" algn="l">
+            <a:pPr marL="0" lvl="0" indent="0" algn="l" rtl="0">
               <a:spcBef>
                 <a:spcPts val="0"/>
               </a:spcBef>
@@ -9460,49 +9476,364 @@
               <a:buNone/>
             </a:pPr>
             <a:r>
-              <a:rPr lang="en"/>
+              <a:rPr lang="en" dirty="0"/>
               <a:t>Database</a:t>
             </a:r>
-            <a:endParaRPr/>
+            <a:endParaRPr dirty="0"/>
           </a:p>
         </p:txBody>
       </p:sp>
       <p:sp>
         <p:nvSpPr>
           <p:cNvPr id="142" name="Google Shape;142;p15"/>
-          <p:cNvSpPr txBox="1"/>
+          <p:cNvSpPr txBox="1">
+            <a:spLocks noGrp="1"/>
+          </p:cNvSpPr>
           <p:nvPr>
-            <p:ph idx="1" type="body"/>
+            <p:ph type="body" idx="1"/>
           </p:nvPr>
         </p:nvSpPr>
         <p:spPr>
           <a:xfrm>
-            <a:off x="819150" y="1990725"/>
-            <a:ext cx="7505700" cy="2448000"/>
+            <a:off x="819150" y="1010652"/>
+            <a:ext cx="7505700" cy="3015561"/>
           </a:xfrm>
           <a:prstGeom prst="rect">
             <a:avLst/>
           </a:prstGeom>
         </p:spPr>
         <p:txBody>
-          <a:bodyPr anchorCtr="0" anchor="t" bIns="91425" lIns="91425" spcFirstLastPara="1" rIns="91425" wrap="square" tIns="91425">
+          <a:bodyPr spcFirstLastPara="1" wrap="square" lIns="91425" tIns="91425" rIns="91425" bIns="91425" anchor="t" anchorCtr="0">
             <a:normAutofit/>
           </a:bodyPr>
           <a:lstStyle/>
           <a:p>
-            <a:pPr indent="0" lvl="0" marL="0" rtl="0" algn="l">
-              <a:spcBef>
-                <a:spcPts val="0"/>
-              </a:spcBef>
-              <a:spcAft>
-                <a:spcPts val="1200"/>
-              </a:spcAft>
+            <a:pPr marL="146050" indent="0">
               <a:buNone/>
             </a:pPr>
             <a:r>
-              <a:t/>
+              <a:rPr lang="en-US" sz="1800" dirty="0">
+                <a:latin typeface="+mn-lt"/>
+              </a:rPr>
+              <a:t>The data is stored in AWS RDS using </a:t>
             </a:r>
-            <a:endParaRPr/>
+            <a:r>
+              <a:rPr lang="en-US" sz="1800" dirty="0" err="1">
+                <a:latin typeface="+mn-lt"/>
+              </a:rPr>
+              <a:t>postgres</a:t>
+            </a:r>
+            <a:r>
+              <a:rPr lang="en-US" sz="1800" dirty="0">
+                <a:latin typeface="+mn-lt"/>
+              </a:rPr>
+              <a:t> and contains three tables</a:t>
+            </a:r>
+          </a:p>
+          <a:p>
+            <a:r>
+              <a:rPr lang="en-US" sz="1400" dirty="0">
+                <a:latin typeface="+mn-lt"/>
+              </a:rPr>
+              <a:t>Table.bls50metro contains job data from US metro areas from the bureau of labor statistics </a:t>
+            </a:r>
+            <a:r>
+              <a:rPr lang="en-US" sz="1400" b="0" i="0" u="none" strike="noStrike" dirty="0">
+                <a:effectLst/>
+                <a:latin typeface="+mn-lt"/>
+                <a:hlinkClick r:id="rId3"/>
+              </a:rPr>
+              <a:t>https://www.bls.gov/oes/tables.htm</a:t>
+            </a:r>
+            <a:endParaRPr lang="en-US" sz="1400" b="0" i="0" u="none" strike="noStrike" dirty="0">
+              <a:effectLst/>
+              <a:latin typeface="+mn-lt"/>
+            </a:endParaRPr>
+          </a:p>
+          <a:p>
+            <a:r>
+              <a:rPr lang="en-US" sz="1400" dirty="0" err="1">
+                <a:latin typeface="+mn-lt"/>
+              </a:rPr>
+              <a:t>Table.democity</a:t>
+            </a:r>
+            <a:r>
+              <a:rPr lang="en-US" sz="1400" dirty="0">
+                <a:latin typeface="+mn-lt"/>
+              </a:rPr>
+              <a:t> contains demographic data of all the cities in the jobs table from </a:t>
+            </a:r>
+            <a:r>
+              <a:rPr lang="en-US" sz="1400" dirty="0">
+                <a:latin typeface="+mn-lt"/>
+                <a:hlinkClick r:id="rId4">
+                  <a:extLst>
+                    <a:ext uri="{A12FA001-AC4F-418D-AE19-62706E023703}">
+                      <ahyp:hlinkClr xmlns:ahyp="http://schemas.microsoft.com/office/drawing/2018/hyperlinkcolor" val="tx"/>
+                    </a:ext>
+                  </a:extLst>
+                </a:hlinkClick>
+              </a:rPr>
+              <a:t>https://www.cubitplanning.com</a:t>
+            </a:r>
+            <a:endParaRPr lang="en-US" sz="1400" dirty="0">
+              <a:latin typeface="+mn-lt"/>
+            </a:endParaRPr>
+          </a:p>
+          <a:p>
+            <a:r>
+              <a:rPr lang="en-US" sz="1400" dirty="0" err="1">
+                <a:latin typeface="+mn-lt"/>
+              </a:rPr>
+              <a:t>Table.jobsdemo</a:t>
+            </a:r>
+            <a:r>
+              <a:rPr lang="en-US" sz="1400" dirty="0">
+                <a:latin typeface="+mn-lt"/>
+              </a:rPr>
+              <a:t> contains data for the machine learning algorithm of US metro area jobs and their demographic data.   </a:t>
+            </a:r>
+          </a:p>
+          <a:p>
+            <a:pPr marL="0" indent="0">
+              <a:spcAft>
+                <a:spcPts val="1200"/>
+              </a:spcAft>
+              <a:buNone/>
+            </a:pPr>
+            <a:endParaRPr lang="en-US" sz="1800" dirty="0">
+              <a:latin typeface="Lucida Console" panose="020B0609040504020204" pitchFamily="49" charset="0"/>
+            </a:endParaRPr>
+          </a:p>
+          <a:p>
+            <a:pPr marL="0" lvl="0" indent="0" algn="l" rtl="0">
+              <a:spcBef>
+                <a:spcPts val="0"/>
+              </a:spcBef>
+              <a:spcAft>
+                <a:spcPts val="1200"/>
+              </a:spcAft>
+              <a:buNone/>
+            </a:pPr>
+            <a:endParaRPr dirty="0"/>
+          </a:p>
+        </p:txBody>
+      </p:sp>
+      <p:sp>
+        <p:nvSpPr>
+          <p:cNvPr id="2" name="Rectangle: Rounded Corners 1">
+            <a:extLst>
+              <a:ext uri="{FF2B5EF4-FFF2-40B4-BE49-F238E27FC236}">
+                <a16:creationId xmlns:a16="http://schemas.microsoft.com/office/drawing/2014/main" id="{2FFD9D86-2B06-48C6-82CA-5CE4B596DB5E}"/>
+              </a:ext>
+            </a:extLst>
+          </p:cNvPr>
+          <p:cNvSpPr/>
+          <p:nvPr/>
+        </p:nvSpPr>
+        <p:spPr>
+          <a:xfrm>
+            <a:off x="1581293" y="3303351"/>
+            <a:ext cx="1904427" cy="1079404"/>
+          </a:xfrm>
+          <a:prstGeom prst="roundRect">
+            <a:avLst/>
+          </a:prstGeom>
+        </p:spPr>
+        <p:style>
+          <a:lnRef idx="2">
+            <a:schemeClr val="dk1">
+              <a:shade val="50000"/>
+            </a:schemeClr>
+          </a:lnRef>
+          <a:fillRef idx="1">
+            <a:schemeClr val="dk1"/>
+          </a:fillRef>
+          <a:effectRef idx="0">
+            <a:schemeClr val="dk1"/>
+          </a:effectRef>
+          <a:fontRef idx="minor">
+            <a:schemeClr val="lt1"/>
+          </a:fontRef>
+        </p:style>
+        <p:txBody>
+          <a:bodyPr rtlCol="0" anchor="ctr"/>
+          <a:lstStyle/>
+          <a:p>
+            <a:pPr algn="ctr"/>
+            <a:r>
+              <a:rPr lang="en-US" dirty="0"/>
+              <a:t>Bls50metro</a:t>
+            </a:r>
+          </a:p>
+          <a:p>
+            <a:r>
+              <a:rPr lang="en-US" sz="1100" dirty="0"/>
+              <a:t>Primary Key = Index</a:t>
+            </a:r>
+          </a:p>
+          <a:p>
+            <a:r>
+              <a:rPr lang="en-US" sz="1100" dirty="0"/>
+              <a:t>Foreign Key = </a:t>
+            </a:r>
+            <a:r>
+              <a:rPr lang="en-US" sz="1100" dirty="0" err="1"/>
+              <a:t>area_title</a:t>
+            </a:r>
+            <a:endParaRPr lang="en-US" sz="1100" dirty="0"/>
+          </a:p>
+          <a:p>
+            <a:r>
+              <a:rPr lang="en-US" sz="1100" i="1" dirty="0"/>
+              <a:t>(Jobs information, total employment, jobs per 1000)</a:t>
+            </a:r>
+          </a:p>
+        </p:txBody>
+      </p:sp>
+      <p:sp>
+        <p:nvSpPr>
+          <p:cNvPr id="5" name="Rectangle: Rounded Corners 4">
+            <a:extLst>
+              <a:ext uri="{FF2B5EF4-FFF2-40B4-BE49-F238E27FC236}">
+                <a16:creationId xmlns:a16="http://schemas.microsoft.com/office/drawing/2014/main" id="{119C8B9F-CE75-4C18-AA02-0E0717FAE8D8}"/>
+              </a:ext>
+            </a:extLst>
+          </p:cNvPr>
+          <p:cNvSpPr/>
+          <p:nvPr/>
+        </p:nvSpPr>
+        <p:spPr>
+          <a:xfrm>
+            <a:off x="3830625" y="3303351"/>
+            <a:ext cx="1904427" cy="1079404"/>
+          </a:xfrm>
+          <a:prstGeom prst="roundRect">
+            <a:avLst/>
+          </a:prstGeom>
+        </p:spPr>
+        <p:style>
+          <a:lnRef idx="2">
+            <a:schemeClr val="dk1">
+              <a:shade val="50000"/>
+            </a:schemeClr>
+          </a:lnRef>
+          <a:fillRef idx="1">
+            <a:schemeClr val="dk1"/>
+          </a:fillRef>
+          <a:effectRef idx="0">
+            <a:schemeClr val="dk1"/>
+          </a:effectRef>
+          <a:fontRef idx="minor">
+            <a:schemeClr val="lt1"/>
+          </a:fontRef>
+        </p:style>
+        <p:txBody>
+          <a:bodyPr rtlCol="0" anchor="ctr"/>
+          <a:lstStyle/>
+          <a:p>
+            <a:pPr algn="ctr"/>
+            <a:r>
+              <a:rPr lang="en-US" dirty="0" err="1"/>
+              <a:t>democity</a:t>
+            </a:r>
+            <a:endParaRPr lang="en-US" dirty="0"/>
+          </a:p>
+          <a:p>
+            <a:r>
+              <a:rPr lang="en-US" sz="1100" dirty="0"/>
+              <a:t>Primary Key = Index</a:t>
+            </a:r>
+          </a:p>
+          <a:p>
+            <a:r>
+              <a:rPr lang="en-US" sz="1100" dirty="0"/>
+              <a:t>Foreign Key = </a:t>
+            </a:r>
+            <a:r>
+              <a:rPr lang="en-US" sz="1100" dirty="0" err="1"/>
+              <a:t>area_title</a:t>
+            </a:r>
+            <a:endParaRPr lang="en-US" sz="1100" dirty="0"/>
+          </a:p>
+          <a:p>
+            <a:r>
+              <a:rPr lang="en-US" sz="1100" i="1" dirty="0"/>
+              <a:t>(city demographic data, population, race, gender)</a:t>
+            </a:r>
+          </a:p>
+        </p:txBody>
+      </p:sp>
+      <p:sp>
+        <p:nvSpPr>
+          <p:cNvPr id="6" name="Rectangle: Rounded Corners 5">
+            <a:extLst>
+              <a:ext uri="{FF2B5EF4-FFF2-40B4-BE49-F238E27FC236}">
+                <a16:creationId xmlns:a16="http://schemas.microsoft.com/office/drawing/2014/main" id="{2D5E578B-932A-45C9-BD10-387AED173C6C}"/>
+              </a:ext>
+            </a:extLst>
+          </p:cNvPr>
+          <p:cNvSpPr/>
+          <p:nvPr/>
+        </p:nvSpPr>
+        <p:spPr>
+          <a:xfrm>
+            <a:off x="6079957" y="3303351"/>
+            <a:ext cx="1904427" cy="1079404"/>
+          </a:xfrm>
+          <a:prstGeom prst="roundRect">
+            <a:avLst/>
+          </a:prstGeom>
+        </p:spPr>
+        <p:style>
+          <a:lnRef idx="2">
+            <a:schemeClr val="dk1">
+              <a:shade val="50000"/>
+            </a:schemeClr>
+          </a:lnRef>
+          <a:fillRef idx="1">
+            <a:schemeClr val="dk1"/>
+          </a:fillRef>
+          <a:effectRef idx="0">
+            <a:schemeClr val="dk1"/>
+          </a:effectRef>
+          <a:fontRef idx="minor">
+            <a:schemeClr val="lt1"/>
+          </a:fontRef>
+        </p:style>
+        <p:txBody>
+          <a:bodyPr rtlCol="0" anchor="ctr"/>
+          <a:lstStyle/>
+          <a:p>
+            <a:pPr algn="ctr"/>
+            <a:r>
+              <a:rPr lang="en-US" dirty="0" err="1"/>
+              <a:t>jobsdemo</a:t>
+            </a:r>
+            <a:endParaRPr lang="en-US" dirty="0"/>
+          </a:p>
+          <a:p>
+            <a:r>
+              <a:rPr lang="en-US" sz="1100" dirty="0"/>
+              <a:t>Primary Key = Index</a:t>
+            </a:r>
+          </a:p>
+          <a:p>
+            <a:r>
+              <a:rPr lang="en-US" sz="1100" dirty="0"/>
+              <a:t>Foreign Key = </a:t>
+            </a:r>
+            <a:r>
+              <a:rPr lang="en-US" sz="1100" dirty="0" err="1"/>
+              <a:t>area_title</a:t>
+            </a:r>
+            <a:endParaRPr lang="en-US" sz="1100" dirty="0"/>
+          </a:p>
+          <a:p>
+            <a:r>
+              <a:rPr lang="en-US" sz="1050" i="1" dirty="0"/>
+              <a:t>(combined data city data for jobs and demographic)</a:t>
+            </a:r>
           </a:p>
         </p:txBody>
       </p:sp>
@@ -9515,11 +9846,11 @@
 </file>
 
 <file path=ppt/slides/slide4.xml><?xml version="1.0" encoding="utf-8"?>
-<p:sld xmlns:a="http://schemas.openxmlformats.org/drawingml/2006/main" xmlns:r="http://schemas.openxmlformats.org/officeDocument/2006/relationships" xmlns:mc="http://schemas.openxmlformats.org/markup-compatibility/2006" xmlns:mv="urn:schemas-microsoft-com:mac:vml" xmlns:p="http://schemas.openxmlformats.org/presentationml/2006/main" xmlns:c="http://schemas.openxmlformats.org/drawingml/2006/chart" xmlns:dgm="http://schemas.openxmlformats.org/drawingml/2006/diagram" xmlns:o="urn:schemas-microsoft-com:office:office" xmlns:v="urn:schemas-microsoft-com:vml" xmlns:pvml="urn:schemas-microsoft-com:office:powerpoint" xmlns:com="http://schemas.openxmlformats.org/drawingml/2006/compatibility" xmlns:p14="http://schemas.microsoft.com/office/powerpoint/2010/main" xmlns:p15="http://schemas.microsoft.com/office/powerpoint/2012/main" xmlns:ahyp="http://schemas.microsoft.com/office/drawing/2018/hyperlinkcolor">
+<p:sld xmlns:a="http://schemas.openxmlformats.org/drawingml/2006/main" xmlns:r="http://schemas.openxmlformats.org/officeDocument/2006/relationships" xmlns:p="http://schemas.openxmlformats.org/presentationml/2006/main">
   <p:cSld>
     <p:spTree>
       <p:nvGrpSpPr>
-        <p:cNvPr id="146" name="Shape 146"/>
+        <p:cNvPr id="1" name="Shape 146"/>
         <p:cNvGrpSpPr/>
         <p:nvPr/>
       </p:nvGrpSpPr>
@@ -9534,14 +9865,16 @@
       <p:sp>
         <p:nvSpPr>
           <p:cNvPr id="147" name="Google Shape;147;p16"/>
-          <p:cNvSpPr txBox="1"/>
+          <p:cNvSpPr txBox="1">
+            <a:spLocks noGrp="1"/>
+          </p:cNvSpPr>
           <p:nvPr>
             <p:ph type="title"/>
           </p:nvPr>
         </p:nvSpPr>
         <p:spPr>
           <a:xfrm>
-            <a:off x="819150" y="845600"/>
+            <a:off x="819150" y="460589"/>
             <a:ext cx="7505700" cy="954600"/>
           </a:xfrm>
           <a:prstGeom prst="rect">
@@ -9549,12 +9882,12 @@
           </a:prstGeom>
         </p:spPr>
         <p:txBody>
-          <a:bodyPr anchorCtr="0" anchor="t" bIns="91425" lIns="91425" spcFirstLastPara="1" rIns="91425" wrap="square" tIns="91425">
+          <a:bodyPr spcFirstLastPara="1" wrap="square" lIns="91425" tIns="91425" rIns="91425" bIns="91425" anchor="t" anchorCtr="0">
             <a:normAutofit/>
           </a:bodyPr>
           <a:lstStyle/>
           <a:p>
-            <a:pPr indent="0" lvl="0" marL="0" rtl="0" algn="l">
+            <a:pPr marL="0" lvl="0" indent="0" algn="l" rtl="0">
               <a:spcBef>
                 <a:spcPts val="0"/>
               </a:spcBef>
@@ -9564,24 +9897,26 @@
               <a:buNone/>
             </a:pPr>
             <a:r>
-              <a:rPr lang="en"/>
+              <a:rPr lang="en" dirty="0"/>
               <a:t>Machine Learning Model</a:t>
             </a:r>
-            <a:endParaRPr/>
+            <a:endParaRPr dirty="0"/>
           </a:p>
         </p:txBody>
       </p:sp>
       <p:sp>
         <p:nvSpPr>
           <p:cNvPr id="148" name="Google Shape;148;p16"/>
-          <p:cNvSpPr txBox="1"/>
+          <p:cNvSpPr txBox="1">
+            <a:spLocks noGrp="1"/>
+          </p:cNvSpPr>
           <p:nvPr>
-            <p:ph idx="1" type="body"/>
+            <p:ph type="body" idx="1"/>
           </p:nvPr>
         </p:nvSpPr>
         <p:spPr>
           <a:xfrm>
-            <a:off x="819150" y="1990725"/>
+            <a:off x="819150" y="1347750"/>
             <a:ext cx="7505700" cy="2448000"/>
           </a:xfrm>
           <a:prstGeom prst="rect">
@@ -9589,12 +9924,12 @@
           </a:prstGeom>
         </p:spPr>
         <p:txBody>
-          <a:bodyPr anchorCtr="0" anchor="t" bIns="91425" lIns="91425" spcFirstLastPara="1" rIns="91425" wrap="square" tIns="91425">
+          <a:bodyPr spcFirstLastPara="1" wrap="square" lIns="91425" tIns="91425" rIns="91425" bIns="91425" anchor="t" anchorCtr="0">
             <a:normAutofit/>
           </a:bodyPr>
           <a:lstStyle/>
           <a:p>
-            <a:pPr indent="0" lvl="0" marL="0" rtl="0" algn="l">
+            <a:pPr marL="0" lvl="0" indent="0" algn="l" rtl="0">
               <a:spcBef>
                 <a:spcPts val="0"/>
               </a:spcBef>
@@ -9603,10 +9938,7 @@
               </a:spcAft>
               <a:buNone/>
             </a:pPr>
-            <a:r>
-              <a:t/>
-            </a:r>
-            <a:endParaRPr/>
+            <a:endParaRPr dirty="0"/>
           </a:p>
         </p:txBody>
       </p:sp>
@@ -9619,7 +9951,7 @@
 </file>
 
 <file path=ppt/theme/theme1.xml><?xml version="1.0" encoding="utf-8"?>
-<a:theme xmlns:a="http://schemas.openxmlformats.org/drawingml/2006/main" xmlns:r="http://schemas.openxmlformats.org/officeDocument/2006/relationships" name="Shift">
+<a:theme xmlns:a="http://schemas.openxmlformats.org/drawingml/2006/main" name="Shift">
   <a:themeElements>
     <a:clrScheme name="Shift">
       <a:dk1>
@@ -9894,11 +10226,13 @@
       </a:bgFillStyleLst>
     </a:fmtScheme>
   </a:themeElements>
+  <a:objectDefaults/>
+  <a:extraClrSchemeLst/>
 </a:theme>
 </file>
 
 <file path=ppt/theme/theme2.xml><?xml version="1.0" encoding="utf-8"?>
-<a:theme xmlns:a="http://schemas.openxmlformats.org/drawingml/2006/main" xmlns:r="http://schemas.openxmlformats.org/officeDocument/2006/relationships">
+<a:theme xmlns:a="http://schemas.openxmlformats.org/drawingml/2006/main">
   <a:themeElements>
     <a:clrScheme name="Default">
       <a:dk1>
@@ -10173,5 +10507,7 @@
       </a:bgFillStyleLst>
     </a:fmtScheme>
   </a:themeElements>
+  <a:objectDefaults/>
+  <a:extraClrSchemeLst/>
 </a:theme>
 </file>
--- a/U_of_A Final Project.pptx
+++ b/U_of_A Final Project.pptx
@@ -5,34 +5,35 @@
     <p:sldMasterId id="2147483659" r:id="rId1"/>
   </p:sldMasterIdLst>
   <p:notesMasterIdLst>
-    <p:notesMasterId r:id="rId6"/>
+    <p:notesMasterId r:id="rId7"/>
   </p:notesMasterIdLst>
   <p:sldIdLst>
     <p:sldId id="256" r:id="rId2"/>
     <p:sldId id="257" r:id="rId3"/>
     <p:sldId id="258" r:id="rId4"/>
-    <p:sldId id="259" r:id="rId5"/>
+    <p:sldId id="260" r:id="rId5"/>
+    <p:sldId id="259" r:id="rId6"/>
   </p:sldIdLst>
   <p:sldSz cx="9144000" cy="5143500" type="screen16x9"/>
   <p:notesSz cx="6858000" cy="9144000"/>
   <p:embeddedFontLst>
     <p:embeddedFont>
       <p:font typeface="Calibri" panose="020F0502020204030204" pitchFamily="34" charset="0"/>
-      <p:regular r:id="rId7"/>
-      <p:bold r:id="rId8"/>
-      <p:italic r:id="rId9"/>
-      <p:boldItalic r:id="rId10"/>
+      <p:regular r:id="rId8"/>
+      <p:bold r:id="rId9"/>
+      <p:italic r:id="rId10"/>
+      <p:boldItalic r:id="rId11"/>
     </p:embeddedFont>
     <p:embeddedFont>
       <p:font typeface="Lucida Console" panose="020B0609040504020204" pitchFamily="49" charset="0"/>
-      <p:regular r:id="rId11"/>
+      <p:regular r:id="rId12"/>
     </p:embeddedFont>
     <p:embeddedFont>
       <p:font typeface="Nunito" pitchFamily="2" charset="0"/>
-      <p:regular r:id="rId12"/>
-      <p:bold r:id="rId13"/>
-      <p:italic r:id="rId14"/>
-      <p:boldItalic r:id="rId15"/>
+      <p:regular r:id="rId13"/>
+      <p:bold r:id="rId14"/>
+      <p:italic r:id="rId15"/>
+      <p:boldItalic r:id="rId16"/>
     </p:embeddedFont>
   </p:embeddedFontLst>
   <p:defaultTextStyle>
@@ -9832,8 +9833,100 @@
           <a:p>
             <a:r>
               <a:rPr lang="en-US" sz="1050" i="1" dirty="0"/>
-              <a:t>(combined data city data for jobs and demographic)</a:t>
+              <a:t>(combined city data for jobs and demographic)</a:t>
             </a:r>
+          </a:p>
+        </p:txBody>
+      </p:sp>
+      <p:sp>
+        <p:nvSpPr>
+          <p:cNvPr id="3" name="Arrow: Right 2">
+            <a:extLst>
+              <a:ext uri="{FF2B5EF4-FFF2-40B4-BE49-F238E27FC236}">
+                <a16:creationId xmlns:a16="http://schemas.microsoft.com/office/drawing/2014/main" id="{F31D49A8-9043-47F9-8861-AFB520CFC1E3}"/>
+              </a:ext>
+            </a:extLst>
+          </p:cNvPr>
+          <p:cNvSpPr/>
+          <p:nvPr/>
+        </p:nvSpPr>
+        <p:spPr>
+          <a:xfrm>
+            <a:off x="3570013" y="3726174"/>
+            <a:ext cx="171879" cy="233757"/>
+          </a:xfrm>
+          <a:prstGeom prst="rightArrow">
+            <a:avLst/>
+          </a:prstGeom>
+        </p:spPr>
+        <p:style>
+          <a:lnRef idx="2">
+            <a:schemeClr val="accent1">
+              <a:shade val="50000"/>
+            </a:schemeClr>
+          </a:lnRef>
+          <a:fillRef idx="1">
+            <a:schemeClr val="accent1"/>
+          </a:fillRef>
+          <a:effectRef idx="0">
+            <a:schemeClr val="accent1"/>
+          </a:effectRef>
+          <a:fontRef idx="minor">
+            <a:schemeClr val="lt1"/>
+          </a:fontRef>
+        </p:style>
+        <p:txBody>
+          <a:bodyPr rtlCol="0" anchor="ctr"/>
+          <a:lstStyle/>
+          <a:p>
+            <a:pPr algn="ctr"/>
+            <a:endParaRPr lang="en-US"/>
+          </a:p>
+        </p:txBody>
+      </p:sp>
+      <p:sp>
+        <p:nvSpPr>
+          <p:cNvPr id="8" name="Arrow: Right 7">
+            <a:extLst>
+              <a:ext uri="{FF2B5EF4-FFF2-40B4-BE49-F238E27FC236}">
+                <a16:creationId xmlns:a16="http://schemas.microsoft.com/office/drawing/2014/main" id="{0C6AB154-D1D4-4981-8E68-29E4FF597E41}"/>
+              </a:ext>
+            </a:extLst>
+          </p:cNvPr>
+          <p:cNvSpPr/>
+          <p:nvPr/>
+        </p:nvSpPr>
+        <p:spPr>
+          <a:xfrm>
+            <a:off x="5850426" y="3726173"/>
+            <a:ext cx="171879" cy="233757"/>
+          </a:xfrm>
+          <a:prstGeom prst="rightArrow">
+            <a:avLst/>
+          </a:prstGeom>
+        </p:spPr>
+        <p:style>
+          <a:lnRef idx="2">
+            <a:schemeClr val="accent1">
+              <a:shade val="50000"/>
+            </a:schemeClr>
+          </a:lnRef>
+          <a:fillRef idx="1">
+            <a:schemeClr val="accent1"/>
+          </a:fillRef>
+          <a:effectRef idx="0">
+            <a:schemeClr val="accent1"/>
+          </a:effectRef>
+          <a:fontRef idx="minor">
+            <a:schemeClr val="lt1"/>
+          </a:fontRef>
+        </p:style>
+        <p:txBody>
+          <a:bodyPr rtlCol="0" anchor="ctr"/>
+          <a:lstStyle/>
+          <a:p>
+            <a:pPr algn="ctr"/>
+            <a:endParaRPr lang="en-US"/>
           </a:p>
         </p:txBody>
       </p:sp>
@@ -9846,6 +9939,99 @@
 </file>
 
 <file path=ppt/slides/slide4.xml><?xml version="1.0" encoding="utf-8"?>
+<p:sld xmlns:a="http://schemas.openxmlformats.org/drawingml/2006/main" xmlns:r="http://schemas.openxmlformats.org/officeDocument/2006/relationships" xmlns:p="http://schemas.openxmlformats.org/presentationml/2006/main">
+  <p:cSld>
+    <p:spTree>
+      <p:nvGrpSpPr>
+        <p:cNvPr id="1" name=""/>
+        <p:cNvGrpSpPr/>
+        <p:nvPr/>
+      </p:nvGrpSpPr>
+      <p:grpSpPr>
+        <a:xfrm>
+          <a:off x="0" y="0"/>
+          <a:ext cx="0" cy="0"/>
+          <a:chOff x="0" y="0"/>
+          <a:chExt cx="0" cy="0"/>
+        </a:xfrm>
+      </p:grpSpPr>
+      <p:sp>
+        <p:nvSpPr>
+          <p:cNvPr id="2" name="Title 1">
+            <a:extLst>
+              <a:ext uri="{FF2B5EF4-FFF2-40B4-BE49-F238E27FC236}">
+                <a16:creationId xmlns:a16="http://schemas.microsoft.com/office/drawing/2014/main" id="{BA72A6D4-FB7B-4CCC-97BB-2458F1565F9B}"/>
+              </a:ext>
+            </a:extLst>
+          </p:cNvPr>
+          <p:cNvSpPr>
+            <a:spLocks noGrp="1"/>
+          </p:cNvSpPr>
+          <p:nvPr>
+            <p:ph type="title"/>
+          </p:nvPr>
+        </p:nvSpPr>
+        <p:spPr>
+          <a:xfrm>
+            <a:off x="819150" y="281834"/>
+            <a:ext cx="7505700" cy="954600"/>
+          </a:xfrm>
+        </p:spPr>
+        <p:txBody>
+          <a:bodyPr/>
+          <a:lstStyle/>
+          <a:p>
+            <a:r>
+              <a:rPr lang="en-US" dirty="0"/>
+              <a:t>Database</a:t>
+            </a:r>
+          </a:p>
+        </p:txBody>
+      </p:sp>
+      <p:pic>
+        <p:nvPicPr>
+          <p:cNvPr id="7" name="Picture 6">
+            <a:extLst>
+              <a:ext uri="{FF2B5EF4-FFF2-40B4-BE49-F238E27FC236}">
+                <a16:creationId xmlns:a16="http://schemas.microsoft.com/office/drawing/2014/main" id="{1B21AFA5-9A18-4A63-B254-41D3338E6718}"/>
+              </a:ext>
+            </a:extLst>
+          </p:cNvPr>
+          <p:cNvPicPr>
+            <a:picLocks noChangeAspect="1"/>
+          </p:cNvPicPr>
+          <p:nvPr/>
+        </p:nvPicPr>
+        <p:blipFill>
+          <a:blip r:embed="rId2"/>
+          <a:stretch>
+            <a:fillRect/>
+          </a:stretch>
+        </p:blipFill>
+        <p:spPr>
+          <a:xfrm>
+            <a:off x="3953234" y="330009"/>
+            <a:ext cx="4715450" cy="2606604"/>
+          </a:xfrm>
+          <a:prstGeom prst="rect">
+            <a:avLst/>
+          </a:prstGeom>
+        </p:spPr>
+      </p:pic>
+    </p:spTree>
+    <p:extLst>
+      <p:ext uri="{BB962C8B-B14F-4D97-AF65-F5344CB8AC3E}">
+        <p14:creationId xmlns:p14="http://schemas.microsoft.com/office/powerpoint/2010/main" val="1040300106"/>
+      </p:ext>
+    </p:extLst>
+  </p:cSld>
+  <p:clrMapOvr>
+    <a:masterClrMapping/>
+  </p:clrMapOvr>
+</p:sld>
+</file>
+
+<file path=ppt/slides/slide5.xml><?xml version="1.0" encoding="utf-8"?>
 <p:sld xmlns:a="http://schemas.openxmlformats.org/drawingml/2006/main" xmlns:r="http://schemas.openxmlformats.org/officeDocument/2006/relationships" xmlns:p="http://schemas.openxmlformats.org/presentationml/2006/main">
   <p:cSld>
     <p:spTree>

--- a/U_of_A Final Project.pptx
+++ b/U_of_A Final Project.pptx
@@ -5,35 +5,34 @@
     <p:sldMasterId id="2147483659" r:id="rId1"/>
   </p:sldMasterIdLst>
   <p:notesMasterIdLst>
-    <p:notesMasterId r:id="rId7"/>
+    <p:notesMasterId r:id="rId6"/>
   </p:notesMasterIdLst>
   <p:sldIdLst>
     <p:sldId id="256" r:id="rId2"/>
     <p:sldId id="257" r:id="rId3"/>
     <p:sldId id="258" r:id="rId4"/>
-    <p:sldId id="260" r:id="rId5"/>
-    <p:sldId id="259" r:id="rId6"/>
+    <p:sldId id="259" r:id="rId5"/>
   </p:sldIdLst>
   <p:sldSz cx="9144000" cy="5143500" type="screen16x9"/>
   <p:notesSz cx="6858000" cy="9144000"/>
   <p:embeddedFontLst>
     <p:embeddedFont>
       <p:font typeface="Calibri" panose="020F0502020204030204" pitchFamily="34" charset="0"/>
-      <p:regular r:id="rId8"/>
-      <p:bold r:id="rId9"/>
-      <p:italic r:id="rId10"/>
-      <p:boldItalic r:id="rId11"/>
+      <p:regular r:id="rId7"/>
+      <p:bold r:id="rId8"/>
+      <p:italic r:id="rId9"/>
+      <p:boldItalic r:id="rId10"/>
     </p:embeddedFont>
     <p:embeddedFont>
       <p:font typeface="Lucida Console" panose="020B0609040504020204" pitchFamily="49" charset="0"/>
-      <p:regular r:id="rId12"/>
+      <p:regular r:id="rId11"/>
     </p:embeddedFont>
     <p:embeddedFont>
       <p:font typeface="Nunito" pitchFamily="2" charset="0"/>
-      <p:regular r:id="rId13"/>
-      <p:bold r:id="rId14"/>
-      <p:italic r:id="rId15"/>
-      <p:boldItalic r:id="rId16"/>
+      <p:regular r:id="rId12"/>
+      <p:bold r:id="rId13"/>
+      <p:italic r:id="rId14"/>
+      <p:boldItalic r:id="rId15"/>
     </p:embeddedFont>
   </p:embeddedFontLst>
   <p:defaultTextStyle>
@@ -9496,8 +9495,8 @@
         </p:nvSpPr>
         <p:spPr>
           <a:xfrm>
-            <a:off x="819150" y="1010652"/>
-            <a:ext cx="7505700" cy="3015561"/>
+            <a:off x="508765" y="1010652"/>
+            <a:ext cx="2480940" cy="3015561"/>
           </a:xfrm>
           <a:prstGeom prst="rect">
             <a:avLst/>
@@ -9528,72 +9527,13 @@
               <a:rPr lang="en-US" sz="1800" dirty="0">
                 <a:latin typeface="+mn-lt"/>
               </a:rPr>
-              <a:t> and contains three tables</a:t>
+              <a:t> DB and contains 5 tables</a:t>
             </a:r>
           </a:p>
           <a:p>
-            <a:r>
-              <a:rPr lang="en-US" sz="1400" dirty="0">
-                <a:latin typeface="+mn-lt"/>
-              </a:rPr>
-              <a:t>Table.bls50metro contains job data from US metro areas from the bureau of labor statistics </a:t>
-            </a:r>
-            <a:r>
-              <a:rPr lang="en-US" sz="1400" b="0" i="0" u="none" strike="noStrike" dirty="0">
-                <a:effectLst/>
-                <a:latin typeface="+mn-lt"/>
-                <a:hlinkClick r:id="rId3"/>
-              </a:rPr>
-              <a:t>https://www.bls.gov/oes/tables.htm</a:t>
-            </a:r>
-            <a:endParaRPr lang="en-US" sz="1400" b="0" i="0" u="none" strike="noStrike" dirty="0">
-              <a:effectLst/>
+            <a:endParaRPr lang="en-US" sz="1800" dirty="0">
               <a:latin typeface="+mn-lt"/>
             </a:endParaRPr>
-          </a:p>
-          <a:p>
-            <a:r>
-              <a:rPr lang="en-US" sz="1400" dirty="0" err="1">
-                <a:latin typeface="+mn-lt"/>
-              </a:rPr>
-              <a:t>Table.democity</a:t>
-            </a:r>
-            <a:r>
-              <a:rPr lang="en-US" sz="1400" dirty="0">
-                <a:latin typeface="+mn-lt"/>
-              </a:rPr>
-              <a:t> contains demographic data of all the cities in the jobs table from </a:t>
-            </a:r>
-            <a:r>
-              <a:rPr lang="en-US" sz="1400" dirty="0">
-                <a:latin typeface="+mn-lt"/>
-                <a:hlinkClick r:id="rId4">
-                  <a:extLst>
-                    <a:ext uri="{A12FA001-AC4F-418D-AE19-62706E023703}">
-                      <ahyp:hlinkClr xmlns:ahyp="http://schemas.microsoft.com/office/drawing/2018/hyperlinkcolor" val="tx"/>
-                    </a:ext>
-                  </a:extLst>
-                </a:hlinkClick>
-              </a:rPr>
-              <a:t>https://www.cubitplanning.com</a:t>
-            </a:r>
-            <a:endParaRPr lang="en-US" sz="1400" dirty="0">
-              <a:latin typeface="+mn-lt"/>
-            </a:endParaRPr>
-          </a:p>
-          <a:p>
-            <a:r>
-              <a:rPr lang="en-US" sz="1400" dirty="0" err="1">
-                <a:latin typeface="+mn-lt"/>
-              </a:rPr>
-              <a:t>Table.jobsdemo</a:t>
-            </a:r>
-            <a:r>
-              <a:rPr lang="en-US" sz="1400" dirty="0">
-                <a:latin typeface="+mn-lt"/>
-              </a:rPr>
-              <a:t> contains data for the machine learning algorithm of US metro area jobs and their demographic data.   </a:t>
-            </a:r>
           </a:p>
           <a:p>
             <a:pPr marL="0" indent="0">
@@ -9620,316 +9560,36 @@
           </a:p>
         </p:txBody>
       </p:sp>
-      <p:sp>
-        <p:nvSpPr>
-          <p:cNvPr id="2" name="Rectangle: Rounded Corners 1">
+      <p:pic>
+        <p:nvPicPr>
+          <p:cNvPr id="9" name="Picture 8" descr="A picture containing graphical user interface&#10;&#10;Description automatically generated">
             <a:extLst>
               <a:ext uri="{FF2B5EF4-FFF2-40B4-BE49-F238E27FC236}">
-                <a16:creationId xmlns:a16="http://schemas.microsoft.com/office/drawing/2014/main" id="{2FFD9D86-2B06-48C6-82CA-5CE4B596DB5E}"/>
+                <a16:creationId xmlns:a16="http://schemas.microsoft.com/office/drawing/2014/main" id="{5B86EF78-DB76-4008-B2AA-2BF10DF0C746}"/>
               </a:ext>
             </a:extLst>
           </p:cNvPr>
-          <p:cNvSpPr/>
+          <p:cNvPicPr>
+            <a:picLocks noChangeAspect="1"/>
+          </p:cNvPicPr>
           <p:nvPr/>
-        </p:nvSpPr>
+        </p:nvPicPr>
+        <p:blipFill>
+          <a:blip r:embed="rId3"/>
+          <a:stretch>
+            <a:fillRect/>
+          </a:stretch>
+        </p:blipFill>
         <p:spPr>
           <a:xfrm>
-            <a:off x="1581293" y="3303351"/>
-            <a:ext cx="1904427" cy="1079404"/>
+            <a:off x="3300090" y="988886"/>
+            <a:ext cx="5335145" cy="2835678"/>
           </a:xfrm>
-          <a:prstGeom prst="roundRect">
+          <a:prstGeom prst="rect">
             <a:avLst/>
           </a:prstGeom>
         </p:spPr>
-        <p:style>
-          <a:lnRef idx="2">
-            <a:schemeClr val="dk1">
-              <a:shade val="50000"/>
-            </a:schemeClr>
-          </a:lnRef>
-          <a:fillRef idx="1">
-            <a:schemeClr val="dk1"/>
-          </a:fillRef>
-          <a:effectRef idx="0">
-            <a:schemeClr val="dk1"/>
-          </a:effectRef>
-          <a:fontRef idx="minor">
-            <a:schemeClr val="lt1"/>
-          </a:fontRef>
-        </p:style>
-        <p:txBody>
-          <a:bodyPr rtlCol="0" anchor="ctr"/>
-          <a:lstStyle/>
-          <a:p>
-            <a:pPr algn="ctr"/>
-            <a:r>
-              <a:rPr lang="en-US" dirty="0"/>
-              <a:t>Bls50metro</a:t>
-            </a:r>
-          </a:p>
-          <a:p>
-            <a:r>
-              <a:rPr lang="en-US" sz="1100" dirty="0"/>
-              <a:t>Primary Key = Index</a:t>
-            </a:r>
-          </a:p>
-          <a:p>
-            <a:r>
-              <a:rPr lang="en-US" sz="1100" dirty="0"/>
-              <a:t>Foreign Key = </a:t>
-            </a:r>
-            <a:r>
-              <a:rPr lang="en-US" sz="1100" dirty="0" err="1"/>
-              <a:t>area_title</a:t>
-            </a:r>
-            <a:endParaRPr lang="en-US" sz="1100" dirty="0"/>
-          </a:p>
-          <a:p>
-            <a:r>
-              <a:rPr lang="en-US" sz="1100" i="1" dirty="0"/>
-              <a:t>(Jobs information, total employment, jobs per 1000)</a:t>
-            </a:r>
-          </a:p>
-        </p:txBody>
-      </p:sp>
-      <p:sp>
-        <p:nvSpPr>
-          <p:cNvPr id="5" name="Rectangle: Rounded Corners 4">
-            <a:extLst>
-              <a:ext uri="{FF2B5EF4-FFF2-40B4-BE49-F238E27FC236}">
-                <a16:creationId xmlns:a16="http://schemas.microsoft.com/office/drawing/2014/main" id="{119C8B9F-CE75-4C18-AA02-0E0717FAE8D8}"/>
-              </a:ext>
-            </a:extLst>
-          </p:cNvPr>
-          <p:cNvSpPr/>
-          <p:nvPr/>
-        </p:nvSpPr>
-        <p:spPr>
-          <a:xfrm>
-            <a:off x="3830625" y="3303351"/>
-            <a:ext cx="1904427" cy="1079404"/>
-          </a:xfrm>
-          <a:prstGeom prst="roundRect">
-            <a:avLst/>
-          </a:prstGeom>
-        </p:spPr>
-        <p:style>
-          <a:lnRef idx="2">
-            <a:schemeClr val="dk1">
-              <a:shade val="50000"/>
-            </a:schemeClr>
-          </a:lnRef>
-          <a:fillRef idx="1">
-            <a:schemeClr val="dk1"/>
-          </a:fillRef>
-          <a:effectRef idx="0">
-            <a:schemeClr val="dk1"/>
-          </a:effectRef>
-          <a:fontRef idx="minor">
-            <a:schemeClr val="lt1"/>
-          </a:fontRef>
-        </p:style>
-        <p:txBody>
-          <a:bodyPr rtlCol="0" anchor="ctr"/>
-          <a:lstStyle/>
-          <a:p>
-            <a:pPr algn="ctr"/>
-            <a:r>
-              <a:rPr lang="en-US" dirty="0" err="1"/>
-              <a:t>democity</a:t>
-            </a:r>
-            <a:endParaRPr lang="en-US" dirty="0"/>
-          </a:p>
-          <a:p>
-            <a:r>
-              <a:rPr lang="en-US" sz="1100" dirty="0"/>
-              <a:t>Primary Key = Index</a:t>
-            </a:r>
-          </a:p>
-          <a:p>
-            <a:r>
-              <a:rPr lang="en-US" sz="1100" dirty="0"/>
-              <a:t>Foreign Key = </a:t>
-            </a:r>
-            <a:r>
-              <a:rPr lang="en-US" sz="1100" dirty="0" err="1"/>
-              <a:t>area_title</a:t>
-            </a:r>
-            <a:endParaRPr lang="en-US" sz="1100" dirty="0"/>
-          </a:p>
-          <a:p>
-            <a:r>
-              <a:rPr lang="en-US" sz="1100" i="1" dirty="0"/>
-              <a:t>(city demographic data, population, race, gender)</a:t>
-            </a:r>
-          </a:p>
-        </p:txBody>
-      </p:sp>
-      <p:sp>
-        <p:nvSpPr>
-          <p:cNvPr id="6" name="Rectangle: Rounded Corners 5">
-            <a:extLst>
-              <a:ext uri="{FF2B5EF4-FFF2-40B4-BE49-F238E27FC236}">
-                <a16:creationId xmlns:a16="http://schemas.microsoft.com/office/drawing/2014/main" id="{2D5E578B-932A-45C9-BD10-387AED173C6C}"/>
-              </a:ext>
-            </a:extLst>
-          </p:cNvPr>
-          <p:cNvSpPr/>
-          <p:nvPr/>
-        </p:nvSpPr>
-        <p:spPr>
-          <a:xfrm>
-            <a:off x="6079957" y="3303351"/>
-            <a:ext cx="1904427" cy="1079404"/>
-          </a:xfrm>
-          <a:prstGeom prst="roundRect">
-            <a:avLst/>
-          </a:prstGeom>
-        </p:spPr>
-        <p:style>
-          <a:lnRef idx="2">
-            <a:schemeClr val="dk1">
-              <a:shade val="50000"/>
-            </a:schemeClr>
-          </a:lnRef>
-          <a:fillRef idx="1">
-            <a:schemeClr val="dk1"/>
-          </a:fillRef>
-          <a:effectRef idx="0">
-            <a:schemeClr val="dk1"/>
-          </a:effectRef>
-          <a:fontRef idx="minor">
-            <a:schemeClr val="lt1"/>
-          </a:fontRef>
-        </p:style>
-        <p:txBody>
-          <a:bodyPr rtlCol="0" anchor="ctr"/>
-          <a:lstStyle/>
-          <a:p>
-            <a:pPr algn="ctr"/>
-            <a:r>
-              <a:rPr lang="en-US" dirty="0" err="1"/>
-              <a:t>jobsdemo</a:t>
-            </a:r>
-            <a:endParaRPr lang="en-US" dirty="0"/>
-          </a:p>
-          <a:p>
-            <a:r>
-              <a:rPr lang="en-US" sz="1100" dirty="0"/>
-              <a:t>Primary Key = Index</a:t>
-            </a:r>
-          </a:p>
-          <a:p>
-            <a:r>
-              <a:rPr lang="en-US" sz="1100" dirty="0"/>
-              <a:t>Foreign Key = </a:t>
-            </a:r>
-            <a:r>
-              <a:rPr lang="en-US" sz="1100" dirty="0" err="1"/>
-              <a:t>area_title</a:t>
-            </a:r>
-            <a:endParaRPr lang="en-US" sz="1100" dirty="0"/>
-          </a:p>
-          <a:p>
-            <a:r>
-              <a:rPr lang="en-US" sz="1050" i="1" dirty="0"/>
-              <a:t>(combined city data for jobs and demographic)</a:t>
-            </a:r>
-          </a:p>
-        </p:txBody>
-      </p:sp>
-      <p:sp>
-        <p:nvSpPr>
-          <p:cNvPr id="3" name="Arrow: Right 2">
-            <a:extLst>
-              <a:ext uri="{FF2B5EF4-FFF2-40B4-BE49-F238E27FC236}">
-                <a16:creationId xmlns:a16="http://schemas.microsoft.com/office/drawing/2014/main" id="{F31D49A8-9043-47F9-8861-AFB520CFC1E3}"/>
-              </a:ext>
-            </a:extLst>
-          </p:cNvPr>
-          <p:cNvSpPr/>
-          <p:nvPr/>
-        </p:nvSpPr>
-        <p:spPr>
-          <a:xfrm>
-            <a:off x="3570013" y="3726174"/>
-            <a:ext cx="171879" cy="233757"/>
-          </a:xfrm>
-          <a:prstGeom prst="rightArrow">
-            <a:avLst/>
-          </a:prstGeom>
-        </p:spPr>
-        <p:style>
-          <a:lnRef idx="2">
-            <a:schemeClr val="accent1">
-              <a:shade val="50000"/>
-            </a:schemeClr>
-          </a:lnRef>
-          <a:fillRef idx="1">
-            <a:schemeClr val="accent1"/>
-          </a:fillRef>
-          <a:effectRef idx="0">
-            <a:schemeClr val="accent1"/>
-          </a:effectRef>
-          <a:fontRef idx="minor">
-            <a:schemeClr val="lt1"/>
-          </a:fontRef>
-        </p:style>
-        <p:txBody>
-          <a:bodyPr rtlCol="0" anchor="ctr"/>
-          <a:lstStyle/>
-          <a:p>
-            <a:pPr algn="ctr"/>
-            <a:endParaRPr lang="en-US"/>
-          </a:p>
-        </p:txBody>
-      </p:sp>
-      <p:sp>
-        <p:nvSpPr>
-          <p:cNvPr id="8" name="Arrow: Right 7">
-            <a:extLst>
-              <a:ext uri="{FF2B5EF4-FFF2-40B4-BE49-F238E27FC236}">
-                <a16:creationId xmlns:a16="http://schemas.microsoft.com/office/drawing/2014/main" id="{0C6AB154-D1D4-4981-8E68-29E4FF597E41}"/>
-              </a:ext>
-            </a:extLst>
-          </p:cNvPr>
-          <p:cNvSpPr/>
-          <p:nvPr/>
-        </p:nvSpPr>
-        <p:spPr>
-          <a:xfrm>
-            <a:off x="5850426" y="3726173"/>
-            <a:ext cx="171879" cy="233757"/>
-          </a:xfrm>
-          <a:prstGeom prst="rightArrow">
-            <a:avLst/>
-          </a:prstGeom>
-        </p:spPr>
-        <p:style>
-          <a:lnRef idx="2">
-            <a:schemeClr val="accent1">
-              <a:shade val="50000"/>
-            </a:schemeClr>
-          </a:lnRef>
-          <a:fillRef idx="1">
-            <a:schemeClr val="accent1"/>
-          </a:fillRef>
-          <a:effectRef idx="0">
-            <a:schemeClr val="accent1"/>
-          </a:effectRef>
-          <a:fontRef idx="minor">
-            <a:schemeClr val="lt1"/>
-          </a:fontRef>
-        </p:style>
-        <p:txBody>
-          <a:bodyPr rtlCol="0" anchor="ctr"/>
-          <a:lstStyle/>
-          <a:p>
-            <a:pPr algn="ctr"/>
-            <a:endParaRPr lang="en-US"/>
-          </a:p>
-        </p:txBody>
-      </p:sp>
+      </p:pic>
     </p:spTree>
   </p:cSld>
   <p:clrMapOvr>
@@ -9939,99 +9599,6 @@
 </file>
 
 <file path=ppt/slides/slide4.xml><?xml version="1.0" encoding="utf-8"?>
-<p:sld xmlns:a="http://schemas.openxmlformats.org/drawingml/2006/main" xmlns:r="http://schemas.openxmlformats.org/officeDocument/2006/relationships" xmlns:p="http://schemas.openxmlformats.org/presentationml/2006/main">
-  <p:cSld>
-    <p:spTree>
-      <p:nvGrpSpPr>
-        <p:cNvPr id="1" name=""/>
-        <p:cNvGrpSpPr/>
-        <p:nvPr/>
-      </p:nvGrpSpPr>
-      <p:grpSpPr>
-        <a:xfrm>
-          <a:off x="0" y="0"/>
-          <a:ext cx="0" cy="0"/>
-          <a:chOff x="0" y="0"/>
-          <a:chExt cx="0" cy="0"/>
-        </a:xfrm>
-      </p:grpSpPr>
-      <p:sp>
-        <p:nvSpPr>
-          <p:cNvPr id="2" name="Title 1">
-            <a:extLst>
-              <a:ext uri="{FF2B5EF4-FFF2-40B4-BE49-F238E27FC236}">
-                <a16:creationId xmlns:a16="http://schemas.microsoft.com/office/drawing/2014/main" id="{BA72A6D4-FB7B-4CCC-97BB-2458F1565F9B}"/>
-              </a:ext>
-            </a:extLst>
-          </p:cNvPr>
-          <p:cNvSpPr>
-            <a:spLocks noGrp="1"/>
-          </p:cNvSpPr>
-          <p:nvPr>
-            <p:ph type="title"/>
-          </p:nvPr>
-        </p:nvSpPr>
-        <p:spPr>
-          <a:xfrm>
-            <a:off x="819150" y="281834"/>
-            <a:ext cx="7505700" cy="954600"/>
-          </a:xfrm>
-        </p:spPr>
-        <p:txBody>
-          <a:bodyPr/>
-          <a:lstStyle/>
-          <a:p>
-            <a:r>
-              <a:rPr lang="en-US" dirty="0"/>
-              <a:t>Database</a:t>
-            </a:r>
-          </a:p>
-        </p:txBody>
-      </p:sp>
-      <p:pic>
-        <p:nvPicPr>
-          <p:cNvPr id="7" name="Picture 6">
-            <a:extLst>
-              <a:ext uri="{FF2B5EF4-FFF2-40B4-BE49-F238E27FC236}">
-                <a16:creationId xmlns:a16="http://schemas.microsoft.com/office/drawing/2014/main" id="{1B21AFA5-9A18-4A63-B254-41D3338E6718}"/>
-              </a:ext>
-            </a:extLst>
-          </p:cNvPr>
-          <p:cNvPicPr>
-            <a:picLocks noChangeAspect="1"/>
-          </p:cNvPicPr>
-          <p:nvPr/>
-        </p:nvPicPr>
-        <p:blipFill>
-          <a:blip r:embed="rId2"/>
-          <a:stretch>
-            <a:fillRect/>
-          </a:stretch>
-        </p:blipFill>
-        <p:spPr>
-          <a:xfrm>
-            <a:off x="3953234" y="330009"/>
-            <a:ext cx="4715450" cy="2606604"/>
-          </a:xfrm>
-          <a:prstGeom prst="rect">
-            <a:avLst/>
-          </a:prstGeom>
-        </p:spPr>
-      </p:pic>
-    </p:spTree>
-    <p:extLst>
-      <p:ext uri="{BB962C8B-B14F-4D97-AF65-F5344CB8AC3E}">
-        <p14:creationId xmlns:p14="http://schemas.microsoft.com/office/powerpoint/2010/main" val="1040300106"/>
-      </p:ext>
-    </p:extLst>
-  </p:cSld>
-  <p:clrMapOvr>
-    <a:masterClrMapping/>
-  </p:clrMapOvr>
-</p:sld>
-</file>
-
-<file path=ppt/slides/slide5.xml><?xml version="1.0" encoding="utf-8"?>
 <p:sld xmlns:a="http://schemas.openxmlformats.org/drawingml/2006/main" xmlns:r="http://schemas.openxmlformats.org/officeDocument/2006/relationships" xmlns:p="http://schemas.openxmlformats.org/presentationml/2006/main">
   <p:cSld>
     <p:spTree>
